--- a/apresentacao_preprojeto.pptx
+++ b/apresentacao_preprojeto.pptx
@@ -18,6 +18,8 @@
     <p:sldId id="262" r:id="rId11"/>
     <p:sldId id="263" r:id="rId12"/>
     <p:sldId id="264" r:id="rId13"/>
+    <p:sldId id="265" r:id="rId14"/>
+    <p:sldId id="266" r:id="rId15"/>
   </p:sldIdLst>
   <p:sldSz cx="9144000" cy="6858000"/>
   <p:notesSz cx="6858000" cy="9144000"/>
@@ -43,7 +45,7 @@
       </p:grpSpPr>
       <p:sp>
         <p:nvSpPr>
-          <p:cNvPr id="84" name="PlaceHolder 1"/>
+          <p:cNvPr id="78" name="PlaceHolder 1"/>
           <p:cNvSpPr>
             <a:spLocks noGrp="1"/>
           </p:cNvSpPr>
@@ -75,7 +77,7 @@
       </p:sp>
       <p:sp>
         <p:nvSpPr>
-          <p:cNvPr id="85" name="PlaceHolder 2"/>
+          <p:cNvPr id="79" name="PlaceHolder 2"/>
           <p:cNvSpPr>
             <a:spLocks noGrp="1"/>
           </p:cNvSpPr>
@@ -107,7 +109,7 @@
       </p:sp>
       <p:sp>
         <p:nvSpPr>
-          <p:cNvPr id="86" name="PlaceHolder 3"/>
+          <p:cNvPr id="80" name="PlaceHolder 3"/>
           <p:cNvSpPr>
             <a:spLocks noGrp="1"/>
           </p:cNvSpPr>
@@ -140,7 +142,7 @@
       </p:sp>
       <p:sp>
         <p:nvSpPr>
-          <p:cNvPr id="87" name="PlaceHolder 4"/>
+          <p:cNvPr id="81" name="PlaceHolder 4"/>
           <p:cNvSpPr>
             <a:spLocks noGrp="1"/>
           </p:cNvSpPr>
@@ -172,7 +174,7 @@
       </p:sp>
       <p:sp>
         <p:nvSpPr>
-          <p:cNvPr id="88" name="PlaceHolder 5"/>
+          <p:cNvPr id="82" name="PlaceHolder 5"/>
           <p:cNvSpPr>
             <a:spLocks noGrp="1"/>
           </p:cNvSpPr>
@@ -193,7 +195,7 @@
           <a:bodyPr lIns="0" rIns="0" tIns="0" bIns="0" anchor="b"/>
           <a:p>
             <a:pPr algn="r"/>
-            <a:fld id="{C5A984EF-CD19-486C-97DF-B92A59962B20}" type="slidenum">
+            <a:fld id="{F070EE34-7476-408E-BEE2-71E16C7AF5CE}" type="slidenum">
               <a:rPr lang="pt-BR" sz="1400">
                 <a:latin typeface="Times New Roman"/>
               </a:rPr>
@@ -228,7 +230,7 @@
       </p:grpSpPr>
       <p:sp>
         <p:nvSpPr>
-          <p:cNvPr id="111" name="PlaceHolder 1"/>
+          <p:cNvPr id="109" name="PlaceHolder 1"/>
           <p:cNvSpPr>
             <a:spLocks noGrp="1"/>
           </p:cNvSpPr>
@@ -239,29 +241,29 @@
         <p:spPr>
           <a:xfrm>
             <a:off x="685800" y="4343400"/>
-            <a:ext cx="5486040" cy="4114440"/>
-          </a:xfrm>
-          <a:prstGeom prst="rect">
-            <a:avLst/>
-          </a:prstGeom>
-        </p:spPr>
-        <p:txBody>
-          <a:bodyPr/>
-          <a:p>
-            <a:endParaRPr/>
-          </a:p>
-        </p:txBody>
-      </p:sp>
-      <p:sp>
-        <p:nvSpPr>
-          <p:cNvPr id="112" name="TextShape 2"/>
-          <p:cNvSpPr txBox="1"/>
+            <a:ext cx="5485680" cy="4114080"/>
+          </a:xfrm>
+          <a:prstGeom prst="rect">
+            <a:avLst/>
+          </a:prstGeom>
+        </p:spPr>
+        <p:txBody>
+          <a:bodyPr lIns="0" rIns="0" tIns="0" bIns="0"/>
+          <a:p>
+            <a:endParaRPr/>
+          </a:p>
+        </p:txBody>
+      </p:sp>
+      <p:sp>
+        <p:nvSpPr>
+          <p:cNvPr id="110" name="CustomShape 2"/>
+          <p:cNvSpPr/>
           <p:nvPr/>
         </p:nvSpPr>
         <p:spPr>
           <a:xfrm>
             <a:off x="3884760" y="8685360"/>
-            <a:ext cx="2971440" cy="456840"/>
+            <a:ext cx="2971080" cy="456480"/>
           </a:xfrm>
           <a:prstGeom prst="rect">
             <a:avLst/>
@@ -271,15 +273,21 @@
             <a:noFill/>
           </a:ln>
         </p:spPr>
-        <p:txBody>
-          <a:bodyPr anchor="b"/>
+        <p:style>
+          <a:lnRef idx="0"/>
+          <a:fillRef idx="0"/>
+          <a:effectRef idx="0"/>
+          <a:fontRef idx="minor"/>
+        </p:style>
+        <p:txBody>
+          <a:bodyPr lIns="90000" rIns="90000" tIns="45000" bIns="45000" anchor="b"/>
           <a:p>
             <a:pPr algn="r">
               <a:lnSpc>
                 <a:spcPct val="100000"/>
               </a:lnSpc>
             </a:pPr>
-            <a:fld id="{A1F52E23-95FF-4115-89F2-537DDEBA295F}" type="slidenum">
+            <a:fld id="{D3A9E83F-50BF-49B5-9C67-EDC7A81C98CF}" type="slidenum">
               <a:rPr lang="pt-BR" sz="1200" strike="noStrike">
                 <a:solidFill>
                   <a:srgbClr val="000000"/>
@@ -298,7 +306,7 @@
 </p:notes>
 </file>
 
-<file path=ppt/notesSlides/notesSlide4.xml><?xml version="1.0" encoding="utf-8"?>
+<file path=ppt/notesSlides/notesSlide6.xml><?xml version="1.0" encoding="utf-8"?>
 <p:notes xmlns:a="http://schemas.openxmlformats.org/drawingml/2006/main" xmlns:p="http://schemas.openxmlformats.org/presentationml/2006/main" xmlns:r="http://schemas.openxmlformats.org/officeDocument/2006/relationships">
   <p:cSld>
     <p:spTree>
@@ -317,7 +325,7 @@
       </p:grpSpPr>
       <p:sp>
         <p:nvSpPr>
-          <p:cNvPr id="113" name="PlaceHolder 1"/>
+          <p:cNvPr id="111" name="PlaceHolder 1"/>
           <p:cNvSpPr>
             <a:spLocks noGrp="1"/>
           </p:cNvSpPr>
@@ -328,29 +336,29 @@
         <p:spPr>
           <a:xfrm>
             <a:off x="685800" y="4343400"/>
-            <a:ext cx="5486040" cy="4114440"/>
-          </a:xfrm>
-          <a:prstGeom prst="rect">
-            <a:avLst/>
-          </a:prstGeom>
-        </p:spPr>
-        <p:txBody>
-          <a:bodyPr/>
-          <a:p>
-            <a:endParaRPr/>
-          </a:p>
-        </p:txBody>
-      </p:sp>
-      <p:sp>
-        <p:nvSpPr>
-          <p:cNvPr id="114" name="TextShape 2"/>
-          <p:cNvSpPr txBox="1"/>
+            <a:ext cx="5485680" cy="4114080"/>
+          </a:xfrm>
+          <a:prstGeom prst="rect">
+            <a:avLst/>
+          </a:prstGeom>
+        </p:spPr>
+        <p:txBody>
+          <a:bodyPr lIns="0" rIns="0" tIns="0" bIns="0"/>
+          <a:p>
+            <a:endParaRPr/>
+          </a:p>
+        </p:txBody>
+      </p:sp>
+      <p:sp>
+        <p:nvSpPr>
+          <p:cNvPr id="112" name="CustomShape 2"/>
+          <p:cNvSpPr/>
           <p:nvPr/>
         </p:nvSpPr>
         <p:spPr>
           <a:xfrm>
             <a:off x="3884760" y="8685360"/>
-            <a:ext cx="2971440" cy="456840"/>
+            <a:ext cx="2971080" cy="456480"/>
           </a:xfrm>
           <a:prstGeom prst="rect">
             <a:avLst/>
@@ -360,15 +368,21 @@
             <a:noFill/>
           </a:ln>
         </p:spPr>
-        <p:txBody>
-          <a:bodyPr anchor="b"/>
+        <p:style>
+          <a:lnRef idx="0"/>
+          <a:fillRef idx="0"/>
+          <a:effectRef idx="0"/>
+          <a:fontRef idx="minor"/>
+        </p:style>
+        <p:txBody>
+          <a:bodyPr lIns="90000" rIns="90000" tIns="45000" bIns="45000" anchor="b"/>
           <a:p>
             <a:pPr algn="r">
               <a:lnSpc>
                 <a:spcPct val="100000"/>
               </a:lnSpc>
             </a:pPr>
-            <a:fld id="{2257C8CF-C00B-4302-9818-ECAB27337B9D}" type="slidenum">
+            <a:fld id="{280D5690-8CCF-42B1-9245-51A906CA0234}" type="slidenum">
               <a:rPr lang="pt-BR" sz="1200" strike="noStrike">
                 <a:solidFill>
                   <a:srgbClr val="000000"/>
@@ -428,7 +442,7 @@
       </p:grpSpPr>
       <p:sp>
         <p:nvSpPr>
-          <p:cNvPr id="29" name="PlaceHolder 1"/>
+          <p:cNvPr id="26" name="PlaceHolder 1"/>
           <p:cNvSpPr>
             <a:spLocks noGrp="1"/>
           </p:cNvSpPr>
@@ -448,13 +462,14 @@
         <p:txBody>
           <a:bodyPr lIns="0" rIns="0" tIns="0" bIns="0" anchor="ctr"/>
           <a:p>
-            <a:endParaRPr/>
-          </a:p>
-        </p:txBody>
-      </p:sp>
-      <p:sp>
-        <p:nvSpPr>
-          <p:cNvPr id="30" name="PlaceHolder 2"/>
+            <a:pPr algn="ctr"/>
+            <a:endParaRPr/>
+          </a:p>
+        </p:txBody>
+      </p:sp>
+      <p:sp>
+        <p:nvSpPr>
+          <p:cNvPr id="27" name="PlaceHolder 2"/>
           <p:cNvSpPr>
             <a:spLocks noGrp="1"/>
           </p:cNvSpPr>
@@ -480,7 +495,7 @@
       </p:sp>
       <p:sp>
         <p:nvSpPr>
-          <p:cNvPr id="31" name="PlaceHolder 3"/>
+          <p:cNvPr id="28" name="PlaceHolder 3"/>
           <p:cNvSpPr>
             <a:spLocks noGrp="1"/>
           </p:cNvSpPr>
@@ -528,7 +543,7 @@
       </p:grpSpPr>
       <p:sp>
         <p:nvSpPr>
-          <p:cNvPr id="32" name="PlaceHolder 1"/>
+          <p:cNvPr id="29" name="PlaceHolder 1"/>
           <p:cNvSpPr>
             <a:spLocks noGrp="1"/>
           </p:cNvSpPr>
@@ -548,13 +563,14 @@
         <p:txBody>
           <a:bodyPr lIns="0" rIns="0" tIns="0" bIns="0" anchor="ctr"/>
           <a:p>
-            <a:endParaRPr/>
-          </a:p>
-        </p:txBody>
-      </p:sp>
-      <p:sp>
-        <p:nvSpPr>
-          <p:cNvPr id="33" name="PlaceHolder 2"/>
+            <a:pPr algn="ctr"/>
+            <a:endParaRPr/>
+          </a:p>
+        </p:txBody>
+      </p:sp>
+      <p:sp>
+        <p:nvSpPr>
+          <p:cNvPr id="30" name="PlaceHolder 2"/>
           <p:cNvSpPr>
             <a:spLocks noGrp="1"/>
           </p:cNvSpPr>
@@ -580,7 +596,7 @@
       </p:sp>
       <p:sp>
         <p:nvSpPr>
-          <p:cNvPr id="34" name="PlaceHolder 3"/>
+          <p:cNvPr id="31" name="PlaceHolder 3"/>
           <p:cNvSpPr>
             <a:spLocks noGrp="1"/>
           </p:cNvSpPr>
@@ -606,7 +622,7 @@
       </p:sp>
       <p:sp>
         <p:nvSpPr>
-          <p:cNvPr id="35" name="PlaceHolder 4"/>
+          <p:cNvPr id="32" name="PlaceHolder 4"/>
           <p:cNvSpPr>
             <a:spLocks noGrp="1"/>
           </p:cNvSpPr>
@@ -632,7 +648,7 @@
       </p:sp>
       <p:sp>
         <p:nvSpPr>
-          <p:cNvPr id="36" name="PlaceHolder 5"/>
+          <p:cNvPr id="33" name="PlaceHolder 5"/>
           <p:cNvSpPr>
             <a:spLocks noGrp="1"/>
           </p:cNvSpPr>
@@ -680,7 +696,7 @@
       </p:grpSpPr>
       <p:sp>
         <p:nvSpPr>
-          <p:cNvPr id="37" name="PlaceHolder 1"/>
+          <p:cNvPr id="34" name="PlaceHolder 1"/>
           <p:cNvSpPr>
             <a:spLocks noGrp="1"/>
           </p:cNvSpPr>
@@ -700,13 +716,14 @@
         <p:txBody>
           <a:bodyPr lIns="0" rIns="0" tIns="0" bIns="0" anchor="ctr"/>
           <a:p>
-            <a:endParaRPr/>
-          </a:p>
-        </p:txBody>
-      </p:sp>
-      <p:sp>
-        <p:nvSpPr>
-          <p:cNvPr id="38" name="PlaceHolder 2"/>
+            <a:pPr algn="ctr"/>
+            <a:endParaRPr/>
+          </a:p>
+        </p:txBody>
+      </p:sp>
+      <p:sp>
+        <p:nvSpPr>
+          <p:cNvPr id="35" name="PlaceHolder 2"/>
           <p:cNvSpPr>
             <a:spLocks noGrp="1"/>
           </p:cNvSpPr>
@@ -732,7 +749,7 @@
       </p:sp>
       <p:sp>
         <p:nvSpPr>
-          <p:cNvPr id="39" name="PlaceHolder 3"/>
+          <p:cNvPr id="36" name="PlaceHolder 3"/>
           <p:cNvSpPr>
             <a:spLocks noGrp="1"/>
           </p:cNvSpPr>
@@ -758,7 +775,7 @@
       </p:sp>
       <p:pic>
         <p:nvPicPr>
-          <p:cNvPr id="40" name="" descr=""/>
+          <p:cNvPr id="37" name="" descr=""/>
           <p:cNvPicPr/>
           <p:nvPr/>
         </p:nvPicPr>
@@ -768,8 +785,8 @@
         </p:blipFill>
         <p:spPr>
           <a:xfrm>
-            <a:off x="2079360" y="1604520"/>
-            <a:ext cx="4984560" cy="3977280"/>
+            <a:off x="2079000" y="1604520"/>
+            <a:ext cx="4985280" cy="3977280"/>
           </a:xfrm>
           <a:prstGeom prst="rect">
             <a:avLst/>
@@ -781,7 +798,7 @@
       </p:pic>
       <p:pic>
         <p:nvPicPr>
-          <p:cNvPr id="41" name="" descr=""/>
+          <p:cNvPr id="38" name="" descr=""/>
           <p:cNvPicPr/>
           <p:nvPr/>
         </p:nvPicPr>
@@ -791,8 +808,8 @@
         </p:blipFill>
         <p:spPr>
           <a:xfrm>
-            <a:off x="2079360" y="1604520"/>
-            <a:ext cx="4984560" cy="3977280"/>
+            <a:off x="2079000" y="1604520"/>
+            <a:ext cx="4985280" cy="3977280"/>
           </a:xfrm>
           <a:prstGeom prst="rect">
             <a:avLst/>
@@ -848,7 +865,7 @@
       </p:grpSpPr>
       <p:sp>
         <p:nvSpPr>
-          <p:cNvPr id="50" name="PlaceHolder 1"/>
+          <p:cNvPr id="44" name="PlaceHolder 1"/>
           <p:cNvSpPr>
             <a:spLocks noGrp="1"/>
           </p:cNvSpPr>
@@ -868,13 +885,14 @@
         <p:txBody>
           <a:bodyPr lIns="0" rIns="0" tIns="0" bIns="0" anchor="ctr"/>
           <a:p>
-            <a:endParaRPr/>
-          </a:p>
-        </p:txBody>
-      </p:sp>
-      <p:sp>
-        <p:nvSpPr>
-          <p:cNvPr id="51" name="PlaceHolder 2"/>
+            <a:pPr algn="ctr"/>
+            <a:endParaRPr/>
+          </a:p>
+        </p:txBody>
+      </p:sp>
+      <p:sp>
+        <p:nvSpPr>
+          <p:cNvPr id="45" name="PlaceHolder 2"/>
           <p:cNvSpPr>
             <a:spLocks noGrp="1"/>
           </p:cNvSpPr>
@@ -923,7 +941,7 @@
       </p:grpSpPr>
       <p:sp>
         <p:nvSpPr>
-          <p:cNvPr id="52" name="PlaceHolder 1"/>
+          <p:cNvPr id="46" name="PlaceHolder 1"/>
           <p:cNvSpPr>
             <a:spLocks noGrp="1"/>
           </p:cNvSpPr>
@@ -943,13 +961,14 @@
         <p:txBody>
           <a:bodyPr lIns="0" rIns="0" tIns="0" bIns="0" anchor="ctr"/>
           <a:p>
-            <a:endParaRPr/>
-          </a:p>
-        </p:txBody>
-      </p:sp>
-      <p:sp>
-        <p:nvSpPr>
-          <p:cNvPr id="53" name="PlaceHolder 2"/>
+            <a:pPr algn="ctr"/>
+            <a:endParaRPr/>
+          </a:p>
+        </p:txBody>
+      </p:sp>
+      <p:sp>
+        <p:nvSpPr>
+          <p:cNvPr id="47" name="PlaceHolder 2"/>
           <p:cNvSpPr>
             <a:spLocks noGrp="1"/>
           </p:cNvSpPr>
@@ -997,7 +1016,7 @@
       </p:grpSpPr>
       <p:sp>
         <p:nvSpPr>
-          <p:cNvPr id="54" name="PlaceHolder 1"/>
+          <p:cNvPr id="48" name="PlaceHolder 1"/>
           <p:cNvSpPr>
             <a:spLocks noGrp="1"/>
           </p:cNvSpPr>
@@ -1017,13 +1036,14 @@
         <p:txBody>
           <a:bodyPr lIns="0" rIns="0" tIns="0" bIns="0" anchor="ctr"/>
           <a:p>
-            <a:endParaRPr/>
-          </a:p>
-        </p:txBody>
-      </p:sp>
-      <p:sp>
-        <p:nvSpPr>
-          <p:cNvPr id="55" name="PlaceHolder 2"/>
+            <a:pPr algn="ctr"/>
+            <a:endParaRPr/>
+          </a:p>
+        </p:txBody>
+      </p:sp>
+      <p:sp>
+        <p:nvSpPr>
+          <p:cNvPr id="49" name="PlaceHolder 2"/>
           <p:cNvSpPr>
             <a:spLocks noGrp="1"/>
           </p:cNvSpPr>
@@ -1049,7 +1069,7 @@
       </p:sp>
       <p:sp>
         <p:nvSpPr>
-          <p:cNvPr id="56" name="PlaceHolder 3"/>
+          <p:cNvPr id="50" name="PlaceHolder 3"/>
           <p:cNvSpPr>
             <a:spLocks noGrp="1"/>
           </p:cNvSpPr>
@@ -1097,7 +1117,7 @@
       </p:grpSpPr>
       <p:sp>
         <p:nvSpPr>
-          <p:cNvPr id="57" name="PlaceHolder 1"/>
+          <p:cNvPr id="51" name="PlaceHolder 1"/>
           <p:cNvSpPr>
             <a:spLocks noGrp="1"/>
           </p:cNvSpPr>
@@ -1117,6 +1137,7 @@
         <p:txBody>
           <a:bodyPr lIns="0" rIns="0" tIns="0" bIns="0" anchor="ctr"/>
           <a:p>
+            <a:pPr algn="ctr"/>
             <a:endParaRPr/>
           </a:p>
         </p:txBody>
@@ -1145,7 +1166,7 @@
       </p:grpSpPr>
       <p:sp>
         <p:nvSpPr>
-          <p:cNvPr id="58" name="PlaceHolder 1"/>
+          <p:cNvPr id="52" name="PlaceHolder 1"/>
           <p:cNvSpPr>
             <a:spLocks noGrp="1"/>
           </p:cNvSpPr>
@@ -1194,7 +1215,7 @@
       </p:grpSpPr>
       <p:sp>
         <p:nvSpPr>
-          <p:cNvPr id="59" name="PlaceHolder 1"/>
+          <p:cNvPr id="53" name="PlaceHolder 1"/>
           <p:cNvSpPr>
             <a:spLocks noGrp="1"/>
           </p:cNvSpPr>
@@ -1214,13 +1235,14 @@
         <p:txBody>
           <a:bodyPr lIns="0" rIns="0" tIns="0" bIns="0" anchor="ctr"/>
           <a:p>
-            <a:endParaRPr/>
-          </a:p>
-        </p:txBody>
-      </p:sp>
-      <p:sp>
-        <p:nvSpPr>
-          <p:cNvPr id="60" name="PlaceHolder 2"/>
+            <a:pPr algn="ctr"/>
+            <a:endParaRPr/>
+          </a:p>
+        </p:txBody>
+      </p:sp>
+      <p:sp>
+        <p:nvSpPr>
+          <p:cNvPr id="54" name="PlaceHolder 2"/>
           <p:cNvSpPr>
             <a:spLocks noGrp="1"/>
           </p:cNvSpPr>
@@ -1246,7 +1268,7 @@
       </p:sp>
       <p:sp>
         <p:nvSpPr>
-          <p:cNvPr id="61" name="PlaceHolder 3"/>
+          <p:cNvPr id="55" name="PlaceHolder 3"/>
           <p:cNvSpPr>
             <a:spLocks noGrp="1"/>
           </p:cNvSpPr>
@@ -1272,7 +1294,7 @@
       </p:sp>
       <p:sp>
         <p:nvSpPr>
-          <p:cNvPr id="62" name="PlaceHolder 4"/>
+          <p:cNvPr id="56" name="PlaceHolder 4"/>
           <p:cNvSpPr>
             <a:spLocks noGrp="1"/>
           </p:cNvSpPr>
@@ -1320,7 +1342,7 @@
       </p:grpSpPr>
       <p:sp>
         <p:nvSpPr>
-          <p:cNvPr id="8" name="PlaceHolder 1"/>
+          <p:cNvPr id="5" name="PlaceHolder 1"/>
           <p:cNvSpPr>
             <a:spLocks noGrp="1"/>
           </p:cNvSpPr>
@@ -1340,13 +1362,14 @@
         <p:txBody>
           <a:bodyPr lIns="0" rIns="0" tIns="0" bIns="0" anchor="ctr"/>
           <a:p>
-            <a:endParaRPr/>
-          </a:p>
-        </p:txBody>
-      </p:sp>
-      <p:sp>
-        <p:nvSpPr>
-          <p:cNvPr id="9" name="PlaceHolder 2"/>
+            <a:pPr algn="ctr"/>
+            <a:endParaRPr/>
+          </a:p>
+        </p:txBody>
+      </p:sp>
+      <p:sp>
+        <p:nvSpPr>
+          <p:cNvPr id="6" name="PlaceHolder 2"/>
           <p:cNvSpPr>
             <a:spLocks noGrp="1"/>
           </p:cNvSpPr>
@@ -1395,7 +1418,7 @@
       </p:grpSpPr>
       <p:sp>
         <p:nvSpPr>
-          <p:cNvPr id="63" name="PlaceHolder 1"/>
+          <p:cNvPr id="57" name="PlaceHolder 1"/>
           <p:cNvSpPr>
             <a:spLocks noGrp="1"/>
           </p:cNvSpPr>
@@ -1415,13 +1438,14 @@
         <p:txBody>
           <a:bodyPr lIns="0" rIns="0" tIns="0" bIns="0" anchor="ctr"/>
           <a:p>
-            <a:endParaRPr/>
-          </a:p>
-        </p:txBody>
-      </p:sp>
-      <p:sp>
-        <p:nvSpPr>
-          <p:cNvPr id="64" name="PlaceHolder 2"/>
+            <a:pPr algn="ctr"/>
+            <a:endParaRPr/>
+          </a:p>
+        </p:txBody>
+      </p:sp>
+      <p:sp>
+        <p:nvSpPr>
+          <p:cNvPr id="58" name="PlaceHolder 2"/>
           <p:cNvSpPr>
             <a:spLocks noGrp="1"/>
           </p:cNvSpPr>
@@ -1447,7 +1471,7 @@
       </p:sp>
       <p:sp>
         <p:nvSpPr>
-          <p:cNvPr id="65" name="PlaceHolder 3"/>
+          <p:cNvPr id="59" name="PlaceHolder 3"/>
           <p:cNvSpPr>
             <a:spLocks noGrp="1"/>
           </p:cNvSpPr>
@@ -1473,7 +1497,7 @@
       </p:sp>
       <p:sp>
         <p:nvSpPr>
-          <p:cNvPr id="66" name="PlaceHolder 4"/>
+          <p:cNvPr id="60" name="PlaceHolder 4"/>
           <p:cNvSpPr>
             <a:spLocks noGrp="1"/>
           </p:cNvSpPr>
@@ -1521,7 +1545,7 @@
       </p:grpSpPr>
       <p:sp>
         <p:nvSpPr>
-          <p:cNvPr id="67" name="PlaceHolder 1"/>
+          <p:cNvPr id="61" name="PlaceHolder 1"/>
           <p:cNvSpPr>
             <a:spLocks noGrp="1"/>
           </p:cNvSpPr>
@@ -1541,13 +1565,14 @@
         <p:txBody>
           <a:bodyPr lIns="0" rIns="0" tIns="0" bIns="0" anchor="ctr"/>
           <a:p>
-            <a:endParaRPr/>
-          </a:p>
-        </p:txBody>
-      </p:sp>
-      <p:sp>
-        <p:nvSpPr>
-          <p:cNvPr id="68" name="PlaceHolder 2"/>
+            <a:pPr algn="ctr"/>
+            <a:endParaRPr/>
+          </a:p>
+        </p:txBody>
+      </p:sp>
+      <p:sp>
+        <p:nvSpPr>
+          <p:cNvPr id="62" name="PlaceHolder 2"/>
           <p:cNvSpPr>
             <a:spLocks noGrp="1"/>
           </p:cNvSpPr>
@@ -1573,7 +1598,7 @@
       </p:sp>
       <p:sp>
         <p:nvSpPr>
-          <p:cNvPr id="69" name="PlaceHolder 3"/>
+          <p:cNvPr id="63" name="PlaceHolder 3"/>
           <p:cNvSpPr>
             <a:spLocks noGrp="1"/>
           </p:cNvSpPr>
@@ -1599,7 +1624,7 @@
       </p:sp>
       <p:sp>
         <p:nvSpPr>
-          <p:cNvPr id="70" name="PlaceHolder 4"/>
+          <p:cNvPr id="64" name="PlaceHolder 4"/>
           <p:cNvSpPr>
             <a:spLocks noGrp="1"/>
           </p:cNvSpPr>
@@ -1647,7 +1672,7 @@
       </p:grpSpPr>
       <p:sp>
         <p:nvSpPr>
-          <p:cNvPr id="71" name="PlaceHolder 1"/>
+          <p:cNvPr id="65" name="PlaceHolder 1"/>
           <p:cNvSpPr>
             <a:spLocks noGrp="1"/>
           </p:cNvSpPr>
@@ -1667,13 +1692,14 @@
         <p:txBody>
           <a:bodyPr lIns="0" rIns="0" tIns="0" bIns="0" anchor="ctr"/>
           <a:p>
-            <a:endParaRPr/>
-          </a:p>
-        </p:txBody>
-      </p:sp>
-      <p:sp>
-        <p:nvSpPr>
-          <p:cNvPr id="72" name="PlaceHolder 2"/>
+            <a:pPr algn="ctr"/>
+            <a:endParaRPr/>
+          </a:p>
+        </p:txBody>
+      </p:sp>
+      <p:sp>
+        <p:nvSpPr>
+          <p:cNvPr id="66" name="PlaceHolder 2"/>
           <p:cNvSpPr>
             <a:spLocks noGrp="1"/>
           </p:cNvSpPr>
@@ -1699,7 +1725,7 @@
       </p:sp>
       <p:sp>
         <p:nvSpPr>
-          <p:cNvPr id="73" name="PlaceHolder 3"/>
+          <p:cNvPr id="67" name="PlaceHolder 3"/>
           <p:cNvSpPr>
             <a:spLocks noGrp="1"/>
           </p:cNvSpPr>
@@ -1747,7 +1773,7 @@
       </p:grpSpPr>
       <p:sp>
         <p:nvSpPr>
-          <p:cNvPr id="74" name="PlaceHolder 1"/>
+          <p:cNvPr id="68" name="PlaceHolder 1"/>
           <p:cNvSpPr>
             <a:spLocks noGrp="1"/>
           </p:cNvSpPr>
@@ -1767,13 +1793,14 @@
         <p:txBody>
           <a:bodyPr lIns="0" rIns="0" tIns="0" bIns="0" anchor="ctr"/>
           <a:p>
-            <a:endParaRPr/>
-          </a:p>
-        </p:txBody>
-      </p:sp>
-      <p:sp>
-        <p:nvSpPr>
-          <p:cNvPr id="75" name="PlaceHolder 2"/>
+            <a:pPr algn="ctr"/>
+            <a:endParaRPr/>
+          </a:p>
+        </p:txBody>
+      </p:sp>
+      <p:sp>
+        <p:nvSpPr>
+          <p:cNvPr id="69" name="PlaceHolder 2"/>
           <p:cNvSpPr>
             <a:spLocks noGrp="1"/>
           </p:cNvSpPr>
@@ -1799,7 +1826,7 @@
       </p:sp>
       <p:sp>
         <p:nvSpPr>
-          <p:cNvPr id="76" name="PlaceHolder 3"/>
+          <p:cNvPr id="70" name="PlaceHolder 3"/>
           <p:cNvSpPr>
             <a:spLocks noGrp="1"/>
           </p:cNvSpPr>
@@ -1825,7 +1852,7 @@
       </p:sp>
       <p:sp>
         <p:nvSpPr>
-          <p:cNvPr id="77" name="PlaceHolder 4"/>
+          <p:cNvPr id="71" name="PlaceHolder 4"/>
           <p:cNvSpPr>
             <a:spLocks noGrp="1"/>
           </p:cNvSpPr>
@@ -1851,7 +1878,7 @@
       </p:sp>
       <p:sp>
         <p:nvSpPr>
-          <p:cNvPr id="78" name="PlaceHolder 5"/>
+          <p:cNvPr id="72" name="PlaceHolder 5"/>
           <p:cNvSpPr>
             <a:spLocks noGrp="1"/>
           </p:cNvSpPr>
@@ -1899,7 +1926,7 @@
       </p:grpSpPr>
       <p:sp>
         <p:nvSpPr>
-          <p:cNvPr id="79" name="PlaceHolder 1"/>
+          <p:cNvPr id="73" name="PlaceHolder 1"/>
           <p:cNvSpPr>
             <a:spLocks noGrp="1"/>
           </p:cNvSpPr>
@@ -1919,13 +1946,14 @@
         <p:txBody>
           <a:bodyPr lIns="0" rIns="0" tIns="0" bIns="0" anchor="ctr"/>
           <a:p>
-            <a:endParaRPr/>
-          </a:p>
-        </p:txBody>
-      </p:sp>
-      <p:sp>
-        <p:nvSpPr>
-          <p:cNvPr id="80" name="PlaceHolder 2"/>
+            <a:pPr algn="ctr"/>
+            <a:endParaRPr/>
+          </a:p>
+        </p:txBody>
+      </p:sp>
+      <p:sp>
+        <p:nvSpPr>
+          <p:cNvPr id="74" name="PlaceHolder 2"/>
           <p:cNvSpPr>
             <a:spLocks noGrp="1"/>
           </p:cNvSpPr>
@@ -1951,7 +1979,7 @@
       </p:sp>
       <p:sp>
         <p:nvSpPr>
-          <p:cNvPr id="81" name="PlaceHolder 3"/>
+          <p:cNvPr id="75" name="PlaceHolder 3"/>
           <p:cNvSpPr>
             <a:spLocks noGrp="1"/>
           </p:cNvSpPr>
@@ -1977,7 +2005,7 @@
       </p:sp>
       <p:pic>
         <p:nvPicPr>
-          <p:cNvPr id="82" name="" descr=""/>
+          <p:cNvPr id="76" name="" descr=""/>
           <p:cNvPicPr/>
           <p:nvPr/>
         </p:nvPicPr>
@@ -1987,8 +2015,8 @@
         </p:blipFill>
         <p:spPr>
           <a:xfrm>
-            <a:off x="2079360" y="1604520"/>
-            <a:ext cx="4984560" cy="3977280"/>
+            <a:off x="2079000" y="1604520"/>
+            <a:ext cx="4985280" cy="3977280"/>
           </a:xfrm>
           <a:prstGeom prst="rect">
             <a:avLst/>
@@ -2000,7 +2028,7 @@
       </p:pic>
       <p:pic>
         <p:nvPicPr>
-          <p:cNvPr id="83" name="" descr=""/>
+          <p:cNvPr id="77" name="" descr=""/>
           <p:cNvPicPr/>
           <p:nvPr/>
         </p:nvPicPr>
@@ -2010,8 +2038,8 @@
         </p:blipFill>
         <p:spPr>
           <a:xfrm>
-            <a:off x="2079360" y="1604520"/>
-            <a:ext cx="4984560" cy="3977280"/>
+            <a:off x="2079000" y="1604520"/>
+            <a:ext cx="4985280" cy="3977280"/>
           </a:xfrm>
           <a:prstGeom prst="rect">
             <a:avLst/>
@@ -2045,7 +2073,7 @@
       </p:grpSpPr>
       <p:sp>
         <p:nvSpPr>
-          <p:cNvPr id="10" name="PlaceHolder 1"/>
+          <p:cNvPr id="7" name="PlaceHolder 1"/>
           <p:cNvSpPr>
             <a:spLocks noGrp="1"/>
           </p:cNvSpPr>
@@ -2065,13 +2093,14 @@
         <p:txBody>
           <a:bodyPr lIns="0" rIns="0" tIns="0" bIns="0" anchor="ctr"/>
           <a:p>
-            <a:endParaRPr/>
-          </a:p>
-        </p:txBody>
-      </p:sp>
-      <p:sp>
-        <p:nvSpPr>
-          <p:cNvPr id="11" name="PlaceHolder 2"/>
+            <a:pPr algn="ctr"/>
+            <a:endParaRPr/>
+          </a:p>
+        </p:txBody>
+      </p:sp>
+      <p:sp>
+        <p:nvSpPr>
+          <p:cNvPr id="8" name="PlaceHolder 2"/>
           <p:cNvSpPr>
             <a:spLocks noGrp="1"/>
           </p:cNvSpPr>
@@ -2119,7 +2148,7 @@
       </p:grpSpPr>
       <p:sp>
         <p:nvSpPr>
-          <p:cNvPr id="12" name="PlaceHolder 1"/>
+          <p:cNvPr id="9" name="PlaceHolder 1"/>
           <p:cNvSpPr>
             <a:spLocks noGrp="1"/>
           </p:cNvSpPr>
@@ -2139,13 +2168,14 @@
         <p:txBody>
           <a:bodyPr lIns="0" rIns="0" tIns="0" bIns="0" anchor="ctr"/>
           <a:p>
-            <a:endParaRPr/>
-          </a:p>
-        </p:txBody>
-      </p:sp>
-      <p:sp>
-        <p:nvSpPr>
-          <p:cNvPr id="13" name="PlaceHolder 2"/>
+            <a:pPr algn="ctr"/>
+            <a:endParaRPr/>
+          </a:p>
+        </p:txBody>
+      </p:sp>
+      <p:sp>
+        <p:nvSpPr>
+          <p:cNvPr id="10" name="PlaceHolder 2"/>
           <p:cNvSpPr>
             <a:spLocks noGrp="1"/>
           </p:cNvSpPr>
@@ -2171,7 +2201,7 @@
       </p:sp>
       <p:sp>
         <p:nvSpPr>
-          <p:cNvPr id="14" name="PlaceHolder 3"/>
+          <p:cNvPr id="11" name="PlaceHolder 3"/>
           <p:cNvSpPr>
             <a:spLocks noGrp="1"/>
           </p:cNvSpPr>
@@ -2219,7 +2249,7 @@
       </p:grpSpPr>
       <p:sp>
         <p:nvSpPr>
-          <p:cNvPr id="15" name="PlaceHolder 1"/>
+          <p:cNvPr id="12" name="PlaceHolder 1"/>
           <p:cNvSpPr>
             <a:spLocks noGrp="1"/>
           </p:cNvSpPr>
@@ -2239,6 +2269,7 @@
         <p:txBody>
           <a:bodyPr lIns="0" rIns="0" tIns="0" bIns="0" anchor="ctr"/>
           <a:p>
+            <a:pPr algn="ctr"/>
             <a:endParaRPr/>
           </a:p>
         </p:txBody>
@@ -2267,7 +2298,7 @@
       </p:grpSpPr>
       <p:sp>
         <p:nvSpPr>
-          <p:cNvPr id="16" name="PlaceHolder 1"/>
+          <p:cNvPr id="13" name="PlaceHolder 1"/>
           <p:cNvSpPr>
             <a:spLocks noGrp="1"/>
           </p:cNvSpPr>
@@ -2316,7 +2347,7 @@
       </p:grpSpPr>
       <p:sp>
         <p:nvSpPr>
-          <p:cNvPr id="17" name="PlaceHolder 1"/>
+          <p:cNvPr id="14" name="PlaceHolder 1"/>
           <p:cNvSpPr>
             <a:spLocks noGrp="1"/>
           </p:cNvSpPr>
@@ -2336,13 +2367,14 @@
         <p:txBody>
           <a:bodyPr lIns="0" rIns="0" tIns="0" bIns="0" anchor="ctr"/>
           <a:p>
-            <a:endParaRPr/>
-          </a:p>
-        </p:txBody>
-      </p:sp>
-      <p:sp>
-        <p:nvSpPr>
-          <p:cNvPr id="18" name="PlaceHolder 2"/>
+            <a:pPr algn="ctr"/>
+            <a:endParaRPr/>
+          </a:p>
+        </p:txBody>
+      </p:sp>
+      <p:sp>
+        <p:nvSpPr>
+          <p:cNvPr id="15" name="PlaceHolder 2"/>
           <p:cNvSpPr>
             <a:spLocks noGrp="1"/>
           </p:cNvSpPr>
@@ -2368,7 +2400,7 @@
       </p:sp>
       <p:sp>
         <p:nvSpPr>
-          <p:cNvPr id="19" name="PlaceHolder 3"/>
+          <p:cNvPr id="16" name="PlaceHolder 3"/>
           <p:cNvSpPr>
             <a:spLocks noGrp="1"/>
           </p:cNvSpPr>
@@ -2394,7 +2426,7 @@
       </p:sp>
       <p:sp>
         <p:nvSpPr>
-          <p:cNvPr id="20" name="PlaceHolder 4"/>
+          <p:cNvPr id="17" name="PlaceHolder 4"/>
           <p:cNvSpPr>
             <a:spLocks noGrp="1"/>
           </p:cNvSpPr>
@@ -2442,7 +2474,7 @@
       </p:grpSpPr>
       <p:sp>
         <p:nvSpPr>
-          <p:cNvPr id="21" name="PlaceHolder 1"/>
+          <p:cNvPr id="18" name="PlaceHolder 1"/>
           <p:cNvSpPr>
             <a:spLocks noGrp="1"/>
           </p:cNvSpPr>
@@ -2462,13 +2494,14 @@
         <p:txBody>
           <a:bodyPr lIns="0" rIns="0" tIns="0" bIns="0" anchor="ctr"/>
           <a:p>
-            <a:endParaRPr/>
-          </a:p>
-        </p:txBody>
-      </p:sp>
-      <p:sp>
-        <p:nvSpPr>
-          <p:cNvPr id="22" name="PlaceHolder 2"/>
+            <a:pPr algn="ctr"/>
+            <a:endParaRPr/>
+          </a:p>
+        </p:txBody>
+      </p:sp>
+      <p:sp>
+        <p:nvSpPr>
+          <p:cNvPr id="19" name="PlaceHolder 2"/>
           <p:cNvSpPr>
             <a:spLocks noGrp="1"/>
           </p:cNvSpPr>
@@ -2494,7 +2527,7 @@
       </p:sp>
       <p:sp>
         <p:nvSpPr>
-          <p:cNvPr id="23" name="PlaceHolder 3"/>
+          <p:cNvPr id="20" name="PlaceHolder 3"/>
           <p:cNvSpPr>
             <a:spLocks noGrp="1"/>
           </p:cNvSpPr>
@@ -2520,7 +2553,7 @@
       </p:sp>
       <p:sp>
         <p:nvSpPr>
-          <p:cNvPr id="24" name="PlaceHolder 4"/>
+          <p:cNvPr id="21" name="PlaceHolder 4"/>
           <p:cNvSpPr>
             <a:spLocks noGrp="1"/>
           </p:cNvSpPr>
@@ -2568,7 +2601,7 @@
       </p:grpSpPr>
       <p:sp>
         <p:nvSpPr>
-          <p:cNvPr id="25" name="PlaceHolder 1"/>
+          <p:cNvPr id="22" name="PlaceHolder 1"/>
           <p:cNvSpPr>
             <a:spLocks noGrp="1"/>
           </p:cNvSpPr>
@@ -2588,13 +2621,14 @@
         <p:txBody>
           <a:bodyPr lIns="0" rIns="0" tIns="0" bIns="0" anchor="ctr"/>
           <a:p>
-            <a:endParaRPr/>
-          </a:p>
-        </p:txBody>
-      </p:sp>
-      <p:sp>
-        <p:nvSpPr>
-          <p:cNvPr id="26" name="PlaceHolder 2"/>
+            <a:pPr algn="ctr"/>
+            <a:endParaRPr/>
+          </a:p>
+        </p:txBody>
+      </p:sp>
+      <p:sp>
+        <p:nvSpPr>
+          <p:cNvPr id="23" name="PlaceHolder 2"/>
           <p:cNvSpPr>
             <a:spLocks noGrp="1"/>
           </p:cNvSpPr>
@@ -2620,7 +2654,7 @@
       </p:sp>
       <p:sp>
         <p:nvSpPr>
-          <p:cNvPr id="27" name="PlaceHolder 3"/>
+          <p:cNvPr id="24" name="PlaceHolder 3"/>
           <p:cNvSpPr>
             <a:spLocks noGrp="1"/>
           </p:cNvSpPr>
@@ -2646,7 +2680,7 @@
       </p:sp>
       <p:sp>
         <p:nvSpPr>
-          <p:cNvPr id="28" name="PlaceHolder 4"/>
+          <p:cNvPr id="25" name="PlaceHolder 4"/>
           <p:cNvSpPr>
             <a:spLocks noGrp="1"/>
           </p:cNvSpPr>
@@ -2708,7 +2742,7 @@
         <p:spPr>
           <a:xfrm>
             <a:off x="0" y="0"/>
-            <a:ext cx="9143640" cy="1439640"/>
+            <a:ext cx="9143280" cy="1439280"/>
           </a:xfrm>
           <a:prstGeom prst="rect">
             <a:avLst/>
@@ -2748,7 +2782,7 @@
         <p:spPr>
           <a:xfrm>
             <a:off x="0" y="270360"/>
-            <a:ext cx="179640" cy="898920"/>
+            <a:ext cx="179280" cy="898560"/>
           </a:xfrm>
           <a:prstGeom prst="rect">
             <a:avLst/>
@@ -2771,7 +2805,7 @@
         <p:spPr>
           <a:xfrm>
             <a:off x="6297120" y="486000"/>
-            <a:ext cx="2594880" cy="467640"/>
+            <a:ext cx="2594520" cy="467280"/>
           </a:xfrm>
           <a:prstGeom prst="rect">
             <a:avLst/>
@@ -2793,29 +2827,21 @@
         </p:nvSpPr>
         <p:spPr>
           <a:xfrm>
-            <a:off x="685800" y="2130480"/>
-            <a:ext cx="7772040" cy="1469520"/>
-          </a:xfrm>
-          <a:prstGeom prst="rect">
-            <a:avLst/>
-          </a:prstGeom>
-        </p:spPr>
-        <p:txBody>
-          <a:bodyPr anchor="ctr"/>
-          <a:p>
-            <a:pPr>
-              <a:lnSpc>
-                <a:spcPts val="1623"/>
-              </a:lnSpc>
-            </a:pPr>
-            <a:r>
-              <a:rPr lang="pt-BR" sz="4400" strike="noStrike">
-                <a:solidFill>
-                  <a:srgbClr val="ffffff"/>
-                </a:solidFill>
-                <a:latin typeface="Calibri"/>
-              </a:rPr>
-              <a:t>Clique para editar o formato do texto do títuloClique para editar o título mestre</a:t>
+            <a:off x="457200" y="273600"/>
+            <a:ext cx="8228880" cy="1144440"/>
+          </a:xfrm>
+          <a:prstGeom prst="rect">
+            <a:avLst/>
+          </a:prstGeom>
+        </p:spPr>
+        <p:txBody>
+          <a:bodyPr lIns="0" rIns="0" tIns="0" bIns="0" anchor="ctr"/>
+          <a:p>
+            <a:r>
+              <a:rPr lang="pt-BR">
+                <a:latin typeface="Arial"/>
+              </a:rPr>
+              <a:t>Clique para editar o formato do texto do título</a:t>
             </a:r>
             <a:endParaRPr/>
           </a:p>
@@ -2824,112 +2850,6 @@
       <p:sp>
         <p:nvSpPr>
           <p:cNvPr id="4" name="PlaceHolder 3"/>
-          <p:cNvSpPr>
-            <a:spLocks noGrp="1"/>
-          </p:cNvSpPr>
-          <p:nvPr>
-            <p:ph type="dt"/>
-          </p:nvPr>
-        </p:nvSpPr>
-        <p:spPr>
-          <a:xfrm>
-            <a:off x="457200" y="6356520"/>
-            <a:ext cx="2133360" cy="364680"/>
-          </a:xfrm>
-          <a:prstGeom prst="rect">
-            <a:avLst/>
-          </a:prstGeom>
-        </p:spPr>
-        <p:txBody>
-          <a:bodyPr anchor="ctr"/>
-          <a:p>
-            <a:pPr>
-              <a:lnSpc>
-                <a:spcPct val="100000"/>
-              </a:lnSpc>
-            </a:pPr>
-            <a:r>
-              <a:rPr lang="pt-BR" sz="1200" strike="noStrike">
-                <a:solidFill>
-                  <a:srgbClr val="8b8b8b"/>
-                </a:solidFill>
-                <a:latin typeface="Calibri"/>
-              </a:rPr>
-              <a:t>11/05/15</a:t>
-            </a:r>
-            <a:endParaRPr/>
-          </a:p>
-        </p:txBody>
-      </p:sp>
-      <p:sp>
-        <p:nvSpPr>
-          <p:cNvPr id="5" name="PlaceHolder 4"/>
-          <p:cNvSpPr>
-            <a:spLocks noGrp="1"/>
-          </p:cNvSpPr>
-          <p:nvPr>
-            <p:ph type="ftr"/>
-          </p:nvPr>
-        </p:nvSpPr>
-        <p:spPr>
-          <a:xfrm>
-            <a:off x="3124080" y="6356520"/>
-            <a:ext cx="2895120" cy="364680"/>
-          </a:xfrm>
-          <a:prstGeom prst="rect">
-            <a:avLst/>
-          </a:prstGeom>
-        </p:spPr>
-        <p:txBody>
-          <a:bodyPr anchor="ctr"/>
-          <a:p>
-            <a:endParaRPr/>
-          </a:p>
-        </p:txBody>
-      </p:sp>
-      <p:sp>
-        <p:nvSpPr>
-          <p:cNvPr id="6" name="PlaceHolder 5"/>
-          <p:cNvSpPr>
-            <a:spLocks noGrp="1"/>
-          </p:cNvSpPr>
-          <p:nvPr>
-            <p:ph type="sldNum"/>
-          </p:nvPr>
-        </p:nvSpPr>
-        <p:spPr>
-          <a:xfrm>
-            <a:off x="6553080" y="6356520"/>
-            <a:ext cx="2133360" cy="364680"/>
-          </a:xfrm>
-          <a:prstGeom prst="rect">
-            <a:avLst/>
-          </a:prstGeom>
-        </p:spPr>
-        <p:txBody>
-          <a:bodyPr anchor="ctr"/>
-          <a:p>
-            <a:pPr algn="r">
-              <a:lnSpc>
-                <a:spcPct val="100000"/>
-              </a:lnSpc>
-            </a:pPr>
-            <a:fld id="{175D6057-758E-491B-90FF-BC906E2E9A42}" type="slidenum">
-              <a:rPr lang="pt-BR" sz="1200" strike="noStrike">
-                <a:solidFill>
-                  <a:srgbClr val="8b8b8b"/>
-                </a:solidFill>
-                <a:latin typeface="Calibri"/>
-              </a:rPr>
-              <a:t>&lt;número&gt;</a:t>
-            </a:fld>
-            <a:endParaRPr/>
-          </a:p>
-        </p:txBody>
-      </p:sp>
-      <p:sp>
-        <p:nvSpPr>
-          <p:cNvPr id="7" name="PlaceHolder 6"/>
           <p:cNvSpPr>
             <a:spLocks noGrp="1"/>
           </p:cNvSpPr>
@@ -2956,7 +2876,7 @@
             </a:pPr>
             <a:r>
               <a:rPr lang="pt-BR" sz="3200">
-                <a:latin typeface="Calibri"/>
+                <a:latin typeface="Arial"/>
               </a:rPr>
               <a:t>Clique para editar o formato do texto da estrutura de tópicos</a:t>
             </a:r>
@@ -2969,8 +2889,8 @@
               <a:buChar char=""/>
             </a:pPr>
             <a:r>
-              <a:rPr lang="pt-BR" sz="2400">
-                <a:latin typeface="Calibri"/>
+              <a:rPr lang="pt-BR" sz="2800">
+                <a:latin typeface="Arial"/>
               </a:rPr>
               <a:t>2.º nível da estrutura de tópicos</a:t>
             </a:r>
@@ -2983,8 +2903,8 @@
               <a:buChar char=""/>
             </a:pPr>
             <a:r>
-              <a:rPr lang="pt-BR" sz="2000">
-                <a:latin typeface="Calibri"/>
+              <a:rPr lang="pt-BR" sz="2400">
+                <a:latin typeface="Arial"/>
               </a:rPr>
               <a:t>3.º nível da estrutura de tópicos</a:t>
             </a:r>
@@ -2998,7 +2918,7 @@
             </a:pPr>
             <a:r>
               <a:rPr lang="pt-BR" sz="2000">
-                <a:latin typeface="Calibri"/>
+                <a:latin typeface="Arial"/>
               </a:rPr>
               <a:t>4.º nível da estrutura de tópicos</a:t>
             </a:r>
@@ -3012,7 +2932,7 @@
             </a:pPr>
             <a:r>
               <a:rPr lang="pt-BR" sz="2000">
-                <a:latin typeface="Calibri"/>
+                <a:latin typeface="Arial"/>
               </a:rPr>
               <a:t>5.º nível da estrutura de tópicos</a:t>
             </a:r>
@@ -3026,7 +2946,7 @@
             </a:pPr>
             <a:r>
               <a:rPr lang="pt-BR" sz="2000">
-                <a:latin typeface="Calibri"/>
+                <a:latin typeface="Arial"/>
               </a:rPr>
               <a:t>6.º nível da estrutura de tópicos</a:t>
             </a:r>
@@ -3040,7 +2960,7 @@
             </a:pPr>
             <a:r>
               <a:rPr lang="pt-BR" sz="2000">
-                <a:latin typeface="Calibri"/>
+                <a:latin typeface="Arial"/>
               </a:rPr>
               <a:t>7.º nível da estrutura de tópicos</a:t>
             </a:r>
@@ -3094,14 +3014,14 @@
       </p:grpSpPr>
       <p:sp>
         <p:nvSpPr>
-          <p:cNvPr id="42" name="CustomShape 1"/>
+          <p:cNvPr id="39" name="CustomShape 1"/>
           <p:cNvSpPr/>
           <p:nvPr/>
         </p:nvSpPr>
         <p:spPr>
           <a:xfrm>
             <a:off x="0" y="0"/>
-            <a:ext cx="9143640" cy="1439640"/>
+            <a:ext cx="9143280" cy="1439280"/>
           </a:xfrm>
           <a:prstGeom prst="rect">
             <a:avLst/>
@@ -3130,7 +3050,7 @@
       </p:sp>
       <p:pic>
         <p:nvPicPr>
-          <p:cNvPr id="43" name="Imagem 8" descr=""/>
+          <p:cNvPr id="40" name="Imagem 8" descr=""/>
           <p:cNvPicPr/>
           <p:nvPr/>
         </p:nvPicPr>
@@ -3141,7 +3061,7 @@
         <p:spPr>
           <a:xfrm>
             <a:off x="0" y="270360"/>
-            <a:ext cx="179640" cy="898920"/>
+            <a:ext cx="179280" cy="898560"/>
           </a:xfrm>
           <a:prstGeom prst="rect">
             <a:avLst/>
@@ -3153,7 +3073,7 @@
       </p:pic>
       <p:pic>
         <p:nvPicPr>
-          <p:cNvPr id="44" name="Imagem 12" descr=""/>
+          <p:cNvPr id="41" name="Imagem 12" descr=""/>
           <p:cNvPicPr/>
           <p:nvPr/>
         </p:nvPicPr>
@@ -3164,7 +3084,7 @@
         <p:spPr>
           <a:xfrm>
             <a:off x="6297120" y="486000"/>
-            <a:ext cx="2594880" cy="467640"/>
+            <a:ext cx="2594520" cy="467280"/>
           </a:xfrm>
           <a:prstGeom prst="rect">
             <a:avLst/>
@@ -3176,113 +3096,7 @@
       </p:pic>
       <p:sp>
         <p:nvSpPr>
-          <p:cNvPr id="45" name="PlaceHolder 2"/>
-          <p:cNvSpPr>
-            <a:spLocks noGrp="1"/>
-          </p:cNvSpPr>
-          <p:nvPr>
-            <p:ph type="dt"/>
-          </p:nvPr>
-        </p:nvSpPr>
-        <p:spPr>
-          <a:xfrm>
-            <a:off x="457200" y="6356520"/>
-            <a:ext cx="2133360" cy="364680"/>
-          </a:xfrm>
-          <a:prstGeom prst="rect">
-            <a:avLst/>
-          </a:prstGeom>
-        </p:spPr>
-        <p:txBody>
-          <a:bodyPr anchor="ctr"/>
-          <a:p>
-            <a:pPr>
-              <a:lnSpc>
-                <a:spcPct val="100000"/>
-              </a:lnSpc>
-            </a:pPr>
-            <a:r>
-              <a:rPr lang="pt-BR" sz="1200" strike="noStrike">
-                <a:solidFill>
-                  <a:srgbClr val="8b8b8b"/>
-                </a:solidFill>
-                <a:latin typeface="Calibri"/>
-              </a:rPr>
-              <a:t>11/05/15</a:t>
-            </a:r>
-            <a:endParaRPr/>
-          </a:p>
-        </p:txBody>
-      </p:sp>
-      <p:sp>
-        <p:nvSpPr>
-          <p:cNvPr id="46" name="PlaceHolder 3"/>
-          <p:cNvSpPr>
-            <a:spLocks noGrp="1"/>
-          </p:cNvSpPr>
-          <p:nvPr>
-            <p:ph type="ftr"/>
-          </p:nvPr>
-        </p:nvSpPr>
-        <p:spPr>
-          <a:xfrm>
-            <a:off x="3124080" y="6356520"/>
-            <a:ext cx="2895120" cy="364680"/>
-          </a:xfrm>
-          <a:prstGeom prst="rect">
-            <a:avLst/>
-          </a:prstGeom>
-        </p:spPr>
-        <p:txBody>
-          <a:bodyPr anchor="ctr"/>
-          <a:p>
-            <a:endParaRPr/>
-          </a:p>
-        </p:txBody>
-      </p:sp>
-      <p:sp>
-        <p:nvSpPr>
-          <p:cNvPr id="47" name="PlaceHolder 4"/>
-          <p:cNvSpPr>
-            <a:spLocks noGrp="1"/>
-          </p:cNvSpPr>
-          <p:nvPr>
-            <p:ph type="sldNum"/>
-          </p:nvPr>
-        </p:nvSpPr>
-        <p:spPr>
-          <a:xfrm>
-            <a:off x="6553080" y="6356520"/>
-            <a:ext cx="2133360" cy="364680"/>
-          </a:xfrm>
-          <a:prstGeom prst="rect">
-            <a:avLst/>
-          </a:prstGeom>
-        </p:spPr>
-        <p:txBody>
-          <a:bodyPr anchor="ctr"/>
-          <a:p>
-            <a:pPr algn="r">
-              <a:lnSpc>
-                <a:spcPct val="100000"/>
-              </a:lnSpc>
-            </a:pPr>
-            <a:fld id="{B53D8788-D582-4E42-9CD7-4E6F0E78205F}" type="slidenum">
-              <a:rPr lang="pt-BR" sz="1200" strike="noStrike">
-                <a:solidFill>
-                  <a:srgbClr val="8b8b8b"/>
-                </a:solidFill>
-                <a:latin typeface="Calibri"/>
-              </a:rPr>
-              <a:t>&lt;número&gt;</a:t>
-            </a:fld>
-            <a:endParaRPr/>
-          </a:p>
-        </p:txBody>
-      </p:sp>
-      <p:sp>
-        <p:nvSpPr>
-          <p:cNvPr id="48" name="PlaceHolder 5"/>
+          <p:cNvPr id="42" name="PlaceHolder 2"/>
           <p:cNvSpPr>
             <a:spLocks noGrp="1"/>
           </p:cNvSpPr>
@@ -3302,9 +3116,10 @@
         <p:txBody>
           <a:bodyPr lIns="0" rIns="0" tIns="0" bIns="0" anchor="ctr"/>
           <a:p>
-            <a:r>
-              <a:rPr lang="pt-BR">
-                <a:latin typeface="Calibri"/>
+            <a:pPr algn="ctr"/>
+            <a:r>
+              <a:rPr lang="pt-BR" sz="4400">
+                <a:latin typeface="Arial"/>
               </a:rPr>
               <a:t>Clique para editar o formato do texto do título</a:t>
             </a:r>
@@ -3314,7 +3129,7 @@
       </p:sp>
       <p:sp>
         <p:nvSpPr>
-          <p:cNvPr id="49" name="PlaceHolder 6"/>
+          <p:cNvPr id="43" name="PlaceHolder 3"/>
           <p:cNvSpPr>
             <a:spLocks noGrp="1"/>
           </p:cNvSpPr>
@@ -3341,7 +3156,7 @@
             </a:pPr>
             <a:r>
               <a:rPr lang="pt-BR" sz="3200">
-                <a:latin typeface="Calibri"/>
+                <a:latin typeface="Arial"/>
               </a:rPr>
               <a:t>Clique para editar o formato do texto da estrutura de tópicos</a:t>
             </a:r>
@@ -3354,8 +3169,8 @@
               <a:buChar char=""/>
             </a:pPr>
             <a:r>
-              <a:rPr lang="pt-BR" sz="2400">
-                <a:latin typeface="Calibri"/>
+              <a:rPr lang="pt-BR" sz="2800">
+                <a:latin typeface="Arial"/>
               </a:rPr>
               <a:t>2.º nível da estrutura de tópicos</a:t>
             </a:r>
@@ -3368,8 +3183,8 @@
               <a:buChar char=""/>
             </a:pPr>
             <a:r>
-              <a:rPr lang="pt-BR" sz="2000">
-                <a:latin typeface="Calibri"/>
+              <a:rPr lang="pt-BR" sz="2400">
+                <a:latin typeface="Arial"/>
               </a:rPr>
               <a:t>3.º nível da estrutura de tópicos</a:t>
             </a:r>
@@ -3383,7 +3198,7 @@
             </a:pPr>
             <a:r>
               <a:rPr lang="pt-BR" sz="2000">
-                <a:latin typeface="Calibri"/>
+                <a:latin typeface="Arial"/>
               </a:rPr>
               <a:t>4.º nível da estrutura de tópicos</a:t>
             </a:r>
@@ -3397,7 +3212,7 @@
             </a:pPr>
             <a:r>
               <a:rPr lang="pt-BR" sz="2000">
-                <a:latin typeface="Calibri"/>
+                <a:latin typeface="Arial"/>
               </a:rPr>
               <a:t>5.º nível da estrutura de tópicos</a:t>
             </a:r>
@@ -3411,7 +3226,7 @@
             </a:pPr>
             <a:r>
               <a:rPr lang="pt-BR" sz="2000">
-                <a:latin typeface="Calibri"/>
+                <a:latin typeface="Arial"/>
               </a:rPr>
               <a:t>6.º nível da estrutura de tópicos</a:t>
             </a:r>
@@ -3425,7 +3240,7 @@
             </a:pPr>
             <a:r>
               <a:rPr lang="pt-BR" sz="2000">
-                <a:latin typeface="Calibri"/>
+                <a:latin typeface="Arial"/>
               </a:rPr>
               <a:t>7.º nível da estrutura de tópicos</a:t>
             </a:r>
@@ -3472,14 +3287,14 @@
       </p:grpSpPr>
       <p:sp>
         <p:nvSpPr>
-          <p:cNvPr id="89" name="TextShape 1"/>
-          <p:cNvSpPr txBox="1"/>
+          <p:cNvPr id="83" name="CustomShape 1"/>
+          <p:cNvSpPr/>
           <p:nvPr/>
         </p:nvSpPr>
         <p:spPr>
           <a:xfrm>
             <a:off x="685800" y="2130480"/>
-            <a:ext cx="7772040" cy="1469520"/>
+            <a:ext cx="7771680" cy="1469160"/>
           </a:xfrm>
           <a:prstGeom prst="rect">
             <a:avLst/>
@@ -3489,23 +3304,23 @@
             <a:noFill/>
           </a:ln>
         </p:spPr>
-        <p:txBody>
-          <a:bodyPr anchor="ctr"/>
-          <a:p>
-            <a:endParaRPr/>
-          </a:p>
-        </p:txBody>
-      </p:sp>
-      <p:sp>
-        <p:nvSpPr>
-          <p:cNvPr id="90" name="TextShape 2"/>
-          <p:cNvSpPr txBox="1"/>
+        <p:style>
+          <a:lnRef idx="0"/>
+          <a:fillRef idx="0"/>
+          <a:effectRef idx="0"/>
+          <a:fontRef idx="minor"/>
+        </p:style>
+      </p:sp>
+      <p:sp>
+        <p:nvSpPr>
+          <p:cNvPr id="84" name="CustomShape 2"/>
+          <p:cNvSpPr/>
           <p:nvPr/>
         </p:nvSpPr>
         <p:spPr>
           <a:xfrm>
             <a:off x="1371600" y="3886200"/>
-            <a:ext cx="6400440" cy="1752120"/>
+            <a:ext cx="6400080" cy="1751760"/>
           </a:xfrm>
           <a:prstGeom prst="rect">
             <a:avLst/>
@@ -3515,24 +3330,23 @@
             <a:noFill/>
           </a:ln>
         </p:spPr>
-        <p:txBody>
-          <a:bodyPr/>
-          <a:p>
-            <a:pPr algn="ctr"/>
-            <a:endParaRPr/>
-          </a:p>
-        </p:txBody>
-      </p:sp>
-      <p:sp>
-        <p:nvSpPr>
-          <p:cNvPr id="91" name="CustomShape 3"/>
+        <p:style>
+          <a:lnRef idx="0"/>
+          <a:fillRef idx="0"/>
+          <a:effectRef idx="0"/>
+          <a:fontRef idx="minor"/>
+        </p:style>
+      </p:sp>
+      <p:sp>
+        <p:nvSpPr>
+          <p:cNvPr id="85" name="CustomShape 3"/>
           <p:cNvSpPr/>
           <p:nvPr/>
         </p:nvSpPr>
         <p:spPr>
           <a:xfrm>
             <a:off x="0" y="0"/>
-            <a:ext cx="9143640" cy="6857640"/>
+            <a:ext cx="9143280" cy="6857280"/>
           </a:xfrm>
           <a:prstGeom prst="rect">
             <a:avLst/>
@@ -3561,7 +3375,7 @@
       </p:sp>
       <p:pic>
         <p:nvPicPr>
-          <p:cNvPr id="92" name="Imagem 5" descr=""/>
+          <p:cNvPr id="86" name="Imagem 5" descr=""/>
           <p:cNvPicPr/>
           <p:nvPr/>
         </p:nvPicPr>
@@ -3572,7 +3386,7 @@
         <p:spPr>
           <a:xfrm>
             <a:off x="-26280" y="1535040"/>
-            <a:ext cx="757080" cy="3787200"/>
+            <a:ext cx="756720" cy="3786840"/>
           </a:xfrm>
           <a:prstGeom prst="rect">
             <a:avLst/>
@@ -3584,7 +3398,7 @@
       </p:pic>
       <p:pic>
         <p:nvPicPr>
-          <p:cNvPr id="93" name="Imagem 8" descr=""/>
+          <p:cNvPr id="87" name="Imagem 8" descr=""/>
           <p:cNvPicPr/>
           <p:nvPr/>
         </p:nvPicPr>
@@ -3595,7 +3409,7 @@
         <p:spPr>
           <a:xfrm>
             <a:off x="971640" y="2710440"/>
-            <a:ext cx="7968600" cy="1436760"/>
+            <a:ext cx="7968240" cy="1436400"/>
           </a:xfrm>
           <a:prstGeom prst="rect">
             <a:avLst/>
@@ -3614,6 +3428,569 @@
           <p:childTnLst>
             <p:seq>
               <p:cTn id="2" nodeType="mainSeq"/>
+              <p:prevCondLst>
+                <p:cond delay="0" evt="onPrev">
+                  <p:tgtEl>
+                    <p:sldTgt/>
+                  </p:tgtEl>
+                </p:cond>
+              </p:prevCondLst>
+              <p:nextCondLst>
+                <p:cond delay="0" evt="onNext">
+                  <p:tgtEl>
+                    <p:sldTgt/>
+                  </p:tgtEl>
+                </p:cond>
+              </p:nextCondLst>
+            </p:seq>
+          </p:childTnLst>
+        </p:cTn>
+      </p:par>
+    </p:tnLst>
+  </p:timing>
+</p:sld>
+</file>
+
+<file path=ppt/slides/slide10.xml><?xml version="1.0" encoding="utf-8"?>
+<p:sld xmlns:a="http://schemas.openxmlformats.org/drawingml/2006/main" xmlns:p="http://schemas.openxmlformats.org/presentationml/2006/main" xmlns:r="http://schemas.openxmlformats.org/officeDocument/2006/relationships">
+  <p:cSld>
+    <p:spTree>
+      <p:nvGrpSpPr>
+        <p:cNvPr id="1" name=""/>
+        <p:cNvGrpSpPr/>
+        <p:nvPr/>
+      </p:nvGrpSpPr>
+      <p:grpSpPr>
+        <a:xfrm>
+          <a:off x="0" y="0"/>
+          <a:ext cx="0" cy="0"/>
+          <a:chOff x="0" y="0"/>
+          <a:chExt cx="0" cy="0"/>
+        </a:xfrm>
+      </p:grpSpPr>
+      <p:sp>
+        <p:nvSpPr>
+          <p:cNvPr id="104" name="CustomShape 1"/>
+          <p:cNvSpPr/>
+          <p:nvPr/>
+        </p:nvSpPr>
+        <p:spPr>
+          <a:xfrm>
+            <a:off x="500040" y="428760"/>
+            <a:ext cx="5472000" cy="394920"/>
+          </a:xfrm>
+          <a:prstGeom prst="rect">
+            <a:avLst/>
+          </a:prstGeom>
+          <a:noFill/>
+          <a:ln>
+            <a:noFill/>
+          </a:ln>
+        </p:spPr>
+        <p:style>
+          <a:lnRef idx="0"/>
+          <a:fillRef idx="0"/>
+          <a:effectRef idx="0"/>
+          <a:fontRef idx="minor"/>
+        </p:style>
+        <p:txBody>
+          <a:bodyPr lIns="90000" rIns="90000" tIns="45000" bIns="45000"/>
+          <a:p>
+            <a:pPr algn="ctr">
+              <a:lnSpc>
+                <a:spcPct val="100000"/>
+              </a:lnSpc>
+            </a:pPr>
+            <a:r>
+              <a:rPr b="1" lang="pt-BR" sz="2000" strike="noStrike">
+                <a:solidFill>
+                  <a:srgbClr val="ffffff"/>
+                </a:solidFill>
+                <a:latin typeface="Arial"/>
+                <a:ea typeface="DejaVu Sans"/>
+              </a:rPr>
+              <a:t>DICAS PARA ORGANIZAR O PPT</a:t>
+            </a:r>
+            <a:endParaRPr/>
+          </a:p>
+        </p:txBody>
+      </p:sp>
+      <p:sp>
+        <p:nvSpPr>
+          <p:cNvPr id="105" name="CustomShape 2"/>
+          <p:cNvSpPr/>
+          <p:nvPr/>
+        </p:nvSpPr>
+        <p:spPr>
+          <a:xfrm>
+            <a:off x="1000080" y="1857240"/>
+            <a:ext cx="7143120" cy="1386000"/>
+          </a:xfrm>
+          <a:prstGeom prst="rect">
+            <a:avLst/>
+          </a:prstGeom>
+          <a:noFill/>
+          <a:ln>
+            <a:noFill/>
+          </a:ln>
+        </p:spPr>
+        <p:style>
+          <a:lnRef idx="0"/>
+          <a:fillRef idx="0"/>
+          <a:effectRef idx="0"/>
+          <a:fontRef idx="minor"/>
+        </p:style>
+        <p:txBody>
+          <a:bodyPr lIns="90000" rIns="90000" tIns="45000" bIns="45000"/>
+          <a:p>
+            <a:pPr algn="just">
+              <a:lnSpc>
+                <a:spcPts val="349"/>
+              </a:lnSpc>
+            </a:pPr>
+            <a:r>
+              <a:rPr lang="pt-BR" strike="noStrike">
+                <a:solidFill>
+                  <a:srgbClr val="000000"/>
+                </a:solidFill>
+                <a:latin typeface="Calibri"/>
+                <a:ea typeface="DejaVu Sans"/>
+              </a:rPr>
+              <a:t> </a:t>
+            </a:r>
+            <a:endParaRPr/>
+          </a:p>
+          <a:p>
+            <a:pPr algn="just">
+              <a:lnSpc>
+                <a:spcPts val="349"/>
+              </a:lnSpc>
+            </a:pPr>
+            <a:endParaRPr/>
+          </a:p>
+          <a:p>
+            <a:pPr>
+              <a:lnSpc>
+                <a:spcPts val="349"/>
+              </a:lnSpc>
+            </a:pPr>
+            <a:r>
+              <a:rPr lang="pt-BR" strike="noStrike">
+                <a:solidFill>
+                  <a:srgbClr val="000000"/>
+                </a:solidFill>
+                <a:latin typeface="Calibri"/>
+                <a:ea typeface="DejaVu Sans"/>
+              </a:rPr>
+              <a:t>         </a:t>
+            </a:r>
+            <a:endParaRPr/>
+          </a:p>
+        </p:txBody>
+      </p:sp>
+      <p:sp>
+        <p:nvSpPr>
+          <p:cNvPr id="106" name="CustomShape 3"/>
+          <p:cNvSpPr/>
+          <p:nvPr/>
+        </p:nvSpPr>
+        <p:spPr>
+          <a:xfrm>
+            <a:off x="857160" y="1714320"/>
+            <a:ext cx="7357320" cy="3774600"/>
+          </a:xfrm>
+          <a:prstGeom prst="rect">
+            <a:avLst/>
+          </a:prstGeom>
+          <a:noFill/>
+          <a:ln>
+            <a:noFill/>
+          </a:ln>
+        </p:spPr>
+        <p:style>
+          <a:lnRef idx="0"/>
+          <a:fillRef idx="0"/>
+          <a:effectRef idx="0"/>
+          <a:fontRef idx="minor"/>
+        </p:style>
+        <p:txBody>
+          <a:bodyPr lIns="90000" rIns="90000" tIns="45000" bIns="45000"/>
+          <a:p>
+            <a:pPr>
+              <a:lnSpc>
+                <a:spcPct val="100000"/>
+              </a:lnSpc>
+              <a:buFont typeface="Wingdings" charset="2"/>
+              <a:buChar char=""/>
+            </a:pPr>
+            <a:r>
+              <a:rPr lang="pt-BR" sz="2000" strike="noStrike">
+                <a:solidFill>
+                  <a:srgbClr val="000000"/>
+                </a:solidFill>
+                <a:latin typeface="Arial"/>
+                <a:ea typeface="DejaVu Sans"/>
+              </a:rPr>
+              <a:t> </a:t>
+            </a:r>
+            <a:r>
+              <a:rPr lang="pt-BR" sz="2000" strike="noStrike">
+                <a:solidFill>
+                  <a:srgbClr val="000000"/>
+                </a:solidFill>
+                <a:latin typeface="Arial"/>
+                <a:ea typeface="DejaVu Sans"/>
+              </a:rPr>
+              <a:t>Pense em desenvolver 1 slide por minuto.</a:t>
+            </a:r>
+            <a:endParaRPr/>
+          </a:p>
+          <a:p>
+            <a:pPr algn="just">
+              <a:lnSpc>
+                <a:spcPct val="100000"/>
+              </a:lnSpc>
+              <a:buFont typeface="Wingdings" charset="2"/>
+              <a:buChar char=""/>
+            </a:pPr>
+            <a:r>
+              <a:rPr lang="pt-BR" sz="2000" strike="noStrike">
+                <a:solidFill>
+                  <a:srgbClr val="000000"/>
+                </a:solidFill>
+                <a:latin typeface="Arial"/>
+                <a:ea typeface="DejaVu Sans"/>
+              </a:rPr>
+              <a:t> </a:t>
+            </a:r>
+            <a:r>
+              <a:rPr lang="pt-BR" sz="2000" strike="noStrike">
+                <a:solidFill>
+                  <a:srgbClr val="000000"/>
+                </a:solidFill>
+                <a:latin typeface="Arial"/>
+                <a:ea typeface="DejaVu Sans"/>
+              </a:rPr>
+              <a:t>Treine sua apresentação para ver se enquadra no tempo predefinido (20’).</a:t>
+            </a:r>
+            <a:endParaRPr/>
+          </a:p>
+          <a:p>
+            <a:pPr algn="just">
+              <a:lnSpc>
+                <a:spcPct val="100000"/>
+              </a:lnSpc>
+              <a:buFont typeface="Wingdings" charset="2"/>
+              <a:buChar char=""/>
+            </a:pPr>
+            <a:r>
+              <a:rPr lang="pt-BR" sz="2000" strike="noStrike">
+                <a:solidFill>
+                  <a:srgbClr val="000000"/>
+                </a:solidFill>
+                <a:latin typeface="Arial"/>
+                <a:ea typeface="DejaVu Sans"/>
+              </a:rPr>
+              <a:t> </a:t>
+            </a:r>
+            <a:r>
+              <a:rPr lang="pt-BR" sz="2000" strike="noStrike">
+                <a:solidFill>
+                  <a:srgbClr val="000000"/>
+                </a:solidFill>
+                <a:latin typeface="Arial"/>
+                <a:ea typeface="DejaVu Sans"/>
+              </a:rPr>
+              <a:t>Só coloque o que é realmente essencial.</a:t>
+            </a:r>
+            <a:endParaRPr/>
+          </a:p>
+          <a:p>
+            <a:pPr algn="just">
+              <a:lnSpc>
+                <a:spcPct val="100000"/>
+              </a:lnSpc>
+              <a:buFont typeface="Wingdings" charset="2"/>
+              <a:buChar char=""/>
+            </a:pPr>
+            <a:r>
+              <a:rPr lang="pt-BR" sz="2000" strike="noStrike">
+                <a:solidFill>
+                  <a:srgbClr val="000000"/>
+                </a:solidFill>
+                <a:latin typeface="Arial"/>
+                <a:ea typeface="DejaVu Sans"/>
+              </a:rPr>
+              <a:t> </a:t>
+            </a:r>
+            <a:r>
+              <a:rPr lang="pt-BR" sz="2000" strike="noStrike">
+                <a:solidFill>
+                  <a:srgbClr val="000000"/>
+                </a:solidFill>
+                <a:latin typeface="Arial"/>
+                <a:ea typeface="DejaVu Sans"/>
+              </a:rPr>
+              <a:t>Dê mais espaço para a metodologia e os resultados (número maior de slides).</a:t>
+            </a:r>
+            <a:endParaRPr/>
+          </a:p>
+          <a:p>
+            <a:pPr algn="just">
+              <a:lnSpc>
+                <a:spcPct val="100000"/>
+              </a:lnSpc>
+              <a:buFont typeface="Wingdings" charset="2"/>
+              <a:buChar char=""/>
+            </a:pPr>
+            <a:r>
+              <a:rPr lang="pt-BR" sz="2000" strike="noStrike">
+                <a:solidFill>
+                  <a:srgbClr val="000000"/>
+                </a:solidFill>
+                <a:latin typeface="Arial"/>
+                <a:ea typeface="DejaVu Sans"/>
+              </a:rPr>
+              <a:t> </a:t>
+            </a:r>
+            <a:r>
+              <a:rPr lang="pt-BR" sz="2000" strike="noStrike">
+                <a:solidFill>
+                  <a:srgbClr val="000000"/>
+                </a:solidFill>
+                <a:latin typeface="Arial"/>
+                <a:ea typeface="DejaVu Sans"/>
+              </a:rPr>
+              <a:t>Utilize tamanho  mínimo de fonte de letra 26.</a:t>
+            </a:r>
+            <a:endParaRPr/>
+          </a:p>
+          <a:p>
+            <a:pPr algn="just">
+              <a:lnSpc>
+                <a:spcPct val="100000"/>
+              </a:lnSpc>
+              <a:buFont typeface="Wingdings" charset="2"/>
+              <a:buChar char=""/>
+            </a:pPr>
+            <a:r>
+              <a:rPr lang="pt-BR" sz="2000" strike="noStrike">
+                <a:solidFill>
+                  <a:srgbClr val="000000"/>
+                </a:solidFill>
+                <a:latin typeface="Arial"/>
+                <a:ea typeface="DejaVu Sans"/>
+              </a:rPr>
+              <a:t> </a:t>
+            </a:r>
+            <a:r>
+              <a:rPr lang="pt-BR" sz="2000" strike="noStrike">
+                <a:solidFill>
+                  <a:srgbClr val="000000"/>
+                </a:solidFill>
+                <a:latin typeface="Arial"/>
+                <a:ea typeface="DejaVu Sans"/>
+              </a:rPr>
+              <a:t>Coloque composição nos textos, fazendo com que cada tópico entre individualmente para não poluir nem prejudicar sua apresentação.</a:t>
+            </a:r>
+            <a:endParaRPr/>
+          </a:p>
+        </p:txBody>
+      </p:sp>
+    </p:spTree>
+  </p:cSld>
+  <p:timing>
+    <p:tnLst>
+      <p:par>
+        <p:cTn id="19" dur="indefinite" restart="never" nodeType="tmRoot">
+          <p:childTnLst>
+            <p:seq>
+              <p:cTn id="20" nodeType="mainSeq"/>
+              <p:prevCondLst>
+                <p:cond delay="0" evt="onPrev">
+                  <p:tgtEl>
+                    <p:sldTgt/>
+                  </p:tgtEl>
+                </p:cond>
+              </p:prevCondLst>
+              <p:nextCondLst>
+                <p:cond delay="0" evt="onNext">
+                  <p:tgtEl>
+                    <p:sldTgt/>
+                  </p:tgtEl>
+                </p:cond>
+              </p:nextCondLst>
+            </p:seq>
+          </p:childTnLst>
+        </p:cTn>
+      </p:par>
+    </p:tnLst>
+  </p:timing>
+</p:sld>
+</file>
+
+<file path=ppt/slides/slide11.xml><?xml version="1.0" encoding="utf-8"?>
+<p:sld xmlns:a="http://schemas.openxmlformats.org/drawingml/2006/main" xmlns:p="http://schemas.openxmlformats.org/presentationml/2006/main" xmlns:r="http://schemas.openxmlformats.org/officeDocument/2006/relationships">
+  <p:cSld>
+    <p:spTree>
+      <p:nvGrpSpPr>
+        <p:cNvPr id="1" name=""/>
+        <p:cNvGrpSpPr/>
+        <p:nvPr/>
+      </p:nvGrpSpPr>
+      <p:grpSpPr>
+        <a:xfrm>
+          <a:off x="0" y="0"/>
+          <a:ext cx="0" cy="0"/>
+          <a:chOff x="0" y="0"/>
+          <a:chExt cx="0" cy="0"/>
+        </a:xfrm>
+      </p:grpSpPr>
+      <p:sp>
+        <p:nvSpPr>
+          <p:cNvPr id="107" name="CustomShape 1"/>
+          <p:cNvSpPr/>
+          <p:nvPr/>
+        </p:nvSpPr>
+        <p:spPr>
+          <a:xfrm>
+            <a:off x="1000080" y="1857240"/>
+            <a:ext cx="7143120" cy="1386000"/>
+          </a:xfrm>
+          <a:prstGeom prst="rect">
+            <a:avLst/>
+          </a:prstGeom>
+          <a:noFill/>
+          <a:ln>
+            <a:noFill/>
+          </a:ln>
+        </p:spPr>
+        <p:style>
+          <a:lnRef idx="0"/>
+          <a:fillRef idx="0"/>
+          <a:effectRef idx="0"/>
+          <a:fontRef idx="minor"/>
+        </p:style>
+        <p:txBody>
+          <a:bodyPr lIns="90000" rIns="90000" tIns="45000" bIns="45000"/>
+          <a:p>
+            <a:pPr algn="just">
+              <a:lnSpc>
+                <a:spcPts val="349"/>
+              </a:lnSpc>
+            </a:pPr>
+            <a:r>
+              <a:rPr lang="pt-BR" strike="noStrike">
+                <a:solidFill>
+                  <a:srgbClr val="000000"/>
+                </a:solidFill>
+                <a:latin typeface="Calibri"/>
+                <a:ea typeface="DejaVu Sans"/>
+              </a:rPr>
+              <a:t> </a:t>
+            </a:r>
+            <a:endParaRPr/>
+          </a:p>
+          <a:p>
+            <a:pPr algn="just">
+              <a:lnSpc>
+                <a:spcPts val="349"/>
+              </a:lnSpc>
+            </a:pPr>
+            <a:endParaRPr/>
+          </a:p>
+          <a:p>
+            <a:pPr>
+              <a:lnSpc>
+                <a:spcPts val="349"/>
+              </a:lnSpc>
+            </a:pPr>
+            <a:r>
+              <a:rPr lang="pt-BR" strike="noStrike">
+                <a:solidFill>
+                  <a:srgbClr val="000000"/>
+                </a:solidFill>
+                <a:latin typeface="Calibri"/>
+                <a:ea typeface="DejaVu Sans"/>
+              </a:rPr>
+              <a:t>         </a:t>
+            </a:r>
+            <a:endParaRPr/>
+          </a:p>
+        </p:txBody>
+      </p:sp>
+      <p:sp>
+        <p:nvSpPr>
+          <p:cNvPr id="108" name="CustomShape 2"/>
+          <p:cNvSpPr/>
+          <p:nvPr/>
+        </p:nvSpPr>
+        <p:spPr>
+          <a:xfrm>
+            <a:off x="857160" y="1714320"/>
+            <a:ext cx="7357320" cy="1443600"/>
+          </a:xfrm>
+          <a:prstGeom prst="rect">
+            <a:avLst/>
+          </a:prstGeom>
+          <a:noFill/>
+          <a:ln>
+            <a:noFill/>
+          </a:ln>
+        </p:spPr>
+        <p:style>
+          <a:lnRef idx="0"/>
+          <a:fillRef idx="0"/>
+          <a:effectRef idx="0"/>
+          <a:fontRef idx="minor"/>
+        </p:style>
+        <p:txBody>
+          <a:bodyPr lIns="90000" rIns="90000" tIns="45000" bIns="45000"/>
+          <a:p>
+            <a:pPr>
+              <a:lnSpc>
+                <a:spcPct val="100000"/>
+              </a:lnSpc>
+            </a:pPr>
+            <a:endParaRPr/>
+          </a:p>
+          <a:p>
+            <a:pPr>
+              <a:lnSpc>
+                <a:spcPct val="100000"/>
+              </a:lnSpc>
+            </a:pPr>
+            <a:endParaRPr/>
+          </a:p>
+          <a:p>
+            <a:pPr algn="ctr">
+              <a:lnSpc>
+                <a:spcPct val="100000"/>
+              </a:lnSpc>
+            </a:pPr>
+            <a:r>
+              <a:rPr lang="pt-BR" sz="3200" strike="noStrike">
+                <a:solidFill>
+                  <a:srgbClr val="000000"/>
+                </a:solidFill>
+                <a:latin typeface="Arial"/>
+                <a:ea typeface="DejaVu Sans"/>
+              </a:rPr>
+              <a:t>Agradecimentos: Obrigado.  </a:t>
+            </a:r>
+            <a:endParaRPr/>
+          </a:p>
+        </p:txBody>
+      </p:sp>
+    </p:spTree>
+  </p:cSld>
+  <p:timing>
+    <p:tnLst>
+      <p:par>
+        <p:cTn id="21" dur="indefinite" restart="never" nodeType="tmRoot">
+          <p:childTnLst>
+            <p:seq>
+              <p:cTn id="22" nodeType="mainSeq"/>
               <p:prevCondLst>
                 <p:cond delay="0" evt="onPrev">
                   <p:tgtEl>
@@ -3656,14 +4033,14 @@
       </p:grpSpPr>
       <p:sp>
         <p:nvSpPr>
-          <p:cNvPr id="94" name="CustomShape 1"/>
+          <p:cNvPr id="88" name="CustomShape 1"/>
           <p:cNvSpPr/>
           <p:nvPr/>
         </p:nvSpPr>
         <p:spPr>
           <a:xfrm>
             <a:off x="467640" y="1917000"/>
-            <a:ext cx="7992360" cy="1796760"/>
+            <a:ext cx="7992000" cy="1796400"/>
           </a:xfrm>
           <a:prstGeom prst="rect">
             <a:avLst/>
@@ -3693,8 +4070,9 @@
                   <a:srgbClr val="000000"/>
                 </a:solidFill>
                 <a:latin typeface="Arial"/>
-              </a:rPr>
-              <a:t>TÍTULO DO TCC</a:t>
+                <a:ea typeface="DejaVu Sans"/>
+              </a:rPr>
+              <a:t>Análise de técnicas de aprendizado de máquina para classifição de conteúdo textual</a:t>
             </a:r>
             <a:endParaRPr/>
           </a:p>
@@ -3704,14 +4082,23 @@
                 <a:spcPct val="100000"/>
               </a:lnSpc>
             </a:pPr>
+            <a:endParaRPr/>
+          </a:p>
+          <a:p>
+            <a:pPr algn="ctr">
+              <a:lnSpc>
+                <a:spcPct val="100000"/>
+              </a:lnSpc>
+            </a:pPr>
             <a:r>
               <a:rPr lang="pt-BR" sz="2800" strike="noStrike">
                 <a:solidFill>
                   <a:srgbClr val="000000"/>
                 </a:solidFill>
                 <a:latin typeface="Arial"/>
-              </a:rPr>
-              <a:t>Nome do curso</a:t>
+                <a:ea typeface="DejaVu Sans"/>
+              </a:rPr>
+              <a:t>Análise e desenvolvimento de sistemas</a:t>
             </a:r>
             <a:endParaRPr/>
           </a:p>
@@ -3721,14 +4108,23 @@
                 <a:spcPct val="100000"/>
               </a:lnSpc>
             </a:pPr>
+            <a:endParaRPr/>
+          </a:p>
+          <a:p>
+            <a:pPr algn="ctr">
+              <a:lnSpc>
+                <a:spcPct val="100000"/>
+              </a:lnSpc>
+            </a:pPr>
             <a:r>
               <a:rPr lang="pt-BR" sz="2800" strike="noStrike">
                 <a:solidFill>
                   <a:srgbClr val="000000"/>
                 </a:solidFill>
                 <a:latin typeface="Arial"/>
-              </a:rPr>
-              <a:t>Nome do aluno</a:t>
+                <a:ea typeface="DejaVu Sans"/>
+              </a:rPr>
+              <a:t>Felipe Mendonça Ruhland</a:t>
             </a:r>
             <a:endParaRPr/>
           </a:p>
@@ -3738,14 +4134,23 @@
                 <a:spcPct val="100000"/>
               </a:lnSpc>
             </a:pPr>
+            <a:endParaRPr/>
+          </a:p>
+          <a:p>
+            <a:pPr algn="ctr">
+              <a:lnSpc>
+                <a:spcPct val="100000"/>
+              </a:lnSpc>
+            </a:pPr>
             <a:r>
               <a:rPr lang="pt-BR" sz="2800" strike="noStrike">
                 <a:solidFill>
                   <a:srgbClr val="000000"/>
                 </a:solidFill>
                 <a:latin typeface="Arial"/>
-              </a:rPr>
-              <a:t>Nome do orientador</a:t>
+                <a:ea typeface="DejaVu Sans"/>
+              </a:rPr>
+              <a:t>Lidiane Visintin</a:t>
             </a:r>
             <a:endParaRPr/>
           </a:p>
@@ -3802,14 +4207,14 @@
       </p:grpSpPr>
       <p:sp>
         <p:nvSpPr>
-          <p:cNvPr id="95" name="CustomShape 1"/>
+          <p:cNvPr id="89" name="CustomShape 1"/>
           <p:cNvSpPr/>
           <p:nvPr/>
         </p:nvSpPr>
         <p:spPr>
           <a:xfrm>
             <a:off x="571320" y="500040"/>
-            <a:ext cx="3571560" cy="577800"/>
+            <a:ext cx="3571200" cy="577440"/>
           </a:xfrm>
           <a:prstGeom prst="rect">
             <a:avLst/>
@@ -3839,6 +4244,7 @@
                   <a:srgbClr val="ffffff"/>
                 </a:solidFill>
                 <a:latin typeface="Arial"/>
+                <a:ea typeface="DejaVu Sans"/>
               </a:rPr>
               <a:t>PROBLEMA</a:t>
             </a:r>
@@ -3848,14 +4254,14 @@
       </p:sp>
       <p:sp>
         <p:nvSpPr>
-          <p:cNvPr id="96" name="CustomShape 2"/>
+          <p:cNvPr id="90" name="CustomShape 2"/>
           <p:cNvSpPr/>
           <p:nvPr/>
         </p:nvSpPr>
         <p:spPr>
           <a:xfrm>
             <a:off x="1214280" y="2551680"/>
-            <a:ext cx="6929280" cy="3076560"/>
+            <a:ext cx="6928920" cy="3076200"/>
           </a:xfrm>
           <a:prstGeom prst="rect">
             <a:avLst/>
@@ -3885,8 +4291,137 @@
                   <a:srgbClr val="000000"/>
                 </a:solidFill>
                 <a:latin typeface="Arial"/>
-              </a:rPr>
-              <a:t>Um problema científico tem a forma de uma questão, de uma pergunta. É formulado de tal maneira que orientará a investigação científica e a solução representará uma ampliação de seus conhecimentos sobre o tema que lhe deu origem.</a:t>
+                <a:ea typeface="DejaVu Sans"/>
+              </a:rPr>
+              <a:t>Informação eletrônica</a:t>
+            </a:r>
+            <a:endParaRPr/>
+          </a:p>
+          <a:p>
+            <a:pPr algn="just">
+              <a:lnSpc>
+                <a:spcPct val="100000"/>
+              </a:lnSpc>
+            </a:pPr>
+            <a:endParaRPr/>
+          </a:p>
+          <a:p>
+            <a:pPr algn="just">
+              <a:lnSpc>
+                <a:spcPct val="100000"/>
+              </a:lnSpc>
+              <a:buFont typeface="StarSymbol"/>
+              <a:buChar char=""/>
+            </a:pPr>
+            <a:r>
+              <a:rPr lang="pt-BR" sz="2800" strike="noStrike">
+                <a:solidFill>
+                  <a:srgbClr val="000000"/>
+                </a:solidFill>
+                <a:latin typeface="Arial"/>
+                <a:ea typeface="DejaVu Sans"/>
+              </a:rPr>
+              <a:t> </a:t>
+            </a:r>
+            <a:r>
+              <a:rPr lang="pt-BR" sz="2800" strike="noStrike">
+                <a:solidFill>
+                  <a:srgbClr val="000000"/>
+                </a:solidFill>
+                <a:latin typeface="Arial"/>
+                <a:ea typeface="DejaVu Sans"/>
+              </a:rPr>
+              <a:t>Notícias;</a:t>
+            </a:r>
+            <a:endParaRPr/>
+          </a:p>
+          <a:p>
+            <a:pPr algn="just">
+              <a:lnSpc>
+                <a:spcPct val="100000"/>
+              </a:lnSpc>
+              <a:buFont typeface="StarSymbol"/>
+              <a:buChar char=""/>
+            </a:pPr>
+            <a:r>
+              <a:rPr lang="pt-BR" sz="2800" strike="noStrike">
+                <a:solidFill>
+                  <a:srgbClr val="000000"/>
+                </a:solidFill>
+                <a:latin typeface="Arial"/>
+                <a:ea typeface="DejaVu Sans"/>
+              </a:rPr>
+              <a:t> </a:t>
+            </a:r>
+            <a:r>
+              <a:rPr lang="pt-BR" sz="2800" strike="noStrike">
+                <a:solidFill>
+                  <a:srgbClr val="000000"/>
+                </a:solidFill>
+                <a:latin typeface="Arial"/>
+                <a:ea typeface="DejaVu Sans"/>
+              </a:rPr>
+              <a:t>Artigos;</a:t>
+            </a:r>
+            <a:endParaRPr/>
+          </a:p>
+          <a:p>
+            <a:pPr algn="just">
+              <a:lnSpc>
+                <a:spcPct val="100000"/>
+              </a:lnSpc>
+              <a:buFont typeface="StarSymbol"/>
+              <a:buChar char=""/>
+            </a:pPr>
+            <a:r>
+              <a:rPr lang="pt-BR" sz="2800" strike="noStrike">
+                <a:solidFill>
+                  <a:srgbClr val="000000"/>
+                </a:solidFill>
+                <a:latin typeface="Arial"/>
+                <a:ea typeface="DejaVu Sans"/>
+              </a:rPr>
+              <a:t> </a:t>
+            </a:r>
+            <a:r>
+              <a:rPr lang="pt-BR" sz="2800" strike="noStrike">
+                <a:solidFill>
+                  <a:srgbClr val="000000"/>
+                </a:solidFill>
+                <a:latin typeface="Arial"/>
+                <a:ea typeface="DejaVu Sans"/>
+              </a:rPr>
+              <a:t>Blogs;</a:t>
+            </a:r>
+            <a:endParaRPr/>
+          </a:p>
+          <a:p>
+            <a:pPr algn="just">
+              <a:lnSpc>
+                <a:spcPct val="100000"/>
+              </a:lnSpc>
+              <a:buFont typeface="StarSymbol"/>
+              <a:buChar char=""/>
+            </a:pPr>
+            <a:r>
+              <a:rPr lang="pt-BR" sz="2800" strike="noStrike">
+                <a:solidFill>
+                  <a:srgbClr val="000000"/>
+                </a:solidFill>
+                <a:latin typeface="Arial"/>
+                <a:ea typeface="DejaVu Sans"/>
+              </a:rPr>
+              <a:t> </a:t>
+            </a:r>
+            <a:r>
+              <a:rPr lang="pt-BR" sz="2800" strike="noStrike">
+                <a:solidFill>
+                  <a:srgbClr val="000000"/>
+                </a:solidFill>
+                <a:latin typeface="Arial"/>
+                <a:ea typeface="DejaVu Sans"/>
+              </a:rPr>
+              <a:t>Redes sociais.</a:t>
             </a:r>
             <a:endParaRPr/>
           </a:p>
@@ -3943,14 +4478,14 @@
       </p:grpSpPr>
       <p:sp>
         <p:nvSpPr>
-          <p:cNvPr id="97" name="CustomShape 1"/>
+          <p:cNvPr id="91" name="CustomShape 1"/>
           <p:cNvSpPr/>
           <p:nvPr/>
         </p:nvSpPr>
         <p:spPr>
           <a:xfrm>
-            <a:off x="428760" y="357120"/>
-            <a:ext cx="5472360" cy="577800"/>
+            <a:off x="571320" y="500040"/>
+            <a:ext cx="3571200" cy="577440"/>
           </a:xfrm>
           <a:prstGeom prst="rect">
             <a:avLst/>
@@ -3980,23 +4515,24 @@
                   <a:srgbClr val="ffffff"/>
                 </a:solidFill>
                 <a:latin typeface="Arial"/>
-              </a:rPr>
-              <a:t>JUSTIFICATIVA</a:t>
-            </a:r>
-            <a:endParaRPr/>
-          </a:p>
-        </p:txBody>
-      </p:sp>
-      <p:sp>
-        <p:nvSpPr>
-          <p:cNvPr id="98" name="CustomShape 2"/>
+                <a:ea typeface="DejaVu Sans"/>
+              </a:rPr>
+              <a:t>PROBLEMA</a:t>
+            </a:r>
+            <a:endParaRPr/>
+          </a:p>
+        </p:txBody>
+      </p:sp>
+      <p:sp>
+        <p:nvSpPr>
+          <p:cNvPr id="92" name="CustomShape 2"/>
           <p:cNvSpPr/>
           <p:nvPr/>
         </p:nvSpPr>
         <p:spPr>
           <a:xfrm>
-            <a:off x="1714320" y="2828880"/>
-            <a:ext cx="6143400" cy="2223360"/>
+            <a:off x="1214280" y="2551680"/>
+            <a:ext cx="6928920" cy="3076200"/>
           </a:xfrm>
           <a:prstGeom prst="rect">
             <a:avLst/>
@@ -4026,8 +4562,87 @@
                   <a:srgbClr val="000000"/>
                 </a:solidFill>
                 <a:latin typeface="Arial"/>
-              </a:rPr>
-              <a:t>O tema deverá indicar a abrangência do estudo. Após justifique sua escolha, saliente a importância do tema os porquês da realização desta pesquisa.</a:t>
+                <a:ea typeface="DejaVu Sans"/>
+              </a:rPr>
+              <a:t>Facilidade de produzir conteúdo</a:t>
+            </a:r>
+            <a:endParaRPr/>
+          </a:p>
+          <a:p>
+            <a:pPr algn="just">
+              <a:lnSpc>
+                <a:spcPct val="100000"/>
+              </a:lnSpc>
+            </a:pPr>
+            <a:endParaRPr/>
+          </a:p>
+          <a:p>
+            <a:pPr algn="just">
+              <a:lnSpc>
+                <a:spcPct val="100000"/>
+              </a:lnSpc>
+            </a:pPr>
+            <a:r>
+              <a:rPr lang="pt-BR" sz="2800" strike="noStrike">
+                <a:solidFill>
+                  <a:srgbClr val="000000"/>
+                </a:solidFill>
+                <a:latin typeface="Arial"/>
+                <a:ea typeface="DejaVu Sans"/>
+              </a:rPr>
+              <a:t>Acompanhamento de canais (assinatura)</a:t>
+            </a:r>
+            <a:endParaRPr/>
+          </a:p>
+          <a:p>
+            <a:pPr algn="just">
+              <a:lnSpc>
+                <a:spcPct val="100000"/>
+              </a:lnSpc>
+            </a:pPr>
+            <a:endParaRPr/>
+          </a:p>
+          <a:p>
+            <a:pPr algn="just">
+              <a:lnSpc>
+                <a:spcPct val="100000"/>
+              </a:lnSpc>
+            </a:pPr>
+            <a:r>
+              <a:rPr lang="pt-BR" sz="2800" strike="noStrike">
+                <a:solidFill>
+                  <a:srgbClr val="000000"/>
+                </a:solidFill>
+                <a:latin typeface="Arial"/>
+                <a:ea typeface="DejaVu Sans"/>
+              </a:rPr>
+              <a:t>Tempo gasto consumindo as informações</a:t>
+            </a:r>
+            <a:endParaRPr/>
+          </a:p>
+          <a:p>
+            <a:pPr algn="just">
+              <a:lnSpc>
+                <a:spcPct val="100000"/>
+              </a:lnSpc>
+            </a:pPr>
+            <a:endParaRPr/>
+          </a:p>
+          <a:p>
+            <a:pPr algn="just">
+              <a:lnSpc>
+                <a:spcPct val="100000"/>
+              </a:lnSpc>
+            </a:pPr>
+            <a:r>
+              <a:rPr lang="pt-BR" sz="2800" strike="noStrike">
+                <a:solidFill>
+                  <a:srgbClr val="000000"/>
+                </a:solidFill>
+                <a:latin typeface="Arial"/>
+                <a:ea typeface="DejaVu Sans"/>
+              </a:rPr>
+              <a:t>Relevância das informações</a:t>
             </a:r>
             <a:endParaRPr/>
           </a:p>
@@ -4084,14 +4699,14 @@
       </p:grpSpPr>
       <p:sp>
         <p:nvSpPr>
-          <p:cNvPr id="99" name="CustomShape 1"/>
+          <p:cNvPr id="93" name="CustomShape 1"/>
           <p:cNvSpPr/>
           <p:nvPr/>
         </p:nvSpPr>
         <p:spPr>
           <a:xfrm>
-            <a:off x="1285920" y="214200"/>
-            <a:ext cx="5472360" cy="1065240"/>
+            <a:off x="571320" y="500040"/>
+            <a:ext cx="3571200" cy="577440"/>
           </a:xfrm>
           <a:prstGeom prst="rect">
             <a:avLst/>
@@ -4110,7 +4725,7 @@
         <p:txBody>
           <a:bodyPr lIns="90000" rIns="90000" tIns="45000" bIns="45000"/>
           <a:p>
-            <a:pPr>
+            <a:pPr algn="ctr">
               <a:lnSpc>
                 <a:spcPct val="100000"/>
               </a:lnSpc>
@@ -4121,23 +4736,24 @@
                   <a:srgbClr val="ffffff"/>
                 </a:solidFill>
                 <a:latin typeface="Arial"/>
-              </a:rPr>
-              <a:t>OBETIVO GERAL E ESPECÍFICOS</a:t>
-            </a:r>
-            <a:endParaRPr/>
-          </a:p>
-        </p:txBody>
-      </p:sp>
-      <p:sp>
-        <p:nvSpPr>
-          <p:cNvPr id="100" name="CustomShape 2"/>
+                <a:ea typeface="DejaVu Sans"/>
+              </a:rPr>
+              <a:t>PROBLEMA</a:t>
+            </a:r>
+            <a:endParaRPr/>
+          </a:p>
+        </p:txBody>
+      </p:sp>
+      <p:sp>
+        <p:nvSpPr>
+          <p:cNvPr id="94" name="CustomShape 2"/>
           <p:cNvSpPr/>
           <p:nvPr/>
         </p:nvSpPr>
         <p:spPr>
           <a:xfrm>
-            <a:off x="1000080" y="1928880"/>
-            <a:ext cx="6714720" cy="4783320"/>
+            <a:off x="1214280" y="2551680"/>
+            <a:ext cx="6928920" cy="3076200"/>
           </a:xfrm>
           <a:prstGeom prst="rect">
             <a:avLst/>
@@ -4158,48 +4774,18 @@
           <a:p>
             <a:pPr algn="just">
               <a:lnSpc>
-                <a:spcPts val="988"/>
+                <a:spcPct val="100000"/>
               </a:lnSpc>
-              <a:buSzPct val="120000"/>
-              <a:buFont typeface="Wingdings" charset="2"/>
-              <a:buChar char=""/>
-            </a:pPr>
-            <a:r>
-              <a:rPr lang="pt-BR" sz="2400" strike="noStrike">
+            </a:pPr>
+            <a:r>
+              <a:rPr lang="pt-BR" sz="2800" strike="noStrike">
                 <a:solidFill>
                   <a:srgbClr val="000000"/>
                 </a:solidFill>
                 <a:latin typeface="Arial"/>
-              </a:rPr>
-              <a:t>GERAL: descreve-se objetivo geral da pesquisa, fazendo referência à motivação descrita na justificativa apresentada. O que se pretende alcançar/atingir com a pesquisa realizada. (1). </a:t>
-            </a:r>
-            <a:endParaRPr/>
-          </a:p>
-          <a:p>
-            <a:pPr>
-              <a:lnSpc>
-                <a:spcPts val="988"/>
-              </a:lnSpc>
-            </a:pPr>
-            <a:endParaRPr/>
-          </a:p>
-          <a:p>
-            <a:pPr algn="just">
-              <a:lnSpc>
-                <a:spcPts val="988"/>
-              </a:lnSpc>
-              <a:buSzPct val="120000"/>
-              <a:buFont typeface="Wingdings" charset="2"/>
-              <a:buChar char=""/>
-            </a:pPr>
-            <a:r>
-              <a:rPr lang="pt-BR" sz="2400" strike="noStrike">
-                <a:solidFill>
-                  <a:srgbClr val="000000"/>
-                </a:solidFill>
-                <a:latin typeface="Arial"/>
-              </a:rPr>
-              <a:t>ESPECÍFICOS: (3 a 5) descreve os objetivos específicos concretos. Aonde se quer chegar, metas, produtos, a partir do objetivo geral elencando. Ou seja, o que será feito ao longo do estudo para responder às perguntas da pesquisa.</a:t>
+                <a:ea typeface="DejaVu Sans"/>
+              </a:rPr>
+              <a:t>Como obter apenas os conteúdos relevantes (interessantes) para cada indivíduo?</a:t>
             </a:r>
             <a:endParaRPr/>
           </a:p>
@@ -4256,14 +4842,14 @@
       </p:grpSpPr>
       <p:sp>
         <p:nvSpPr>
-          <p:cNvPr id="101" name="CustomShape 1"/>
+          <p:cNvPr id="95" name="CustomShape 1"/>
           <p:cNvSpPr/>
           <p:nvPr/>
         </p:nvSpPr>
         <p:spPr>
           <a:xfrm>
-            <a:off x="642960" y="500040"/>
-            <a:ext cx="5472360" cy="516960"/>
+            <a:off x="428760" y="357120"/>
+            <a:ext cx="5472000" cy="577440"/>
           </a:xfrm>
           <a:prstGeom prst="rect">
             <a:avLst/>
@@ -4288,28 +4874,29 @@
               </a:lnSpc>
             </a:pPr>
             <a:r>
-              <a:rPr b="1" lang="pt-BR" sz="2800" strike="noStrike">
+              <a:rPr b="1" lang="pt-BR" sz="3200" strike="noStrike">
                 <a:solidFill>
                   <a:srgbClr val="ffffff"/>
                 </a:solidFill>
                 <a:latin typeface="Arial"/>
-              </a:rPr>
-              <a:t>METODOLOGIA</a:t>
-            </a:r>
-            <a:endParaRPr/>
-          </a:p>
-        </p:txBody>
-      </p:sp>
-      <p:sp>
-        <p:nvSpPr>
-          <p:cNvPr id="102" name="CustomShape 2"/>
+                <a:ea typeface="DejaVu Sans"/>
+              </a:rPr>
+              <a:t>JUSTIFICATIVA</a:t>
+            </a:r>
+            <a:endParaRPr/>
+          </a:p>
+        </p:txBody>
+      </p:sp>
+      <p:sp>
+        <p:nvSpPr>
+          <p:cNvPr id="96" name="CustomShape 2"/>
           <p:cNvSpPr/>
           <p:nvPr/>
         </p:nvSpPr>
         <p:spPr>
           <a:xfrm>
-            <a:off x="785880" y="1928880"/>
-            <a:ext cx="7429320" cy="3470040"/>
+            <a:off x="1714320" y="2828880"/>
+            <a:ext cx="6143040" cy="2223000"/>
           </a:xfrm>
           <a:prstGeom prst="rect">
             <a:avLst/>
@@ -4334,110 +4921,14 @@
               </a:lnSpc>
             </a:pPr>
             <a:r>
-              <a:rPr lang="pt-BR" sz="2000" strike="noStrike">
+              <a:rPr lang="pt-BR" sz="2800" strike="noStrike">
                 <a:solidFill>
                   <a:srgbClr val="000000"/>
                 </a:solidFill>
                 <a:latin typeface="Arial"/>
-              </a:rPr>
-              <a:t>Pode ser entendida como a descrição detalhada dos caminhos utilizados para alcançar os objetivos. Oferece o método utilizado para a execução  da pesquisa.</a:t>
-            </a:r>
-            <a:endParaRPr/>
-          </a:p>
-          <a:p>
-            <a:pPr algn="just">
-              <a:lnSpc>
-                <a:spcPct val="100000"/>
-              </a:lnSpc>
-              <a:buSzPct val="120000"/>
-              <a:buFont typeface="Wingdings" charset="2"/>
-              <a:buChar char=""/>
-            </a:pPr>
-            <a:r>
-              <a:rPr lang="pt-BR" sz="2000" strike="noStrike">
-                <a:solidFill>
-                  <a:srgbClr val="000000"/>
-                </a:solidFill>
-                <a:latin typeface="Arial"/>
-              </a:rPr>
-              <a:t>Justifique com base na literatura.</a:t>
-            </a:r>
-            <a:endParaRPr/>
-          </a:p>
-          <a:p>
-            <a:pPr algn="just">
-              <a:lnSpc>
-                <a:spcPct val="100000"/>
-              </a:lnSpc>
-              <a:buSzPct val="120000"/>
-              <a:buFont typeface="Wingdings" charset="2"/>
-              <a:buChar char=""/>
-            </a:pPr>
-            <a:r>
-              <a:rPr lang="pt-BR" sz="2000" strike="noStrike">
-                <a:solidFill>
-                  <a:srgbClr val="000000"/>
-                </a:solidFill>
-                <a:latin typeface="Arial"/>
-              </a:rPr>
-              <a:t>Apresente população e amostra pesquisada.</a:t>
-            </a:r>
-            <a:endParaRPr/>
-          </a:p>
-          <a:p>
-            <a:pPr algn="just">
-              <a:lnSpc>
-                <a:spcPct val="100000"/>
-              </a:lnSpc>
-              <a:buSzPct val="120000"/>
-              <a:buFont typeface="Wingdings" charset="2"/>
-              <a:buChar char=""/>
-            </a:pPr>
-            <a:r>
-              <a:rPr lang="pt-BR" sz="2000" strike="noStrike">
-                <a:solidFill>
-                  <a:srgbClr val="000000"/>
-                </a:solidFill>
-                <a:latin typeface="Arial"/>
-              </a:rPr>
-              <a:t>Sinalize os instrumentos de coleta de dados utilizados. </a:t>
-            </a:r>
-            <a:endParaRPr/>
-          </a:p>
-          <a:p>
-            <a:pPr algn="just">
-              <a:lnSpc>
-                <a:spcPct val="100000"/>
-              </a:lnSpc>
-              <a:buSzPct val="120000"/>
-              <a:buFont typeface="Wingdings" charset="2"/>
-              <a:buChar char=""/>
-            </a:pPr>
-            <a:r>
-              <a:rPr lang="pt-BR" sz="2000" strike="noStrike">
-                <a:solidFill>
-                  <a:srgbClr val="000000"/>
-                </a:solidFill>
-                <a:latin typeface="Arial"/>
-              </a:rPr>
-              <a:t>Demonstre as etapas.  </a:t>
-            </a:r>
-            <a:endParaRPr/>
-          </a:p>
-          <a:p>
-            <a:pPr algn="just">
-              <a:lnSpc>
-                <a:spcPct val="100000"/>
-              </a:lnSpc>
-            </a:pPr>
-            <a:r>
-              <a:rPr lang="pt-BR" sz="2000" strike="noStrike">
-                <a:solidFill>
-                  <a:srgbClr val="000000"/>
-                </a:solidFill>
-                <a:latin typeface="Arial"/>
-              </a:rPr>
-              <a:t>Tipos de Pesquisa:bibliográfica, quantitativa, qualitativa,  básica ou  aplicada (desenv. Software), estudo de caso. </a:t>
+                <a:ea typeface="DejaVu Sans"/>
+              </a:rPr>
+              <a:t>O tema deverá indicar a abrangência do estudo. Após justifique sua escolha, saliente a importância do tema os porquês da realização desta pesquisa.</a:t>
             </a:r>
             <a:endParaRPr/>
           </a:p>
@@ -4494,14 +4985,14 @@
       </p:grpSpPr>
       <p:sp>
         <p:nvSpPr>
-          <p:cNvPr id="103" name="CustomShape 1"/>
+          <p:cNvPr id="97" name="CustomShape 1"/>
           <p:cNvSpPr/>
           <p:nvPr/>
         </p:nvSpPr>
         <p:spPr>
           <a:xfrm>
-            <a:off x="571320" y="571320"/>
-            <a:ext cx="5472360" cy="456120"/>
+            <a:off x="1285920" y="214200"/>
+            <a:ext cx="5472000" cy="1064880"/>
           </a:xfrm>
           <a:prstGeom prst="rect">
             <a:avLst/>
@@ -4520,34 +5011,35 @@
         <p:txBody>
           <a:bodyPr lIns="90000" rIns="90000" tIns="45000" bIns="45000"/>
           <a:p>
-            <a:pPr algn="ctr">
+            <a:pPr>
               <a:lnSpc>
                 <a:spcPct val="100000"/>
               </a:lnSpc>
             </a:pPr>
             <a:r>
-              <a:rPr b="1" lang="pt-BR" sz="2400" strike="noStrike">
+              <a:rPr b="1" lang="pt-BR" sz="3200" strike="noStrike">
                 <a:solidFill>
                   <a:srgbClr val="ffffff"/>
                 </a:solidFill>
                 <a:latin typeface="Arial"/>
-              </a:rPr>
-              <a:t>REFERENCIAS</a:t>
-            </a:r>
-            <a:endParaRPr/>
-          </a:p>
-        </p:txBody>
-      </p:sp>
-      <p:sp>
-        <p:nvSpPr>
-          <p:cNvPr id="104" name="CustomShape 2"/>
+                <a:ea typeface="DejaVu Sans"/>
+              </a:rPr>
+              <a:t>OBETIVO GERAL E ESPECÍFICOS</a:t>
+            </a:r>
+            <a:endParaRPr/>
+          </a:p>
+        </p:txBody>
+      </p:sp>
+      <p:sp>
+        <p:nvSpPr>
+          <p:cNvPr id="98" name="CustomShape 2"/>
           <p:cNvSpPr/>
           <p:nvPr/>
         </p:nvSpPr>
         <p:spPr>
           <a:xfrm>
-            <a:off x="1000080" y="1857240"/>
-            <a:ext cx="7143480" cy="3634920"/>
+            <a:off x="1000080" y="1928880"/>
+            <a:ext cx="6714360" cy="4782960"/>
           </a:xfrm>
           <a:prstGeom prst="rect">
             <a:avLst/>
@@ -4568,123 +5060,50 @@
           <a:p>
             <a:pPr algn="just">
               <a:lnSpc>
-                <a:spcPts val="988"/>
+                <a:spcPts val="349"/>
               </a:lnSpc>
-            </a:pPr>
-            <a:r>
-              <a:rPr lang="pt-BR" strike="noStrike">
+              <a:buSzPct val="120000"/>
+              <a:buFont typeface="Wingdings" charset="2"/>
+              <a:buChar char=""/>
+            </a:pPr>
+            <a:r>
+              <a:rPr lang="pt-BR" sz="2400" strike="noStrike">
                 <a:solidFill>
                   <a:srgbClr val="000000"/>
                 </a:solidFill>
-                <a:latin typeface="Calibri"/>
-              </a:rPr>
-              <a:t> </a:t>
-            </a:r>
-            <a:r>
-              <a:rPr lang="pt-BR" sz="2000" strike="noStrike">
+                <a:latin typeface="Arial"/>
+                <a:ea typeface="DejaVu Sans"/>
+              </a:rPr>
+              <a:t>GERAL: descreve-se objetivo geral da pesquisa, fazendo referência à motivação descrita na justificativa apresentada. O que se pretende alcançar/atingir com a pesquisa realizada. (1). </a:t>
+            </a:r>
+            <a:endParaRPr/>
+          </a:p>
+          <a:p>
+            <a:pPr>
+              <a:lnSpc>
+                <a:spcPts val="349"/>
+              </a:lnSpc>
+            </a:pPr>
+            <a:endParaRPr/>
+          </a:p>
+          <a:p>
+            <a:pPr algn="just">
+              <a:lnSpc>
+                <a:spcPts val="349"/>
+              </a:lnSpc>
+              <a:buSzPct val="120000"/>
+              <a:buFont typeface="Wingdings" charset="2"/>
+              <a:buChar char=""/>
+            </a:pPr>
+            <a:r>
+              <a:rPr lang="pt-BR" sz="2400" strike="noStrike">
                 <a:solidFill>
                   <a:srgbClr val="000000"/>
                 </a:solidFill>
                 <a:latin typeface="Arial"/>
-              </a:rPr>
-              <a:t>De acordo com as normas da ABNT (NBR 6023, 2002, p. 2), referências são: “o conjunto de elementos que permitem a identificação, no todo ou em parte, de documentos impressos ou registrados em diversos tipo de material”, utilizados como fonte de consulta e citados no trabalho elaborado.  </a:t>
-            </a:r>
-            <a:endParaRPr/>
-          </a:p>
-          <a:p>
-            <a:pPr algn="just">
-              <a:lnSpc>
-                <a:spcPts val="988"/>
-              </a:lnSpc>
-            </a:pPr>
-            <a:endParaRPr/>
-          </a:p>
-          <a:p>
-            <a:pPr algn="just">
-              <a:lnSpc>
-                <a:spcPts val="988"/>
-              </a:lnSpc>
-            </a:pPr>
-            <a:endParaRPr/>
-          </a:p>
-          <a:p>
-            <a:pPr>
-              <a:lnSpc>
-                <a:spcPts val="988"/>
-              </a:lnSpc>
-            </a:pPr>
-            <a:r>
-              <a:rPr lang="pt-BR" strike="noStrike">
-                <a:solidFill>
-                  <a:srgbClr val="000000"/>
-                </a:solidFill>
-                <a:latin typeface="Calibri"/>
-              </a:rPr>
-              <a:t>         </a:t>
-            </a:r>
-            <a:endParaRPr/>
-          </a:p>
-        </p:txBody>
-      </p:sp>
-      <p:sp>
-        <p:nvSpPr>
-          <p:cNvPr id="105" name="CustomShape 3"/>
-          <p:cNvSpPr/>
-          <p:nvPr/>
-        </p:nvSpPr>
-        <p:spPr>
-          <a:xfrm>
-            <a:off x="1071360" y="4214880"/>
-            <a:ext cx="7071840" cy="1005120"/>
-          </a:xfrm>
-          <a:prstGeom prst="rect">
-            <a:avLst/>
-          </a:prstGeom>
-          <a:noFill/>
-          <a:ln>
-            <a:noFill/>
-          </a:ln>
-        </p:spPr>
-        <p:style>
-          <a:lnRef idx="0"/>
-          <a:fillRef idx="0"/>
-          <a:effectRef idx="0"/>
-          <a:fontRef idx="minor"/>
-        </p:style>
-        <p:txBody>
-          <a:bodyPr lIns="90000" rIns="90000" tIns="45000" bIns="45000"/>
-          <a:p>
-            <a:pPr algn="just">
-              <a:lnSpc>
-                <a:spcPct val="100000"/>
-              </a:lnSpc>
-            </a:pPr>
-            <a:r>
-              <a:rPr lang="pt-BR" sz="2000" strike="noStrike">
-                <a:solidFill>
-                  <a:srgbClr val="000000"/>
-                </a:solidFill>
-                <a:latin typeface="Arial"/>
-              </a:rPr>
-              <a:t>CAVALETT, Lauci Aparecida; JUSTINO, Elisa Kaspareit. </a:t>
-            </a:r>
-            <a:r>
-              <a:rPr b="1" lang="pt-BR" sz="2000" strike="noStrike">
-                <a:solidFill>
-                  <a:srgbClr val="000000"/>
-                </a:solidFill>
-                <a:latin typeface="Arial"/>
-              </a:rPr>
-              <a:t>Metodologia científica e de pesquisa. </a:t>
-            </a:r>
-            <a:r>
-              <a:rPr lang="pt-BR" sz="2000" strike="noStrike">
-                <a:solidFill>
-                  <a:srgbClr val="000000"/>
-                </a:solidFill>
-                <a:latin typeface="Arial"/>
-              </a:rPr>
-              <a:t>2. ed. Florianópolis: SENAI/SC Florianópolis, 2007. </a:t>
+                <a:ea typeface="DejaVu Sans"/>
+              </a:rPr>
+              <a:t>ESPECÍFICOS: (3 a 5) descreve os objetivos específicos concretos. Aonde se quer chegar, metas, produtos, a partir do objetivo geral elencando. Ou seja, o que será feito ao longo do estudo para responder às perguntas da pesquisa.</a:t>
             </a:r>
             <a:endParaRPr/>
           </a:p>
@@ -4741,14 +5160,14 @@
       </p:grpSpPr>
       <p:sp>
         <p:nvSpPr>
-          <p:cNvPr id="106" name="CustomShape 1"/>
+          <p:cNvPr id="99" name="CustomShape 1"/>
           <p:cNvSpPr/>
           <p:nvPr/>
         </p:nvSpPr>
         <p:spPr>
           <a:xfrm>
-            <a:off x="500040" y="428760"/>
-            <a:ext cx="5472360" cy="395280"/>
+            <a:off x="642960" y="500040"/>
+            <a:ext cx="5472000" cy="516600"/>
           </a:xfrm>
           <a:prstGeom prst="rect">
             <a:avLst/>
@@ -4773,28 +5192,29 @@
               </a:lnSpc>
             </a:pPr>
             <a:r>
-              <a:rPr b="1" lang="pt-BR" sz="2000" strike="noStrike">
+              <a:rPr b="1" lang="pt-BR" sz="2800" strike="noStrike">
                 <a:solidFill>
                   <a:srgbClr val="ffffff"/>
                 </a:solidFill>
                 <a:latin typeface="Arial"/>
-              </a:rPr>
-              <a:t>DICAS PARA ORGANIZAR O PPT</a:t>
-            </a:r>
-            <a:endParaRPr/>
-          </a:p>
-        </p:txBody>
-      </p:sp>
-      <p:sp>
-        <p:nvSpPr>
-          <p:cNvPr id="107" name="CustomShape 2"/>
+                <a:ea typeface="DejaVu Sans"/>
+              </a:rPr>
+              <a:t>METODOLOGIA</a:t>
+            </a:r>
+            <a:endParaRPr/>
+          </a:p>
+        </p:txBody>
+      </p:sp>
+      <p:sp>
+        <p:nvSpPr>
+          <p:cNvPr id="100" name="CustomShape 2"/>
           <p:cNvSpPr/>
           <p:nvPr/>
         </p:nvSpPr>
         <p:spPr>
           <a:xfrm>
-            <a:off x="1000080" y="1857240"/>
-            <a:ext cx="7143480" cy="1386360"/>
+            <a:off x="785880" y="1928880"/>
+            <a:ext cx="7428960" cy="3469680"/>
           </a:xfrm>
           <a:prstGeom prst="rect">
             <a:avLst/>
@@ -4815,81 +5235,8 @@
           <a:p>
             <a:pPr algn="just">
               <a:lnSpc>
-                <a:spcPts val="988"/>
-              </a:lnSpc>
-            </a:pPr>
-            <a:r>
-              <a:rPr lang="pt-BR" strike="noStrike">
-                <a:solidFill>
-                  <a:srgbClr val="000000"/>
-                </a:solidFill>
-                <a:latin typeface="Calibri"/>
-              </a:rPr>
-              <a:t> </a:t>
-            </a:r>
-            <a:endParaRPr/>
-          </a:p>
-          <a:p>
-            <a:pPr algn="just">
-              <a:lnSpc>
-                <a:spcPts val="988"/>
-              </a:lnSpc>
-            </a:pPr>
-            <a:endParaRPr/>
-          </a:p>
-          <a:p>
-            <a:pPr>
-              <a:lnSpc>
-                <a:spcPts val="988"/>
-              </a:lnSpc>
-            </a:pPr>
-            <a:r>
-              <a:rPr lang="pt-BR" strike="noStrike">
-                <a:solidFill>
-                  <a:srgbClr val="000000"/>
-                </a:solidFill>
-                <a:latin typeface="Calibri"/>
-              </a:rPr>
-              <a:t>         </a:t>
-            </a:r>
-            <a:endParaRPr/>
-          </a:p>
-        </p:txBody>
-      </p:sp>
-      <p:sp>
-        <p:nvSpPr>
-          <p:cNvPr id="108" name="CustomShape 3"/>
-          <p:cNvSpPr/>
-          <p:nvPr/>
-        </p:nvSpPr>
-        <p:spPr>
-          <a:xfrm>
-            <a:off x="857160" y="1714320"/>
-            <a:ext cx="7357680" cy="3774960"/>
-          </a:xfrm>
-          <a:prstGeom prst="rect">
-            <a:avLst/>
-          </a:prstGeom>
-          <a:noFill/>
-          <a:ln>
-            <a:noFill/>
-          </a:ln>
-        </p:spPr>
-        <p:style>
-          <a:lnRef idx="0"/>
-          <a:fillRef idx="0"/>
-          <a:effectRef idx="0"/>
-          <a:fontRef idx="minor"/>
-        </p:style>
-        <p:txBody>
-          <a:bodyPr lIns="90000" rIns="90000" tIns="45000" bIns="45000"/>
-          <a:p>
-            <a:pPr>
-              <a:lnSpc>
                 <a:spcPct val="100000"/>
               </a:lnSpc>
-              <a:buFont typeface="Wingdings" charset="2"/>
-              <a:buChar char=""/>
             </a:pPr>
             <a:r>
               <a:rPr lang="pt-BR" sz="2000" strike="noStrike">
@@ -4897,17 +5244,30 @@
                   <a:srgbClr val="000000"/>
                 </a:solidFill>
                 <a:latin typeface="Arial"/>
-              </a:rPr>
-              <a:t> </a:t>
-            </a:r>
+                <a:ea typeface="DejaVu Sans"/>
+              </a:rPr>
+              <a:t>Pode ser entendida como a descrição detalhada dos caminhos utilizados para alcançar os objetivos. Oferece o método utilizado para a execução  da pesquisa.</a:t>
+            </a:r>
+            <a:endParaRPr/>
+          </a:p>
+          <a:p>
+            <a:pPr algn="just">
+              <a:lnSpc>
+                <a:spcPct val="100000"/>
+              </a:lnSpc>
+              <a:buSzPct val="120000"/>
+              <a:buFont typeface="Wingdings" charset="2"/>
+              <a:buChar char=""/>
+            </a:pPr>
             <a:r>
               <a:rPr lang="pt-BR" sz="2000" strike="noStrike">
                 <a:solidFill>
                   <a:srgbClr val="000000"/>
                 </a:solidFill>
                 <a:latin typeface="Arial"/>
-              </a:rPr>
-              <a:t>Pense em desenvolver 1 slide por minuto.</a:t>
+                <a:ea typeface="DejaVu Sans"/>
+              </a:rPr>
+              <a:t>Justifique com base na literatura.</a:t>
             </a:r>
             <a:endParaRPr/>
           </a:p>
@@ -4916,8 +5276,9 @@
               <a:lnSpc>
                 <a:spcPct val="100000"/>
               </a:lnSpc>
+              <a:buSzPct val="120000"/>
               <a:buFont typeface="Wingdings" charset="2"/>
-              <a:buChar char=""/>
+              <a:buChar char=""/>
             </a:pPr>
             <a:r>
               <a:rPr lang="pt-BR" sz="2000" strike="noStrike">
@@ -4925,17 +5286,30 @@
                   <a:srgbClr val="000000"/>
                 </a:solidFill>
                 <a:latin typeface="Arial"/>
-              </a:rPr>
-              <a:t> </a:t>
-            </a:r>
+                <a:ea typeface="DejaVu Sans"/>
+              </a:rPr>
+              <a:t>Apresente população e amostra pesquisada.</a:t>
+            </a:r>
+            <a:endParaRPr/>
+          </a:p>
+          <a:p>
+            <a:pPr algn="just">
+              <a:lnSpc>
+                <a:spcPct val="100000"/>
+              </a:lnSpc>
+              <a:buSzPct val="120000"/>
+              <a:buFont typeface="Wingdings" charset="2"/>
+              <a:buChar char=""/>
+            </a:pPr>
             <a:r>
               <a:rPr lang="pt-BR" sz="2000" strike="noStrike">
                 <a:solidFill>
                   <a:srgbClr val="000000"/>
                 </a:solidFill>
                 <a:latin typeface="Arial"/>
-              </a:rPr>
-              <a:t>Treine sua apresentação para ver se enquadra no tempo predefinido (20’).</a:t>
+                <a:ea typeface="DejaVu Sans"/>
+              </a:rPr>
+              <a:t>Sinalize os instrumentos de coleta de dados utilizados. </a:t>
             </a:r>
             <a:endParaRPr/>
           </a:p>
@@ -4944,8 +5318,9 @@
               <a:lnSpc>
                 <a:spcPct val="100000"/>
               </a:lnSpc>
+              <a:buSzPct val="120000"/>
               <a:buFont typeface="Wingdings" charset="2"/>
-              <a:buChar char=""/>
+              <a:buChar char=""/>
             </a:pPr>
             <a:r>
               <a:rPr lang="pt-BR" sz="2000" strike="noStrike">
@@ -4953,101 +5328,27 @@
                   <a:srgbClr val="000000"/>
                 </a:solidFill>
                 <a:latin typeface="Arial"/>
-              </a:rPr>
-              <a:t> </a:t>
-            </a:r>
+                <a:ea typeface="DejaVu Sans"/>
+              </a:rPr>
+              <a:t>Demonstre as etapas.  </a:t>
+            </a:r>
+            <a:endParaRPr/>
+          </a:p>
+          <a:p>
+            <a:pPr algn="just">
+              <a:lnSpc>
+                <a:spcPct val="100000"/>
+              </a:lnSpc>
+            </a:pPr>
             <a:r>
               <a:rPr lang="pt-BR" sz="2000" strike="noStrike">
                 <a:solidFill>
                   <a:srgbClr val="000000"/>
                 </a:solidFill>
                 <a:latin typeface="Arial"/>
-              </a:rPr>
-              <a:t>Só coloque o que é realmente essencial.</a:t>
-            </a:r>
-            <a:endParaRPr/>
-          </a:p>
-          <a:p>
-            <a:pPr algn="just">
-              <a:lnSpc>
-                <a:spcPct val="100000"/>
-              </a:lnSpc>
-              <a:buFont typeface="Wingdings" charset="2"/>
-              <a:buChar char=""/>
-            </a:pPr>
-            <a:r>
-              <a:rPr lang="pt-BR" sz="2000" strike="noStrike">
-                <a:solidFill>
-                  <a:srgbClr val="000000"/>
-                </a:solidFill>
-                <a:latin typeface="Arial"/>
-              </a:rPr>
-              <a:t> </a:t>
-            </a:r>
-            <a:r>
-              <a:rPr lang="pt-BR" sz="2000" strike="noStrike">
-                <a:solidFill>
-                  <a:srgbClr val="000000"/>
-                </a:solidFill>
-                <a:latin typeface="Arial"/>
-              </a:rPr>
-              <a:t>Dê mais espaço para a metodologia e os resultados (número maior de slides).</a:t>
-            </a:r>
-            <a:endParaRPr/>
-          </a:p>
-          <a:p>
-            <a:pPr algn="just">
-              <a:lnSpc>
-                <a:spcPct val="100000"/>
-              </a:lnSpc>
-              <a:buFont typeface="Wingdings" charset="2"/>
-              <a:buChar char=""/>
-            </a:pPr>
-            <a:r>
-              <a:rPr lang="pt-BR" sz="2000" strike="noStrike">
-                <a:solidFill>
-                  <a:srgbClr val="000000"/>
-                </a:solidFill>
-                <a:latin typeface="Arial"/>
-              </a:rPr>
-              <a:t> </a:t>
-            </a:r>
-            <a:r>
-              <a:rPr lang="pt-BR" sz="2000" strike="noStrike">
-                <a:solidFill>
-                  <a:srgbClr val="000000"/>
-                </a:solidFill>
-                <a:latin typeface="Arial"/>
-              </a:rPr>
-              <a:t>Utilize tamanho  mínimo de fonte de letra 26.</a:t>
-            </a:r>
-            <a:endParaRPr/>
-          </a:p>
-          <a:p>
-            <a:pPr algn="just">
-              <a:lnSpc>
-                <a:spcPct val="100000"/>
-              </a:lnSpc>
-              <a:buFont typeface="Wingdings" charset="2"/>
-              <a:buChar char=""/>
-            </a:pPr>
-            <a:r>
-              <a:rPr lang="pt-BR" sz="2000" strike="noStrike">
-                <a:solidFill>
-                  <a:srgbClr val="000000"/>
-                </a:solidFill>
-                <a:latin typeface="Arial"/>
-              </a:rPr>
-              <a:t> </a:t>
-            </a:r>
-            <a:r>
-              <a:rPr lang="pt-BR" sz="2000" strike="noStrike">
-                <a:solidFill>
-                  <a:srgbClr val="000000"/>
-                </a:solidFill>
-                <a:latin typeface="Arial"/>
-              </a:rPr>
-              <a:t>Coloque composição nos textos, fazendo com que cada tópico entre individualmente para não poluir nem prejudicar sua apresentação.</a:t>
+                <a:ea typeface="DejaVu Sans"/>
+              </a:rPr>
+              <a:t>Tipos de Pesquisa:bibliográfica, quantitativa, qualitativa,  básica ou  aplicada (desenv. Software), estudo de caso. </a:t>
             </a:r>
             <a:endParaRPr/>
           </a:p>
@@ -5104,14 +5405,14 @@
       </p:grpSpPr>
       <p:sp>
         <p:nvSpPr>
-          <p:cNvPr id="109" name="CustomShape 1"/>
+          <p:cNvPr id="101" name="CustomShape 1"/>
           <p:cNvSpPr/>
           <p:nvPr/>
         </p:nvSpPr>
         <p:spPr>
           <a:xfrm>
-            <a:off x="1000080" y="1857240"/>
-            <a:ext cx="7143480" cy="1386360"/>
+            <a:off x="571320" y="571320"/>
+            <a:ext cx="5472000" cy="455760"/>
           </a:xfrm>
           <a:prstGeom prst="rect">
             <a:avLst/>
@@ -5130,59 +5431,35 @@
         <p:txBody>
           <a:bodyPr lIns="90000" rIns="90000" tIns="45000" bIns="45000"/>
           <a:p>
-            <a:pPr algn="just">
+            <a:pPr algn="ctr">
               <a:lnSpc>
-                <a:spcPts val="988"/>
+                <a:spcPct val="100000"/>
               </a:lnSpc>
             </a:pPr>
             <a:r>
-              <a:rPr lang="pt-BR" strike="noStrike">
+              <a:rPr b="1" lang="pt-BR" sz="2400" strike="noStrike">
                 <a:solidFill>
-                  <a:srgbClr val="000000"/>
+                  <a:srgbClr val="ffffff"/>
                 </a:solidFill>
-                <a:latin typeface="Calibri"/>
-              </a:rPr>
-              <a:t> </a:t>
-            </a:r>
-            <a:endParaRPr/>
-          </a:p>
-          <a:p>
-            <a:pPr algn="just">
-              <a:lnSpc>
-                <a:spcPts val="988"/>
-              </a:lnSpc>
-            </a:pPr>
-            <a:endParaRPr/>
-          </a:p>
-          <a:p>
-            <a:pPr>
-              <a:lnSpc>
-                <a:spcPts val="988"/>
-              </a:lnSpc>
-            </a:pPr>
-            <a:r>
-              <a:rPr lang="pt-BR" strike="noStrike">
-                <a:solidFill>
-                  <a:srgbClr val="000000"/>
-                </a:solidFill>
-                <a:latin typeface="Calibri"/>
-              </a:rPr>
-              <a:t>         </a:t>
-            </a:r>
-            <a:endParaRPr/>
-          </a:p>
-        </p:txBody>
-      </p:sp>
-      <p:sp>
-        <p:nvSpPr>
-          <p:cNvPr id="110" name="CustomShape 2"/>
+                <a:latin typeface="Arial"/>
+                <a:ea typeface="DejaVu Sans"/>
+              </a:rPr>
+              <a:t>REFERENCIAS</a:t>
+            </a:r>
+            <a:endParaRPr/>
+          </a:p>
+        </p:txBody>
+      </p:sp>
+      <p:sp>
+        <p:nvSpPr>
+          <p:cNvPr id="102" name="CustomShape 2"/>
           <p:cNvSpPr/>
           <p:nvPr/>
         </p:nvSpPr>
         <p:spPr>
           <a:xfrm>
-            <a:off x="857160" y="1714320"/>
-            <a:ext cx="7357680" cy="1443960"/>
+            <a:off x="1000080" y="1857240"/>
+            <a:ext cx="7143120" cy="3634560"/>
           </a:xfrm>
           <a:prstGeom prst="rect">
             <a:avLst/>
@@ -5201,35 +5478,131 @@
         <p:txBody>
           <a:bodyPr lIns="90000" rIns="90000" tIns="45000" bIns="45000"/>
           <a:p>
+            <a:pPr algn="just">
+              <a:lnSpc>
+                <a:spcPts val="349"/>
+              </a:lnSpc>
+            </a:pPr>
+            <a:r>
+              <a:rPr lang="pt-BR" strike="noStrike">
+                <a:solidFill>
+                  <a:srgbClr val="000000"/>
+                </a:solidFill>
+                <a:latin typeface="Calibri"/>
+                <a:ea typeface="DejaVu Sans"/>
+              </a:rPr>
+              <a:t> </a:t>
+            </a:r>
+            <a:r>
+              <a:rPr lang="pt-BR" sz="2000" strike="noStrike">
+                <a:solidFill>
+                  <a:srgbClr val="000000"/>
+                </a:solidFill>
+                <a:latin typeface="Arial"/>
+                <a:ea typeface="DejaVu Sans"/>
+              </a:rPr>
+              <a:t>De acordo com as normas da ABNT (NBR 6023, 2002, p. 2), referências são: “o conjunto de elementos que permitem a identificação, no todo ou em parte, de documentos impressos ou registrados em diversos tipo de material”, utilizados como fonte de consulta e citados no trabalho elaborado.  </a:t>
+            </a:r>
+            <a:endParaRPr/>
+          </a:p>
+          <a:p>
+            <a:pPr algn="just">
+              <a:lnSpc>
+                <a:spcPts val="349"/>
+              </a:lnSpc>
+            </a:pPr>
+            <a:endParaRPr/>
+          </a:p>
+          <a:p>
+            <a:pPr algn="just">
+              <a:lnSpc>
+                <a:spcPts val="349"/>
+              </a:lnSpc>
+            </a:pPr>
+            <a:endParaRPr/>
+          </a:p>
+          <a:p>
             <a:pPr>
+              <a:lnSpc>
+                <a:spcPts val="349"/>
+              </a:lnSpc>
+            </a:pPr>
+            <a:r>
+              <a:rPr lang="pt-BR" strike="noStrike">
+                <a:solidFill>
+                  <a:srgbClr val="000000"/>
+                </a:solidFill>
+                <a:latin typeface="Calibri"/>
+                <a:ea typeface="DejaVu Sans"/>
+              </a:rPr>
+              <a:t>         </a:t>
+            </a:r>
+            <a:endParaRPr/>
+          </a:p>
+        </p:txBody>
+      </p:sp>
+      <p:sp>
+        <p:nvSpPr>
+          <p:cNvPr id="103" name="CustomShape 3"/>
+          <p:cNvSpPr/>
+          <p:nvPr/>
+        </p:nvSpPr>
+        <p:spPr>
+          <a:xfrm>
+            <a:off x="1071360" y="4214880"/>
+            <a:ext cx="7071480" cy="1004760"/>
+          </a:xfrm>
+          <a:prstGeom prst="rect">
+            <a:avLst/>
+          </a:prstGeom>
+          <a:noFill/>
+          <a:ln>
+            <a:noFill/>
+          </a:ln>
+        </p:spPr>
+        <p:style>
+          <a:lnRef idx="0"/>
+          <a:fillRef idx="0"/>
+          <a:effectRef idx="0"/>
+          <a:fontRef idx="minor"/>
+        </p:style>
+        <p:txBody>
+          <a:bodyPr lIns="90000" rIns="90000" tIns="45000" bIns="45000"/>
+          <a:p>
+            <a:pPr algn="just">
               <a:lnSpc>
                 <a:spcPct val="100000"/>
               </a:lnSpc>
             </a:pPr>
-            <a:endParaRPr/>
-          </a:p>
-          <a:p>
-            <a:pPr>
-              <a:lnSpc>
-                <a:spcPct val="100000"/>
-              </a:lnSpc>
-            </a:pPr>
-            <a:endParaRPr/>
-          </a:p>
-          <a:p>
-            <a:pPr algn="ctr">
-              <a:lnSpc>
-                <a:spcPct val="100000"/>
-              </a:lnSpc>
-            </a:pPr>
-            <a:r>
-              <a:rPr lang="pt-BR" sz="3200" strike="noStrike">
+            <a:r>
+              <a:rPr lang="pt-BR" sz="2000" strike="noStrike">
                 <a:solidFill>
                   <a:srgbClr val="000000"/>
                 </a:solidFill>
                 <a:latin typeface="Arial"/>
-              </a:rPr>
-              <a:t>Agradecimentos: Obrigado.  </a:t>
+                <a:ea typeface="DejaVu Sans"/>
+              </a:rPr>
+              <a:t>CAVALETT, Lauci Aparecida; JUSTINO, Elisa Kaspareit. </a:t>
+            </a:r>
+            <a:r>
+              <a:rPr b="1" lang="pt-BR" sz="2000" strike="noStrike">
+                <a:solidFill>
+                  <a:srgbClr val="000000"/>
+                </a:solidFill>
+                <a:latin typeface="Arial"/>
+                <a:ea typeface="DejaVu Sans"/>
+              </a:rPr>
+              <a:t>Metodologia científica e de pesquisa. </a:t>
+            </a:r>
+            <a:r>
+              <a:rPr lang="pt-BR" sz="2000" strike="noStrike">
+                <a:solidFill>
+                  <a:srgbClr val="000000"/>
+                </a:solidFill>
+                <a:latin typeface="Arial"/>
+                <a:ea typeface="DejaVu Sans"/>
+              </a:rPr>
+              <a:t>2. ed. Florianópolis: SENAI/SC Florianópolis, 2007. </a:t>
             </a:r>
             <a:endParaRPr/>
           </a:p>

--- a/apresentacao_preprojeto.pptx
+++ b/apresentacao_preprojeto.pptx
@@ -20,6 +20,11 @@
     <p:sldId id="264" r:id="rId13"/>
     <p:sldId id="265" r:id="rId14"/>
     <p:sldId id="266" r:id="rId15"/>
+    <p:sldId id="267" r:id="rId16"/>
+    <p:sldId id="268" r:id="rId17"/>
+    <p:sldId id="269" r:id="rId18"/>
+    <p:sldId id="270" r:id="rId19"/>
+    <p:sldId id="271" r:id="rId20"/>
   </p:sldIdLst>
   <p:sldSz cx="9144000" cy="6858000"/>
   <p:notesSz cx="6858000" cy="9144000"/>
@@ -195,7 +200,7 @@
           <a:bodyPr lIns="0" rIns="0" tIns="0" bIns="0" anchor="b"/>
           <a:p>
             <a:pPr algn="r"/>
-            <a:fld id="{F070EE34-7476-408E-BEE2-71E16C7AF5CE}" type="slidenum">
+            <a:fld id="{DD00095C-8188-44C9-97E1-7E220AB7B87E}" type="slidenum">
               <a:rPr lang="pt-BR" sz="1400">
                 <a:latin typeface="Times New Roman"/>
               </a:rPr>
@@ -230,7 +235,7 @@
       </p:grpSpPr>
       <p:sp>
         <p:nvSpPr>
-          <p:cNvPr id="109" name="PlaceHolder 1"/>
+          <p:cNvPr id="120" name="PlaceHolder 1"/>
           <p:cNvSpPr>
             <a:spLocks noGrp="1"/>
           </p:cNvSpPr>
@@ -241,7 +246,7 @@
         <p:spPr>
           <a:xfrm>
             <a:off x="685800" y="4343400"/>
-            <a:ext cx="5485680" cy="4114080"/>
+            <a:ext cx="5485320" cy="4113720"/>
           </a:xfrm>
           <a:prstGeom prst="rect">
             <a:avLst/>
@@ -256,14 +261,14 @@
       </p:sp>
       <p:sp>
         <p:nvSpPr>
-          <p:cNvPr id="110" name="CustomShape 2"/>
+          <p:cNvPr id="121" name="CustomShape 2"/>
           <p:cNvSpPr/>
           <p:nvPr/>
         </p:nvSpPr>
         <p:spPr>
           <a:xfrm>
             <a:off x="3884760" y="8685360"/>
-            <a:ext cx="2971080" cy="456480"/>
+            <a:ext cx="2970720" cy="456120"/>
           </a:xfrm>
           <a:prstGeom prst="rect">
             <a:avLst/>
@@ -287,7 +292,7 @@
                 <a:spcPct val="100000"/>
               </a:lnSpc>
             </a:pPr>
-            <a:fld id="{D3A9E83F-50BF-49B5-9C67-EDC7A81C98CF}" type="slidenum">
+            <a:fld id="{000DCD12-59AF-4FB4-A44C-7DA70AF8FC69}" type="slidenum">
               <a:rPr lang="pt-BR" sz="1200" strike="noStrike">
                 <a:solidFill>
                   <a:srgbClr val="000000"/>
@@ -325,7 +330,7 @@
       </p:grpSpPr>
       <p:sp>
         <p:nvSpPr>
-          <p:cNvPr id="111" name="PlaceHolder 1"/>
+          <p:cNvPr id="122" name="PlaceHolder 1"/>
           <p:cNvSpPr>
             <a:spLocks noGrp="1"/>
           </p:cNvSpPr>
@@ -336,7 +341,7 @@
         <p:spPr>
           <a:xfrm>
             <a:off x="685800" y="4343400"/>
-            <a:ext cx="5485680" cy="4114080"/>
+            <a:ext cx="5485320" cy="4113720"/>
           </a:xfrm>
           <a:prstGeom prst="rect">
             <a:avLst/>
@@ -351,14 +356,14 @@
       </p:sp>
       <p:sp>
         <p:nvSpPr>
-          <p:cNvPr id="112" name="CustomShape 2"/>
+          <p:cNvPr id="123" name="CustomShape 2"/>
           <p:cNvSpPr/>
           <p:nvPr/>
         </p:nvSpPr>
         <p:spPr>
           <a:xfrm>
             <a:off x="3884760" y="8685360"/>
-            <a:ext cx="2971080" cy="456480"/>
+            <a:ext cx="2970720" cy="456120"/>
           </a:xfrm>
           <a:prstGeom prst="rect">
             <a:avLst/>
@@ -382,7 +387,7 @@
                 <a:spcPct val="100000"/>
               </a:lnSpc>
             </a:pPr>
-            <a:fld id="{280D5690-8CCF-42B1-9245-51A906CA0234}" type="slidenum">
+            <a:fld id="{37141F86-341C-4329-9EDF-D5B79B23ADA0}" type="slidenum">
               <a:rPr lang="pt-BR" sz="1200" strike="noStrike">
                 <a:solidFill>
                   <a:srgbClr val="000000"/>
@@ -785,8 +790,8 @@
         </p:blipFill>
         <p:spPr>
           <a:xfrm>
-            <a:off x="2079000" y="1604520"/>
-            <a:ext cx="4985280" cy="3977280"/>
+            <a:off x="2079360" y="1604520"/>
+            <a:ext cx="4984560" cy="3977280"/>
           </a:xfrm>
           <a:prstGeom prst="rect">
             <a:avLst/>
@@ -808,8 +813,8 @@
         </p:blipFill>
         <p:spPr>
           <a:xfrm>
-            <a:off x="2079000" y="1604520"/>
-            <a:ext cx="4985280" cy="3977280"/>
+            <a:off x="2079360" y="1604520"/>
+            <a:ext cx="4984560" cy="3977280"/>
           </a:xfrm>
           <a:prstGeom prst="rect">
             <a:avLst/>
@@ -2015,8 +2020,8 @@
         </p:blipFill>
         <p:spPr>
           <a:xfrm>
-            <a:off x="2079000" y="1604520"/>
-            <a:ext cx="4985280" cy="3977280"/>
+            <a:off x="2079360" y="1604520"/>
+            <a:ext cx="4984560" cy="3977280"/>
           </a:xfrm>
           <a:prstGeom prst="rect">
             <a:avLst/>
@@ -2038,8 +2043,8 @@
         </p:blipFill>
         <p:spPr>
           <a:xfrm>
-            <a:off x="2079000" y="1604520"/>
-            <a:ext cx="4985280" cy="3977280"/>
+            <a:off x="2079360" y="1604520"/>
+            <a:ext cx="4984560" cy="3977280"/>
           </a:xfrm>
           <a:prstGeom prst="rect">
             <a:avLst/>
@@ -2742,7 +2747,7 @@
         <p:spPr>
           <a:xfrm>
             <a:off x="0" y="0"/>
-            <a:ext cx="9143280" cy="1439280"/>
+            <a:ext cx="9142920" cy="1438920"/>
           </a:xfrm>
           <a:prstGeom prst="rect">
             <a:avLst/>
@@ -2782,7 +2787,7 @@
         <p:spPr>
           <a:xfrm>
             <a:off x="0" y="270360"/>
-            <a:ext cx="179280" cy="898560"/>
+            <a:ext cx="178920" cy="898200"/>
           </a:xfrm>
           <a:prstGeom prst="rect">
             <a:avLst/>
@@ -2805,7 +2810,7 @@
         <p:spPr>
           <a:xfrm>
             <a:off x="6297120" y="486000"/>
-            <a:ext cx="2594520" cy="467280"/>
+            <a:ext cx="2594160" cy="466920"/>
           </a:xfrm>
           <a:prstGeom prst="rect">
             <a:avLst/>
@@ -2860,7 +2865,7 @@
         <p:spPr>
           <a:xfrm>
             <a:off x="457200" y="1604520"/>
-            <a:ext cx="8229240" cy="3977280"/>
+            <a:ext cx="8228880" cy="3976920"/>
           </a:xfrm>
           <a:prstGeom prst="rect">
             <a:avLst/>
@@ -2875,7 +2880,7 @@
               <a:buChar char=""/>
             </a:pPr>
             <a:r>
-              <a:rPr lang="pt-BR" sz="3200">
+              <a:rPr lang="pt-BR">
                 <a:latin typeface="Arial"/>
               </a:rPr>
               <a:t>Clique para editar o formato do texto da estrutura de tópicos</a:t>
@@ -2889,7 +2894,7 @@
               <a:buChar char=""/>
             </a:pPr>
             <a:r>
-              <a:rPr lang="pt-BR" sz="2800">
+              <a:rPr lang="pt-BR">
                 <a:latin typeface="Arial"/>
               </a:rPr>
               <a:t>2.º nível da estrutura de tópicos</a:t>
@@ -2903,7 +2908,7 @@
               <a:buChar char=""/>
             </a:pPr>
             <a:r>
-              <a:rPr lang="pt-BR" sz="2400">
+              <a:rPr lang="pt-BR">
                 <a:latin typeface="Arial"/>
               </a:rPr>
               <a:t>3.º nível da estrutura de tópicos</a:t>
@@ -2917,7 +2922,7 @@
               <a:buChar char=""/>
             </a:pPr>
             <a:r>
-              <a:rPr lang="pt-BR" sz="2000">
+              <a:rPr lang="pt-BR">
                 <a:latin typeface="Arial"/>
               </a:rPr>
               <a:t>4.º nível da estrutura de tópicos</a:t>
@@ -2931,7 +2936,7 @@
               <a:buChar char=""/>
             </a:pPr>
             <a:r>
-              <a:rPr lang="pt-BR" sz="2000">
+              <a:rPr lang="pt-BR">
                 <a:latin typeface="Arial"/>
               </a:rPr>
               <a:t>5.º nível da estrutura de tópicos</a:t>
@@ -2945,7 +2950,7 @@
               <a:buChar char=""/>
             </a:pPr>
             <a:r>
-              <a:rPr lang="pt-BR" sz="2000">
+              <a:rPr lang="pt-BR">
                 <a:latin typeface="Arial"/>
               </a:rPr>
               <a:t>6.º nível da estrutura de tópicos</a:t>
@@ -2959,7 +2964,7 @@
               <a:buChar char=""/>
             </a:pPr>
             <a:r>
-              <a:rPr lang="pt-BR" sz="2000">
+              <a:rPr lang="pt-BR">
                 <a:latin typeface="Arial"/>
               </a:rPr>
               <a:t>7.º nível da estrutura de tópicos</a:t>
@@ -3021,7 +3026,7 @@
         <p:spPr>
           <a:xfrm>
             <a:off x="0" y="0"/>
-            <a:ext cx="9143280" cy="1439280"/>
+            <a:ext cx="9142920" cy="1438920"/>
           </a:xfrm>
           <a:prstGeom prst="rect">
             <a:avLst/>
@@ -3061,7 +3066,7 @@
         <p:spPr>
           <a:xfrm>
             <a:off x="0" y="270360"/>
-            <a:ext cx="179280" cy="898560"/>
+            <a:ext cx="178920" cy="898200"/>
           </a:xfrm>
           <a:prstGeom prst="rect">
             <a:avLst/>
@@ -3084,7 +3089,7 @@
         <p:spPr>
           <a:xfrm>
             <a:off x="6297120" y="486000"/>
-            <a:ext cx="2594520" cy="467280"/>
+            <a:ext cx="2594160" cy="466920"/>
           </a:xfrm>
           <a:prstGeom prst="rect">
             <a:avLst/>
@@ -3294,7 +3299,7 @@
         <p:spPr>
           <a:xfrm>
             <a:off x="685800" y="2130480"/>
-            <a:ext cx="7771680" cy="1469160"/>
+            <a:ext cx="7771320" cy="1468800"/>
           </a:xfrm>
           <a:prstGeom prst="rect">
             <a:avLst/>
@@ -3320,7 +3325,7 @@
         <p:spPr>
           <a:xfrm>
             <a:off x="1371600" y="3886200"/>
-            <a:ext cx="6400080" cy="1751760"/>
+            <a:ext cx="6399720" cy="1751400"/>
           </a:xfrm>
           <a:prstGeom prst="rect">
             <a:avLst/>
@@ -3346,7 +3351,7 @@
         <p:spPr>
           <a:xfrm>
             <a:off x="0" y="0"/>
-            <a:ext cx="9143280" cy="6857280"/>
+            <a:ext cx="9142920" cy="6856920"/>
           </a:xfrm>
           <a:prstGeom prst="rect">
             <a:avLst/>
@@ -3386,7 +3391,7 @@
         <p:spPr>
           <a:xfrm>
             <a:off x="-26280" y="1535040"/>
-            <a:ext cx="756720" cy="3786840"/>
+            <a:ext cx="756360" cy="3786480"/>
           </a:xfrm>
           <a:prstGeom prst="rect">
             <a:avLst/>
@@ -3409,7 +3414,7 @@
         <p:spPr>
           <a:xfrm>
             <a:off x="971640" y="2710440"/>
-            <a:ext cx="7968240" cy="1436400"/>
+            <a:ext cx="7967880" cy="1436040"/>
           </a:xfrm>
           <a:prstGeom prst="rect">
             <a:avLst/>
@@ -3470,14 +3475,14 @@
       </p:grpSpPr>
       <p:sp>
         <p:nvSpPr>
-          <p:cNvPr id="104" name="CustomShape 1"/>
+          <p:cNvPr id="103" name="CustomShape 1"/>
           <p:cNvSpPr/>
           <p:nvPr/>
         </p:nvSpPr>
         <p:spPr>
           <a:xfrm>
-            <a:off x="500040" y="428760"/>
-            <a:ext cx="5472000" cy="394920"/>
+            <a:off x="642960" y="500040"/>
+            <a:ext cx="5471640" cy="516240"/>
           </a:xfrm>
           <a:prstGeom prst="rect">
             <a:avLst/>
@@ -3502,29 +3507,29 @@
               </a:lnSpc>
             </a:pPr>
             <a:r>
-              <a:rPr b="1" lang="pt-BR" sz="2000" strike="noStrike">
+              <a:rPr b="1" lang="pt-BR" sz="2800" strike="noStrike">
                 <a:solidFill>
                   <a:srgbClr val="ffffff"/>
                 </a:solidFill>
                 <a:latin typeface="Arial"/>
                 <a:ea typeface="DejaVu Sans"/>
               </a:rPr>
-              <a:t>DICAS PARA ORGANIZAR O PPT</a:t>
-            </a:r>
-            <a:endParaRPr/>
-          </a:p>
-        </p:txBody>
-      </p:sp>
-      <p:sp>
-        <p:nvSpPr>
-          <p:cNvPr id="105" name="CustomShape 2"/>
+              <a:t>METODOLOGIA</a:t>
+            </a:r>
+            <a:endParaRPr/>
+          </a:p>
+        </p:txBody>
+      </p:sp>
+      <p:sp>
+        <p:nvSpPr>
+          <p:cNvPr id="104" name="CustomShape 2"/>
           <p:cNvSpPr/>
           <p:nvPr/>
         </p:nvSpPr>
         <p:spPr>
           <a:xfrm>
-            <a:off x="1000080" y="1857240"/>
-            <a:ext cx="7143120" cy="1386000"/>
+            <a:off x="785880" y="1928880"/>
+            <a:ext cx="7428600" cy="3469320"/>
           </a:xfrm>
           <a:prstGeom prst="rect">
             <a:avLst/>
@@ -3545,253 +3550,34 @@
           <a:p>
             <a:pPr algn="just">
               <a:lnSpc>
-                <a:spcPts val="349"/>
-              </a:lnSpc>
-            </a:pPr>
-            <a:r>
-              <a:rPr lang="pt-BR" strike="noStrike">
-                <a:solidFill>
-                  <a:srgbClr val="000000"/>
-                </a:solidFill>
-                <a:latin typeface="Calibri"/>
-                <a:ea typeface="DejaVu Sans"/>
-              </a:rPr>
-              <a:t> </a:t>
-            </a:r>
+                <a:spcPct val="100000"/>
+              </a:lnSpc>
+            </a:pPr>
             <a:endParaRPr/>
           </a:p>
           <a:p>
             <a:pPr algn="just">
               <a:lnSpc>
-                <a:spcPts val="349"/>
-              </a:lnSpc>
-            </a:pPr>
-            <a:endParaRPr/>
-          </a:p>
-          <a:p>
-            <a:pPr>
-              <a:lnSpc>
-                <a:spcPts val="349"/>
-              </a:lnSpc>
-            </a:pPr>
-            <a:r>
-              <a:rPr lang="pt-BR" strike="noStrike">
-                <a:solidFill>
-                  <a:srgbClr val="000000"/>
-                </a:solidFill>
-                <a:latin typeface="Calibri"/>
-                <a:ea typeface="DejaVu Sans"/>
-              </a:rPr>
-              <a:t>         </a:t>
-            </a:r>
-            <a:endParaRPr/>
-          </a:p>
-        </p:txBody>
-      </p:sp>
-      <p:sp>
-        <p:nvSpPr>
-          <p:cNvPr id="106" name="CustomShape 3"/>
-          <p:cNvSpPr/>
-          <p:nvPr/>
-        </p:nvSpPr>
-        <p:spPr>
-          <a:xfrm>
-            <a:off x="857160" y="1714320"/>
-            <a:ext cx="7357320" cy="3774600"/>
-          </a:xfrm>
-          <a:prstGeom prst="rect">
-            <a:avLst/>
-          </a:prstGeom>
-          <a:noFill/>
-          <a:ln>
-            <a:noFill/>
-          </a:ln>
-        </p:spPr>
-        <p:style>
-          <a:lnRef idx="0"/>
-          <a:fillRef idx="0"/>
-          <a:effectRef idx="0"/>
-          <a:fontRef idx="minor"/>
-        </p:style>
-        <p:txBody>
-          <a:bodyPr lIns="90000" rIns="90000" tIns="45000" bIns="45000"/>
-          <a:p>
-            <a:pPr>
-              <a:lnSpc>
                 <a:spcPct val="100000"/>
               </a:lnSpc>
-              <a:buFont typeface="Wingdings" charset="2"/>
-              <a:buChar char=""/>
-            </a:pPr>
-            <a:r>
-              <a:rPr lang="pt-BR" sz="2000" strike="noStrike">
+            </a:pPr>
+            <a:endParaRPr/>
+          </a:p>
+          <a:p>
+            <a:pPr algn="just">
+              <a:lnSpc>
+                <a:spcPct val="100000"/>
+              </a:lnSpc>
+            </a:pPr>
+            <a:r>
+              <a:rPr lang="pt-BR" sz="2800" strike="noStrike">
                 <a:solidFill>
                   <a:srgbClr val="000000"/>
                 </a:solidFill>
                 <a:latin typeface="Arial"/>
                 <a:ea typeface="DejaVu Sans"/>
               </a:rPr>
-              <a:t> </a:t>
-            </a:r>
-            <a:r>
-              <a:rPr lang="pt-BR" sz="2000" strike="noStrike">
-                <a:solidFill>
-                  <a:srgbClr val="000000"/>
-                </a:solidFill>
-                <a:latin typeface="Arial"/>
-                <a:ea typeface="DejaVu Sans"/>
-              </a:rPr>
-              <a:t>Pense em desenvolver 1 slide por minuto.</a:t>
-            </a:r>
-            <a:endParaRPr/>
-          </a:p>
-          <a:p>
-            <a:pPr algn="just">
-              <a:lnSpc>
-                <a:spcPct val="100000"/>
-              </a:lnSpc>
-              <a:buFont typeface="Wingdings" charset="2"/>
-              <a:buChar char=""/>
-            </a:pPr>
-            <a:r>
-              <a:rPr lang="pt-BR" sz="2000" strike="noStrike">
-                <a:solidFill>
-                  <a:srgbClr val="000000"/>
-                </a:solidFill>
-                <a:latin typeface="Arial"/>
-                <a:ea typeface="DejaVu Sans"/>
-              </a:rPr>
-              <a:t> </a:t>
-            </a:r>
-            <a:r>
-              <a:rPr lang="pt-BR" sz="2000" strike="noStrike">
-                <a:solidFill>
-                  <a:srgbClr val="000000"/>
-                </a:solidFill>
-                <a:latin typeface="Arial"/>
-                <a:ea typeface="DejaVu Sans"/>
-              </a:rPr>
-              <a:t>Treine sua apresentação para ver se enquadra no tempo predefinido (20’).</a:t>
-            </a:r>
-            <a:endParaRPr/>
-          </a:p>
-          <a:p>
-            <a:pPr algn="just">
-              <a:lnSpc>
-                <a:spcPct val="100000"/>
-              </a:lnSpc>
-              <a:buFont typeface="Wingdings" charset="2"/>
-              <a:buChar char=""/>
-            </a:pPr>
-            <a:r>
-              <a:rPr lang="pt-BR" sz="2000" strike="noStrike">
-                <a:solidFill>
-                  <a:srgbClr val="000000"/>
-                </a:solidFill>
-                <a:latin typeface="Arial"/>
-                <a:ea typeface="DejaVu Sans"/>
-              </a:rPr>
-              <a:t> </a:t>
-            </a:r>
-            <a:r>
-              <a:rPr lang="pt-BR" sz="2000" strike="noStrike">
-                <a:solidFill>
-                  <a:srgbClr val="000000"/>
-                </a:solidFill>
-                <a:latin typeface="Arial"/>
-                <a:ea typeface="DejaVu Sans"/>
-              </a:rPr>
-              <a:t>Só coloque o que é realmente essencial.</a:t>
-            </a:r>
-            <a:endParaRPr/>
-          </a:p>
-          <a:p>
-            <a:pPr algn="just">
-              <a:lnSpc>
-                <a:spcPct val="100000"/>
-              </a:lnSpc>
-              <a:buFont typeface="Wingdings" charset="2"/>
-              <a:buChar char=""/>
-            </a:pPr>
-            <a:r>
-              <a:rPr lang="pt-BR" sz="2000" strike="noStrike">
-                <a:solidFill>
-                  <a:srgbClr val="000000"/>
-                </a:solidFill>
-                <a:latin typeface="Arial"/>
-                <a:ea typeface="DejaVu Sans"/>
-              </a:rPr>
-              <a:t> </a:t>
-            </a:r>
-            <a:r>
-              <a:rPr lang="pt-BR" sz="2000" strike="noStrike">
-                <a:solidFill>
-                  <a:srgbClr val="000000"/>
-                </a:solidFill>
-                <a:latin typeface="Arial"/>
-                <a:ea typeface="DejaVu Sans"/>
-              </a:rPr>
-              <a:t>Dê mais espaço para a metodologia e os resultados (número maior de slides).</a:t>
-            </a:r>
-            <a:endParaRPr/>
-          </a:p>
-          <a:p>
-            <a:pPr algn="just">
-              <a:lnSpc>
-                <a:spcPct val="100000"/>
-              </a:lnSpc>
-              <a:buFont typeface="Wingdings" charset="2"/>
-              <a:buChar char=""/>
-            </a:pPr>
-            <a:r>
-              <a:rPr lang="pt-BR" sz="2000" strike="noStrike">
-                <a:solidFill>
-                  <a:srgbClr val="000000"/>
-                </a:solidFill>
-                <a:latin typeface="Arial"/>
-                <a:ea typeface="DejaVu Sans"/>
-              </a:rPr>
-              <a:t> </a:t>
-            </a:r>
-            <a:r>
-              <a:rPr lang="pt-BR" sz="2000" strike="noStrike">
-                <a:solidFill>
-                  <a:srgbClr val="000000"/>
-                </a:solidFill>
-                <a:latin typeface="Arial"/>
-                <a:ea typeface="DejaVu Sans"/>
-              </a:rPr>
-              <a:t>Utilize tamanho  mínimo de fonte de letra 26.</a:t>
-            </a:r>
-            <a:endParaRPr/>
-          </a:p>
-          <a:p>
-            <a:pPr algn="just">
-              <a:lnSpc>
-                <a:spcPct val="100000"/>
-              </a:lnSpc>
-              <a:buFont typeface="Wingdings" charset="2"/>
-              <a:buChar char=""/>
-            </a:pPr>
-            <a:r>
-              <a:rPr lang="pt-BR" sz="2000" strike="noStrike">
-                <a:solidFill>
-                  <a:srgbClr val="000000"/>
-                </a:solidFill>
-                <a:latin typeface="Arial"/>
-                <a:ea typeface="DejaVu Sans"/>
-              </a:rPr>
-              <a:t> </a:t>
-            </a:r>
-            <a:r>
-              <a:rPr lang="pt-BR" sz="2000" strike="noStrike">
-                <a:solidFill>
-                  <a:srgbClr val="000000"/>
-                </a:solidFill>
-                <a:latin typeface="Arial"/>
-                <a:ea typeface="DejaVu Sans"/>
-              </a:rPr>
-              <a:t>Coloque composição nos textos, fazendo com que cada tópico entre individualmente para não poluir nem prejudicar sua apresentação.</a:t>
+              <a:t>Pesquisa será realizada de maneira descritiva, na qual os fatos serão interpretados e analisados para elaboração de um comparativo.</a:t>
             </a:r>
             <a:endParaRPr/>
           </a:p>
@@ -3848,14 +3634,14 @@
       </p:grpSpPr>
       <p:sp>
         <p:nvSpPr>
-          <p:cNvPr id="107" name="CustomShape 1"/>
+          <p:cNvPr id="105" name="CustomShape 1"/>
           <p:cNvSpPr/>
           <p:nvPr/>
         </p:nvSpPr>
         <p:spPr>
           <a:xfrm>
-            <a:off x="1000080" y="1857240"/>
-            <a:ext cx="7143120" cy="1386000"/>
+            <a:off x="642960" y="500040"/>
+            <a:ext cx="5471640" cy="516240"/>
           </a:xfrm>
           <a:prstGeom prst="rect">
             <a:avLst/>
@@ -3874,61 +3660,35 @@
         <p:txBody>
           <a:bodyPr lIns="90000" rIns="90000" tIns="45000" bIns="45000"/>
           <a:p>
-            <a:pPr algn="just">
-              <a:lnSpc>
-                <a:spcPts val="349"/>
-              </a:lnSpc>
-            </a:pPr>
-            <a:r>
-              <a:rPr lang="pt-BR" strike="noStrike">
-                <a:solidFill>
-                  <a:srgbClr val="000000"/>
-                </a:solidFill>
-                <a:latin typeface="Calibri"/>
+            <a:pPr algn="ctr">
+              <a:lnSpc>
+                <a:spcPct val="100000"/>
+              </a:lnSpc>
+            </a:pPr>
+            <a:r>
+              <a:rPr b="1" lang="pt-BR" sz="2800" strike="noStrike">
+                <a:solidFill>
+                  <a:srgbClr val="ffffff"/>
+                </a:solidFill>
+                <a:latin typeface="Arial"/>
                 <a:ea typeface="DejaVu Sans"/>
               </a:rPr>
-              <a:t> </a:t>
-            </a:r>
-            <a:endParaRPr/>
-          </a:p>
-          <a:p>
-            <a:pPr algn="just">
-              <a:lnSpc>
-                <a:spcPts val="349"/>
-              </a:lnSpc>
-            </a:pPr>
-            <a:endParaRPr/>
-          </a:p>
-          <a:p>
-            <a:pPr>
-              <a:lnSpc>
-                <a:spcPts val="349"/>
-              </a:lnSpc>
-            </a:pPr>
-            <a:r>
-              <a:rPr lang="pt-BR" strike="noStrike">
-                <a:solidFill>
-                  <a:srgbClr val="000000"/>
-                </a:solidFill>
-                <a:latin typeface="Calibri"/>
-                <a:ea typeface="DejaVu Sans"/>
-              </a:rPr>
-              <a:t>         </a:t>
-            </a:r>
-            <a:endParaRPr/>
-          </a:p>
-        </p:txBody>
-      </p:sp>
-      <p:sp>
-        <p:nvSpPr>
-          <p:cNvPr id="108" name="CustomShape 2"/>
+              <a:t>METODOLOGIA</a:t>
+            </a:r>
+            <a:endParaRPr/>
+          </a:p>
+        </p:txBody>
+      </p:sp>
+      <p:sp>
+        <p:nvSpPr>
+          <p:cNvPr id="106" name="CustomShape 2"/>
           <p:cNvSpPr/>
           <p:nvPr/>
         </p:nvSpPr>
         <p:spPr>
           <a:xfrm>
-            <a:off x="857160" y="1714320"/>
-            <a:ext cx="7357320" cy="1443600"/>
+            <a:off x="785880" y="1928880"/>
+            <a:ext cx="7428600" cy="3469320"/>
           </a:xfrm>
           <a:prstGeom prst="rect">
             <a:avLst/>
@@ -3947,7 +3707,7 @@
         <p:txBody>
           <a:bodyPr lIns="90000" rIns="90000" tIns="45000" bIns="45000"/>
           <a:p>
-            <a:pPr>
+            <a:pPr algn="just">
               <a:lnSpc>
                 <a:spcPct val="100000"/>
               </a:lnSpc>
@@ -3955,7 +3715,7 @@
             <a:endParaRPr/>
           </a:p>
           <a:p>
-            <a:pPr>
+            <a:pPr algn="just">
               <a:lnSpc>
                 <a:spcPct val="100000"/>
               </a:lnSpc>
@@ -3963,20 +3723,20 @@
             <a:endParaRPr/>
           </a:p>
           <a:p>
-            <a:pPr algn="ctr">
+            <a:pPr algn="just">
               <a:lnSpc>
                 <a:spcPct val="100000"/>
               </a:lnSpc>
             </a:pPr>
             <a:r>
-              <a:rPr lang="pt-BR" sz="3200" strike="noStrike">
+              <a:rPr lang="pt-BR" sz="2800" strike="noStrike">
                 <a:solidFill>
                   <a:srgbClr val="000000"/>
                 </a:solidFill>
                 <a:latin typeface="Arial"/>
                 <a:ea typeface="DejaVu Sans"/>
               </a:rPr>
-              <a:t>Agradecimentos: Obrigado.  </a:t>
+              <a:t>Procedimento utilizados serão de pesquisa bibliográfica e de maneira experimental, pois exigirá a realização de testes nos algorítimos apresentados, com a sua respectiva resposta.</a:t>
             </a:r>
             <a:endParaRPr/>
           </a:p>
@@ -3991,6 +3751,1298 @@
           <p:childTnLst>
             <p:seq>
               <p:cTn id="22" nodeType="mainSeq"/>
+              <p:prevCondLst>
+                <p:cond delay="0" evt="onPrev">
+                  <p:tgtEl>
+                    <p:sldTgt/>
+                  </p:tgtEl>
+                </p:cond>
+              </p:prevCondLst>
+              <p:nextCondLst>
+                <p:cond delay="0" evt="onNext">
+                  <p:tgtEl>
+                    <p:sldTgt/>
+                  </p:tgtEl>
+                </p:cond>
+              </p:nextCondLst>
+            </p:seq>
+          </p:childTnLst>
+        </p:cTn>
+      </p:par>
+    </p:tnLst>
+  </p:timing>
+</p:sld>
+</file>
+
+<file path=ppt/slides/slide12.xml><?xml version="1.0" encoding="utf-8"?>
+<p:sld xmlns:a="http://schemas.openxmlformats.org/drawingml/2006/main" xmlns:p="http://schemas.openxmlformats.org/presentationml/2006/main" xmlns:r="http://schemas.openxmlformats.org/officeDocument/2006/relationships">
+  <p:cSld>
+    <p:spTree>
+      <p:nvGrpSpPr>
+        <p:cNvPr id="1" name=""/>
+        <p:cNvGrpSpPr/>
+        <p:nvPr/>
+      </p:nvGrpSpPr>
+      <p:grpSpPr>
+        <a:xfrm>
+          <a:off x="0" y="0"/>
+          <a:ext cx="0" cy="0"/>
+          <a:chOff x="0" y="0"/>
+          <a:chExt cx="0" cy="0"/>
+        </a:xfrm>
+      </p:grpSpPr>
+      <p:sp>
+        <p:nvSpPr>
+          <p:cNvPr id="107" name="CustomShape 1"/>
+          <p:cNvSpPr/>
+          <p:nvPr/>
+        </p:nvSpPr>
+        <p:spPr>
+          <a:xfrm>
+            <a:off x="642960" y="500040"/>
+            <a:ext cx="5471640" cy="516240"/>
+          </a:xfrm>
+          <a:prstGeom prst="rect">
+            <a:avLst/>
+          </a:prstGeom>
+          <a:noFill/>
+          <a:ln>
+            <a:noFill/>
+          </a:ln>
+        </p:spPr>
+        <p:style>
+          <a:lnRef idx="0"/>
+          <a:fillRef idx="0"/>
+          <a:effectRef idx="0"/>
+          <a:fontRef idx="minor"/>
+        </p:style>
+        <p:txBody>
+          <a:bodyPr lIns="90000" rIns="90000" tIns="45000" bIns="45000"/>
+          <a:p>
+            <a:pPr algn="ctr">
+              <a:lnSpc>
+                <a:spcPct val="100000"/>
+              </a:lnSpc>
+            </a:pPr>
+            <a:r>
+              <a:rPr b="1" lang="pt-BR" sz="2800" strike="noStrike">
+                <a:solidFill>
+                  <a:srgbClr val="ffffff"/>
+                </a:solidFill>
+                <a:latin typeface="Arial"/>
+                <a:ea typeface="DejaVu Sans"/>
+              </a:rPr>
+              <a:t>METODOLOGIA</a:t>
+            </a:r>
+            <a:endParaRPr/>
+          </a:p>
+        </p:txBody>
+      </p:sp>
+      <p:sp>
+        <p:nvSpPr>
+          <p:cNvPr id="108" name="CustomShape 2"/>
+          <p:cNvSpPr/>
+          <p:nvPr/>
+        </p:nvSpPr>
+        <p:spPr>
+          <a:xfrm>
+            <a:off x="785880" y="1928880"/>
+            <a:ext cx="7428600" cy="3469320"/>
+          </a:xfrm>
+          <a:prstGeom prst="rect">
+            <a:avLst/>
+          </a:prstGeom>
+          <a:noFill/>
+          <a:ln>
+            <a:noFill/>
+          </a:ln>
+        </p:spPr>
+        <p:style>
+          <a:lnRef idx="0"/>
+          <a:fillRef idx="0"/>
+          <a:effectRef idx="0"/>
+          <a:fontRef idx="minor"/>
+        </p:style>
+        <p:txBody>
+          <a:bodyPr lIns="90000" rIns="90000" tIns="45000" bIns="45000"/>
+          <a:p>
+            <a:pPr algn="just">
+              <a:lnSpc>
+                <a:spcPct val="100000"/>
+              </a:lnSpc>
+            </a:pPr>
+            <a:endParaRPr/>
+          </a:p>
+          <a:p>
+            <a:pPr algn="just">
+              <a:lnSpc>
+                <a:spcPct val="100000"/>
+              </a:lnSpc>
+            </a:pPr>
+            <a:endParaRPr/>
+          </a:p>
+          <a:p>
+            <a:pPr algn="just">
+              <a:lnSpc>
+                <a:spcPct val="100000"/>
+              </a:lnSpc>
+            </a:pPr>
+            <a:r>
+              <a:rPr lang="pt-BR" sz="2800" strike="noStrike">
+                <a:solidFill>
+                  <a:srgbClr val="000000"/>
+                </a:solidFill>
+                <a:latin typeface="Arial"/>
+                <a:ea typeface="DejaVu Sans"/>
+              </a:rPr>
+              <a:t>Planeja-se estudar as técnicas de aprendizado de máquinas supervisionadas propostas, de maneira que fique bem definido o objetivo de cada técnica e a taxa de sucesso ao utilizar as técnicas com classificação de conteúdo textual.</a:t>
+            </a:r>
+            <a:endParaRPr/>
+          </a:p>
+        </p:txBody>
+      </p:sp>
+    </p:spTree>
+  </p:cSld>
+  <p:timing>
+    <p:tnLst>
+      <p:par>
+        <p:cTn id="23" dur="indefinite" restart="never" nodeType="tmRoot">
+          <p:childTnLst>
+            <p:seq>
+              <p:cTn id="24" nodeType="mainSeq"/>
+              <p:prevCondLst>
+                <p:cond delay="0" evt="onPrev">
+                  <p:tgtEl>
+                    <p:sldTgt/>
+                  </p:tgtEl>
+                </p:cond>
+              </p:prevCondLst>
+              <p:nextCondLst>
+                <p:cond delay="0" evt="onNext">
+                  <p:tgtEl>
+                    <p:sldTgt/>
+                  </p:tgtEl>
+                </p:cond>
+              </p:nextCondLst>
+            </p:seq>
+          </p:childTnLst>
+        </p:cTn>
+      </p:par>
+    </p:tnLst>
+  </p:timing>
+</p:sld>
+</file>
+
+<file path=ppt/slides/slide13.xml><?xml version="1.0" encoding="utf-8"?>
+<p:sld xmlns:a="http://schemas.openxmlformats.org/drawingml/2006/main" xmlns:p="http://schemas.openxmlformats.org/presentationml/2006/main" xmlns:r="http://schemas.openxmlformats.org/officeDocument/2006/relationships">
+  <p:cSld>
+    <p:spTree>
+      <p:nvGrpSpPr>
+        <p:cNvPr id="1" name=""/>
+        <p:cNvGrpSpPr/>
+        <p:nvPr/>
+      </p:nvGrpSpPr>
+      <p:grpSpPr>
+        <a:xfrm>
+          <a:off x="0" y="0"/>
+          <a:ext cx="0" cy="0"/>
+          <a:chOff x="0" y="0"/>
+          <a:chExt cx="0" cy="0"/>
+        </a:xfrm>
+      </p:grpSpPr>
+      <p:sp>
+        <p:nvSpPr>
+          <p:cNvPr id="109" name="CustomShape 1"/>
+          <p:cNvSpPr/>
+          <p:nvPr/>
+        </p:nvSpPr>
+        <p:spPr>
+          <a:xfrm>
+            <a:off x="571320" y="571320"/>
+            <a:ext cx="5471640" cy="455400"/>
+          </a:xfrm>
+          <a:prstGeom prst="rect">
+            <a:avLst/>
+          </a:prstGeom>
+          <a:noFill/>
+          <a:ln>
+            <a:noFill/>
+          </a:ln>
+        </p:spPr>
+        <p:style>
+          <a:lnRef idx="0"/>
+          <a:fillRef idx="0"/>
+          <a:effectRef idx="0"/>
+          <a:fontRef idx="minor"/>
+        </p:style>
+        <p:txBody>
+          <a:bodyPr lIns="90000" rIns="90000" tIns="45000" bIns="45000"/>
+          <a:p>
+            <a:pPr algn="ctr">
+              <a:lnSpc>
+                <a:spcPct val="100000"/>
+              </a:lnSpc>
+            </a:pPr>
+            <a:r>
+              <a:rPr b="1" lang="pt-BR" sz="2400" strike="noStrike">
+                <a:solidFill>
+                  <a:srgbClr val="ffffff"/>
+                </a:solidFill>
+                <a:latin typeface="Arial"/>
+                <a:ea typeface="DejaVu Sans"/>
+              </a:rPr>
+              <a:t>REFERENCIAS</a:t>
+            </a:r>
+            <a:endParaRPr/>
+          </a:p>
+        </p:txBody>
+      </p:sp>
+      <p:sp>
+        <p:nvSpPr>
+          <p:cNvPr id="110" name="CustomShape 2"/>
+          <p:cNvSpPr/>
+          <p:nvPr/>
+        </p:nvSpPr>
+        <p:spPr>
+          <a:xfrm>
+            <a:off x="936000" y="1872000"/>
+            <a:ext cx="7142760" cy="3634200"/>
+          </a:xfrm>
+          <a:prstGeom prst="rect">
+            <a:avLst/>
+          </a:prstGeom>
+          <a:noFill/>
+          <a:ln>
+            <a:noFill/>
+          </a:ln>
+        </p:spPr>
+        <p:style>
+          <a:lnRef idx="0"/>
+          <a:fillRef idx="0"/>
+          <a:effectRef idx="0"/>
+          <a:fontRef idx="minor"/>
+        </p:style>
+        <p:txBody>
+          <a:bodyPr lIns="90000" rIns="90000" tIns="45000" bIns="45000"/>
+          <a:p>
+            <a:pPr algn="just">
+              <a:lnSpc>
+                <a:spcPts val="123"/>
+              </a:lnSpc>
+            </a:pPr>
+            <a:r>
+              <a:rPr lang="pt-BR" sz="2600" strike="noStrike">
+                <a:solidFill>
+                  <a:srgbClr val="000000"/>
+                </a:solidFill>
+                <a:latin typeface="Calibri"/>
+                <a:ea typeface="DejaVu Sans"/>
+              </a:rPr>
+              <a:t>ARTERO, Almir. </a:t>
+            </a:r>
+            <a:r>
+              <a:rPr b="1" lang="pt-BR" sz="2600" strike="noStrike">
+                <a:solidFill>
+                  <a:srgbClr val="000000"/>
+                </a:solidFill>
+                <a:latin typeface="Calibri"/>
+                <a:ea typeface="DejaVu Sans"/>
+              </a:rPr>
+              <a:t>Inteligência Artificial</a:t>
+            </a:r>
+            <a:r>
+              <a:rPr lang="pt-BR" sz="2600" strike="noStrike">
+                <a:solidFill>
+                  <a:srgbClr val="000000"/>
+                </a:solidFill>
+                <a:latin typeface="Calibri"/>
+                <a:ea typeface="DejaVu Sans"/>
+              </a:rPr>
+              <a:t>: teórica e prática. 1. ed. São Paulo: Livraria da Física Editora, 2009.</a:t>
+            </a:r>
+            <a:endParaRPr/>
+          </a:p>
+          <a:p>
+            <a:pPr algn="just">
+              <a:lnSpc>
+                <a:spcPts val="123"/>
+              </a:lnSpc>
+            </a:pPr>
+            <a:endParaRPr/>
+          </a:p>
+          <a:p>
+            <a:pPr algn="just">
+              <a:lnSpc>
+                <a:spcPts val="123"/>
+              </a:lnSpc>
+            </a:pPr>
+            <a:endParaRPr/>
+          </a:p>
+          <a:p>
+            <a:pPr algn="just">
+              <a:lnSpc>
+                <a:spcPts val="123"/>
+              </a:lnSpc>
+            </a:pPr>
+            <a:r>
+              <a:rPr lang="pt-BR" sz="2600" strike="noStrike">
+                <a:solidFill>
+                  <a:srgbClr val="000000"/>
+                </a:solidFill>
+                <a:latin typeface="Calibri"/>
+                <a:ea typeface="DejaVu Sans"/>
+              </a:rPr>
+              <a:t>AZEVEDO, Fernando. </a:t>
+            </a:r>
+            <a:r>
+              <a:rPr b="1" lang="pt-BR" sz="2600" strike="noStrike">
+                <a:solidFill>
+                  <a:srgbClr val="000000"/>
+                </a:solidFill>
+                <a:latin typeface="Calibri"/>
+                <a:ea typeface="DejaVu Sans"/>
+              </a:rPr>
+              <a:t>Redes Naurais</a:t>
+            </a:r>
+            <a:r>
+              <a:rPr lang="pt-BR" sz="2600" strike="noStrike">
+                <a:solidFill>
+                  <a:srgbClr val="000000"/>
+                </a:solidFill>
+                <a:latin typeface="Calibri"/>
+                <a:ea typeface="DejaVu Sans"/>
+              </a:rPr>
+              <a:t>: com aplicações em controle em sistemas especialistas. 1. ed. Florianópolis: Bookstar, 2000.</a:t>
+            </a:r>
+            <a:endParaRPr/>
+          </a:p>
+        </p:txBody>
+      </p:sp>
+      <p:sp>
+        <p:nvSpPr>
+          <p:cNvPr id="111" name="CustomShape 3"/>
+          <p:cNvSpPr/>
+          <p:nvPr/>
+        </p:nvSpPr>
+        <p:spPr>
+          <a:xfrm>
+            <a:off x="1071360" y="4214880"/>
+            <a:ext cx="7071120" cy="1004400"/>
+          </a:xfrm>
+          <a:prstGeom prst="rect">
+            <a:avLst/>
+          </a:prstGeom>
+          <a:noFill/>
+          <a:ln>
+            <a:noFill/>
+          </a:ln>
+        </p:spPr>
+        <p:style>
+          <a:lnRef idx="0"/>
+          <a:fillRef idx="0"/>
+          <a:effectRef idx="0"/>
+          <a:fontRef idx="minor"/>
+        </p:style>
+        <p:txBody>
+          <a:bodyPr lIns="90000" rIns="90000" tIns="45000" bIns="45000"/>
+          <a:p>
+            <a:pPr algn="just">
+              <a:lnSpc>
+                <a:spcPct val="100000"/>
+              </a:lnSpc>
+            </a:pPr>
+            <a:r>
+              <a:rPr lang="pt-BR" sz="2000" strike="noStrike">
+                <a:solidFill>
+                  <a:srgbClr val="000000"/>
+                </a:solidFill>
+                <a:latin typeface="Arial"/>
+                <a:ea typeface="DejaVu Sans"/>
+              </a:rPr>
+              <a:t> </a:t>
+            </a:r>
+            <a:endParaRPr/>
+          </a:p>
+        </p:txBody>
+      </p:sp>
+    </p:spTree>
+  </p:cSld>
+  <p:timing>
+    <p:tnLst>
+      <p:par>
+        <p:cTn id="25" dur="indefinite" restart="never" nodeType="tmRoot">
+          <p:childTnLst>
+            <p:seq>
+              <p:cTn id="26" nodeType="mainSeq"/>
+              <p:prevCondLst>
+                <p:cond delay="0" evt="onPrev">
+                  <p:tgtEl>
+                    <p:sldTgt/>
+                  </p:tgtEl>
+                </p:cond>
+              </p:prevCondLst>
+              <p:nextCondLst>
+                <p:cond delay="0" evt="onNext">
+                  <p:tgtEl>
+                    <p:sldTgt/>
+                  </p:tgtEl>
+                </p:cond>
+              </p:nextCondLst>
+            </p:seq>
+          </p:childTnLst>
+        </p:cTn>
+      </p:par>
+    </p:tnLst>
+  </p:timing>
+</p:sld>
+</file>
+
+<file path=ppt/slides/slide14.xml><?xml version="1.0" encoding="utf-8"?>
+<p:sld xmlns:a="http://schemas.openxmlformats.org/drawingml/2006/main" xmlns:p="http://schemas.openxmlformats.org/presentationml/2006/main" xmlns:r="http://schemas.openxmlformats.org/officeDocument/2006/relationships">
+  <p:cSld>
+    <p:spTree>
+      <p:nvGrpSpPr>
+        <p:cNvPr id="1" name=""/>
+        <p:cNvGrpSpPr/>
+        <p:nvPr/>
+      </p:nvGrpSpPr>
+      <p:grpSpPr>
+        <a:xfrm>
+          <a:off x="0" y="0"/>
+          <a:ext cx="0" cy="0"/>
+          <a:chOff x="0" y="0"/>
+          <a:chExt cx="0" cy="0"/>
+        </a:xfrm>
+      </p:grpSpPr>
+      <p:sp>
+        <p:nvSpPr>
+          <p:cNvPr id="112" name="CustomShape 1"/>
+          <p:cNvSpPr/>
+          <p:nvPr/>
+        </p:nvSpPr>
+        <p:spPr>
+          <a:xfrm>
+            <a:off x="571320" y="571320"/>
+            <a:ext cx="5471640" cy="455400"/>
+          </a:xfrm>
+          <a:prstGeom prst="rect">
+            <a:avLst/>
+          </a:prstGeom>
+          <a:noFill/>
+          <a:ln>
+            <a:noFill/>
+          </a:ln>
+        </p:spPr>
+        <p:style>
+          <a:lnRef idx="0"/>
+          <a:fillRef idx="0"/>
+          <a:effectRef idx="0"/>
+          <a:fontRef idx="minor"/>
+        </p:style>
+        <p:txBody>
+          <a:bodyPr lIns="90000" rIns="90000" tIns="45000" bIns="45000"/>
+          <a:p>
+            <a:pPr algn="ctr">
+              <a:lnSpc>
+                <a:spcPct val="100000"/>
+              </a:lnSpc>
+            </a:pPr>
+            <a:r>
+              <a:rPr b="1" lang="pt-BR" sz="2400" strike="noStrike">
+                <a:solidFill>
+                  <a:srgbClr val="ffffff"/>
+                </a:solidFill>
+                <a:latin typeface="Arial"/>
+                <a:ea typeface="DejaVu Sans"/>
+              </a:rPr>
+              <a:t>REFERENCIAS</a:t>
+            </a:r>
+            <a:endParaRPr/>
+          </a:p>
+        </p:txBody>
+      </p:sp>
+      <p:sp>
+        <p:nvSpPr>
+          <p:cNvPr id="113" name="CustomShape 2"/>
+          <p:cNvSpPr/>
+          <p:nvPr/>
+        </p:nvSpPr>
+        <p:spPr>
+          <a:xfrm>
+            <a:off x="936000" y="1872000"/>
+            <a:ext cx="7142760" cy="3634200"/>
+          </a:xfrm>
+          <a:prstGeom prst="rect">
+            <a:avLst/>
+          </a:prstGeom>
+          <a:noFill/>
+          <a:ln>
+            <a:noFill/>
+          </a:ln>
+        </p:spPr>
+        <p:style>
+          <a:lnRef idx="0"/>
+          <a:fillRef idx="0"/>
+          <a:effectRef idx="0"/>
+          <a:fontRef idx="minor"/>
+        </p:style>
+        <p:txBody>
+          <a:bodyPr lIns="90000" rIns="90000" tIns="45000" bIns="45000"/>
+          <a:p>
+            <a:pPr algn="just">
+              <a:lnSpc>
+                <a:spcPts val="123"/>
+              </a:lnSpc>
+            </a:pPr>
+            <a:r>
+              <a:rPr lang="pt-BR" sz="2600" strike="noStrike">
+                <a:solidFill>
+                  <a:srgbClr val="000000"/>
+                </a:solidFill>
+                <a:latin typeface="Calibri"/>
+                <a:ea typeface="DejaVu Sans"/>
+              </a:rPr>
+              <a:t>MONARD, Maria Carolina. </a:t>
+            </a:r>
+            <a:r>
+              <a:rPr b="1" lang="pt-BR" sz="2600" strike="noStrike">
+                <a:solidFill>
+                  <a:srgbClr val="000000"/>
+                </a:solidFill>
+                <a:latin typeface="Calibri"/>
+                <a:ea typeface="DejaVu Sans"/>
+              </a:rPr>
+              <a:t>Sistemas Inteligentes</a:t>
+            </a:r>
+            <a:r>
+              <a:rPr lang="pt-BR" sz="2600" strike="noStrike">
+                <a:solidFill>
+                  <a:srgbClr val="000000"/>
+                </a:solidFill>
+                <a:latin typeface="Calibri"/>
+                <a:ea typeface="DejaVu Sans"/>
+              </a:rPr>
+              <a:t>. 2003. Disponível em http://dcm.ffclrp.usp.br/~augusto/publications/2003-sistemas-inteligentes-cap4.pdf acesso em 30 de abril de 2015.</a:t>
+            </a:r>
+            <a:endParaRPr/>
+          </a:p>
+          <a:p>
+            <a:pPr algn="just">
+              <a:lnSpc>
+                <a:spcPts val="123"/>
+              </a:lnSpc>
+            </a:pPr>
+            <a:endParaRPr/>
+          </a:p>
+          <a:p>
+            <a:pPr algn="just">
+              <a:lnSpc>
+                <a:spcPts val="123"/>
+              </a:lnSpc>
+            </a:pPr>
+            <a:endParaRPr/>
+          </a:p>
+          <a:p>
+            <a:pPr algn="just">
+              <a:lnSpc>
+                <a:spcPts val="123"/>
+              </a:lnSpc>
+            </a:pPr>
+            <a:r>
+              <a:rPr lang="pt-BR" sz="2600" strike="noStrike">
+                <a:solidFill>
+                  <a:srgbClr val="000000"/>
+                </a:solidFill>
+                <a:latin typeface="Calibri"/>
+                <a:ea typeface="DejaVu Sans"/>
+              </a:rPr>
+              <a:t>RICH, Elaine. </a:t>
+            </a:r>
+            <a:r>
+              <a:rPr b="1" lang="pt-BR" sz="2600" strike="noStrike">
+                <a:solidFill>
+                  <a:srgbClr val="000000"/>
+                </a:solidFill>
+                <a:latin typeface="Calibri"/>
+                <a:ea typeface="DejaVu Sans"/>
+              </a:rPr>
+              <a:t>Inteligência Artificial</a:t>
+            </a:r>
+            <a:r>
+              <a:rPr lang="pt-BR" sz="2600" strike="noStrike">
+                <a:solidFill>
+                  <a:srgbClr val="000000"/>
+                </a:solidFill>
+                <a:latin typeface="Calibri"/>
+                <a:ea typeface="DejaVu Sans"/>
+              </a:rPr>
+              <a:t>. 2. ed. São Paulo: Makron Books, 1993.</a:t>
+            </a:r>
+            <a:endParaRPr/>
+          </a:p>
+          <a:p>
+            <a:pPr algn="just">
+              <a:lnSpc>
+                <a:spcPts val="123"/>
+              </a:lnSpc>
+            </a:pPr>
+            <a:endParaRPr/>
+          </a:p>
+          <a:p>
+            <a:pPr>
+              <a:lnSpc>
+                <a:spcPts val="123"/>
+              </a:lnSpc>
+            </a:pPr>
+            <a:r>
+              <a:rPr lang="pt-BR" strike="noStrike">
+                <a:solidFill>
+                  <a:srgbClr val="000000"/>
+                </a:solidFill>
+                <a:latin typeface="Calibri"/>
+                <a:ea typeface="DejaVu Sans"/>
+              </a:rPr>
+              <a:t>         </a:t>
+            </a:r>
+            <a:endParaRPr/>
+          </a:p>
+        </p:txBody>
+      </p:sp>
+      <p:sp>
+        <p:nvSpPr>
+          <p:cNvPr id="114" name="CustomShape 3"/>
+          <p:cNvSpPr/>
+          <p:nvPr/>
+        </p:nvSpPr>
+        <p:spPr>
+          <a:xfrm>
+            <a:off x="1071360" y="4214880"/>
+            <a:ext cx="7071120" cy="1004400"/>
+          </a:xfrm>
+          <a:prstGeom prst="rect">
+            <a:avLst/>
+          </a:prstGeom>
+          <a:noFill/>
+          <a:ln>
+            <a:noFill/>
+          </a:ln>
+        </p:spPr>
+        <p:style>
+          <a:lnRef idx="0"/>
+          <a:fillRef idx="0"/>
+          <a:effectRef idx="0"/>
+          <a:fontRef idx="minor"/>
+        </p:style>
+        <p:txBody>
+          <a:bodyPr lIns="90000" rIns="90000" tIns="45000" bIns="45000"/>
+          <a:p>
+            <a:pPr algn="just">
+              <a:lnSpc>
+                <a:spcPct val="100000"/>
+              </a:lnSpc>
+            </a:pPr>
+            <a:r>
+              <a:rPr lang="pt-BR" sz="2000" strike="noStrike">
+                <a:solidFill>
+                  <a:srgbClr val="000000"/>
+                </a:solidFill>
+                <a:latin typeface="Arial"/>
+                <a:ea typeface="DejaVu Sans"/>
+              </a:rPr>
+              <a:t> </a:t>
+            </a:r>
+            <a:endParaRPr/>
+          </a:p>
+        </p:txBody>
+      </p:sp>
+    </p:spTree>
+  </p:cSld>
+  <p:timing>
+    <p:tnLst>
+      <p:par>
+        <p:cTn id="27" dur="indefinite" restart="never" nodeType="tmRoot">
+          <p:childTnLst>
+            <p:seq>
+              <p:cTn id="28" nodeType="mainSeq"/>
+              <p:prevCondLst>
+                <p:cond delay="0" evt="onPrev">
+                  <p:tgtEl>
+                    <p:sldTgt/>
+                  </p:tgtEl>
+                </p:cond>
+              </p:prevCondLst>
+              <p:nextCondLst>
+                <p:cond delay="0" evt="onNext">
+                  <p:tgtEl>
+                    <p:sldTgt/>
+                  </p:tgtEl>
+                </p:cond>
+              </p:nextCondLst>
+            </p:seq>
+          </p:childTnLst>
+        </p:cTn>
+      </p:par>
+    </p:tnLst>
+  </p:timing>
+</p:sld>
+</file>
+
+<file path=ppt/slides/slide15.xml><?xml version="1.0" encoding="utf-8"?>
+<p:sld xmlns:a="http://schemas.openxmlformats.org/drawingml/2006/main" xmlns:p="http://schemas.openxmlformats.org/presentationml/2006/main" xmlns:r="http://schemas.openxmlformats.org/officeDocument/2006/relationships">
+  <p:cSld>
+    <p:spTree>
+      <p:nvGrpSpPr>
+        <p:cNvPr id="1" name=""/>
+        <p:cNvGrpSpPr/>
+        <p:nvPr/>
+      </p:nvGrpSpPr>
+      <p:grpSpPr>
+        <a:xfrm>
+          <a:off x="0" y="0"/>
+          <a:ext cx="0" cy="0"/>
+          <a:chOff x="0" y="0"/>
+          <a:chExt cx="0" cy="0"/>
+        </a:xfrm>
+      </p:grpSpPr>
+      <p:sp>
+        <p:nvSpPr>
+          <p:cNvPr id="115" name="CustomShape 1"/>
+          <p:cNvSpPr/>
+          <p:nvPr/>
+        </p:nvSpPr>
+        <p:spPr>
+          <a:xfrm>
+            <a:off x="500040" y="428760"/>
+            <a:ext cx="5471640" cy="394560"/>
+          </a:xfrm>
+          <a:prstGeom prst="rect">
+            <a:avLst/>
+          </a:prstGeom>
+          <a:noFill/>
+          <a:ln>
+            <a:noFill/>
+          </a:ln>
+        </p:spPr>
+        <p:style>
+          <a:lnRef idx="0"/>
+          <a:fillRef idx="0"/>
+          <a:effectRef idx="0"/>
+          <a:fontRef idx="minor"/>
+        </p:style>
+        <p:txBody>
+          <a:bodyPr lIns="90000" rIns="90000" tIns="45000" bIns="45000"/>
+          <a:p>
+            <a:pPr algn="ctr">
+              <a:lnSpc>
+                <a:spcPct val="100000"/>
+              </a:lnSpc>
+            </a:pPr>
+            <a:r>
+              <a:rPr b="1" lang="pt-BR" sz="2000" strike="noStrike">
+                <a:solidFill>
+                  <a:srgbClr val="ffffff"/>
+                </a:solidFill>
+                <a:latin typeface="Arial"/>
+                <a:ea typeface="DejaVu Sans"/>
+              </a:rPr>
+              <a:t>DICAS PARA ORGANIZAR O PPT</a:t>
+            </a:r>
+            <a:endParaRPr/>
+          </a:p>
+        </p:txBody>
+      </p:sp>
+      <p:sp>
+        <p:nvSpPr>
+          <p:cNvPr id="116" name="CustomShape 2"/>
+          <p:cNvSpPr/>
+          <p:nvPr/>
+        </p:nvSpPr>
+        <p:spPr>
+          <a:xfrm>
+            <a:off x="1000080" y="1857240"/>
+            <a:ext cx="7142760" cy="1385640"/>
+          </a:xfrm>
+          <a:prstGeom prst="rect">
+            <a:avLst/>
+          </a:prstGeom>
+          <a:noFill/>
+          <a:ln>
+            <a:noFill/>
+          </a:ln>
+        </p:spPr>
+        <p:style>
+          <a:lnRef idx="0"/>
+          <a:fillRef idx="0"/>
+          <a:effectRef idx="0"/>
+          <a:fontRef idx="minor"/>
+        </p:style>
+        <p:txBody>
+          <a:bodyPr lIns="90000" rIns="90000" tIns="45000" bIns="45000"/>
+          <a:p>
+            <a:pPr algn="just">
+              <a:lnSpc>
+                <a:spcPts val="123"/>
+              </a:lnSpc>
+            </a:pPr>
+            <a:r>
+              <a:rPr lang="pt-BR" strike="noStrike">
+                <a:solidFill>
+                  <a:srgbClr val="000000"/>
+                </a:solidFill>
+                <a:latin typeface="Calibri"/>
+                <a:ea typeface="DejaVu Sans"/>
+              </a:rPr>
+              <a:t> </a:t>
+            </a:r>
+            <a:endParaRPr/>
+          </a:p>
+          <a:p>
+            <a:pPr algn="just">
+              <a:lnSpc>
+                <a:spcPts val="123"/>
+              </a:lnSpc>
+            </a:pPr>
+            <a:endParaRPr/>
+          </a:p>
+          <a:p>
+            <a:pPr>
+              <a:lnSpc>
+                <a:spcPts val="123"/>
+              </a:lnSpc>
+            </a:pPr>
+            <a:r>
+              <a:rPr lang="pt-BR" strike="noStrike">
+                <a:solidFill>
+                  <a:srgbClr val="000000"/>
+                </a:solidFill>
+                <a:latin typeface="Calibri"/>
+                <a:ea typeface="DejaVu Sans"/>
+              </a:rPr>
+              <a:t>         </a:t>
+            </a:r>
+            <a:endParaRPr/>
+          </a:p>
+        </p:txBody>
+      </p:sp>
+      <p:sp>
+        <p:nvSpPr>
+          <p:cNvPr id="117" name="CustomShape 3"/>
+          <p:cNvSpPr/>
+          <p:nvPr/>
+        </p:nvSpPr>
+        <p:spPr>
+          <a:xfrm>
+            <a:off x="857160" y="1714320"/>
+            <a:ext cx="7356960" cy="3774240"/>
+          </a:xfrm>
+          <a:prstGeom prst="rect">
+            <a:avLst/>
+          </a:prstGeom>
+          <a:noFill/>
+          <a:ln>
+            <a:noFill/>
+          </a:ln>
+        </p:spPr>
+        <p:style>
+          <a:lnRef idx="0"/>
+          <a:fillRef idx="0"/>
+          <a:effectRef idx="0"/>
+          <a:fontRef idx="minor"/>
+        </p:style>
+        <p:txBody>
+          <a:bodyPr lIns="90000" rIns="90000" tIns="45000" bIns="45000"/>
+          <a:p>
+            <a:pPr>
+              <a:lnSpc>
+                <a:spcPct val="100000"/>
+              </a:lnSpc>
+              <a:buFont typeface="Wingdings" charset="2"/>
+              <a:buChar char=""/>
+            </a:pPr>
+            <a:r>
+              <a:rPr lang="pt-BR" sz="2000" strike="noStrike">
+                <a:solidFill>
+                  <a:srgbClr val="000000"/>
+                </a:solidFill>
+                <a:latin typeface="Arial"/>
+                <a:ea typeface="DejaVu Sans"/>
+              </a:rPr>
+              <a:t> </a:t>
+            </a:r>
+            <a:r>
+              <a:rPr lang="pt-BR" sz="2000" strike="noStrike">
+                <a:solidFill>
+                  <a:srgbClr val="000000"/>
+                </a:solidFill>
+                <a:latin typeface="Arial"/>
+                <a:ea typeface="DejaVu Sans"/>
+              </a:rPr>
+              <a:t>Pense em desenvolver 1 slide por minuto.</a:t>
+            </a:r>
+            <a:endParaRPr/>
+          </a:p>
+          <a:p>
+            <a:pPr algn="just">
+              <a:lnSpc>
+                <a:spcPct val="100000"/>
+              </a:lnSpc>
+              <a:buFont typeface="Wingdings" charset="2"/>
+              <a:buChar char=""/>
+            </a:pPr>
+            <a:r>
+              <a:rPr lang="pt-BR" sz="2000" strike="noStrike">
+                <a:solidFill>
+                  <a:srgbClr val="000000"/>
+                </a:solidFill>
+                <a:latin typeface="Arial"/>
+                <a:ea typeface="DejaVu Sans"/>
+              </a:rPr>
+              <a:t> </a:t>
+            </a:r>
+            <a:r>
+              <a:rPr lang="pt-BR" sz="2000" strike="noStrike">
+                <a:solidFill>
+                  <a:srgbClr val="000000"/>
+                </a:solidFill>
+                <a:latin typeface="Arial"/>
+                <a:ea typeface="DejaVu Sans"/>
+              </a:rPr>
+              <a:t>Treine sua apresentação para ver se enquadra no tempo predefinido (20’).</a:t>
+            </a:r>
+            <a:endParaRPr/>
+          </a:p>
+          <a:p>
+            <a:pPr algn="just">
+              <a:lnSpc>
+                <a:spcPct val="100000"/>
+              </a:lnSpc>
+              <a:buFont typeface="Wingdings" charset="2"/>
+              <a:buChar char=""/>
+            </a:pPr>
+            <a:r>
+              <a:rPr lang="pt-BR" sz="2000" strike="noStrike">
+                <a:solidFill>
+                  <a:srgbClr val="000000"/>
+                </a:solidFill>
+                <a:latin typeface="Arial"/>
+                <a:ea typeface="DejaVu Sans"/>
+              </a:rPr>
+              <a:t> </a:t>
+            </a:r>
+            <a:r>
+              <a:rPr lang="pt-BR" sz="2000" strike="noStrike">
+                <a:solidFill>
+                  <a:srgbClr val="000000"/>
+                </a:solidFill>
+                <a:latin typeface="Arial"/>
+                <a:ea typeface="DejaVu Sans"/>
+              </a:rPr>
+              <a:t>Só coloque o que é realmente essencial.</a:t>
+            </a:r>
+            <a:endParaRPr/>
+          </a:p>
+          <a:p>
+            <a:pPr algn="just">
+              <a:lnSpc>
+                <a:spcPct val="100000"/>
+              </a:lnSpc>
+              <a:buFont typeface="Wingdings" charset="2"/>
+              <a:buChar char=""/>
+            </a:pPr>
+            <a:r>
+              <a:rPr lang="pt-BR" sz="2000" strike="noStrike">
+                <a:solidFill>
+                  <a:srgbClr val="000000"/>
+                </a:solidFill>
+                <a:latin typeface="Arial"/>
+                <a:ea typeface="DejaVu Sans"/>
+              </a:rPr>
+              <a:t> </a:t>
+            </a:r>
+            <a:r>
+              <a:rPr lang="pt-BR" sz="2000" strike="noStrike">
+                <a:solidFill>
+                  <a:srgbClr val="000000"/>
+                </a:solidFill>
+                <a:latin typeface="Arial"/>
+                <a:ea typeface="DejaVu Sans"/>
+              </a:rPr>
+              <a:t>Dê mais espaço para a metodologia e os resultados (número maior de slides).</a:t>
+            </a:r>
+            <a:endParaRPr/>
+          </a:p>
+          <a:p>
+            <a:pPr algn="just">
+              <a:lnSpc>
+                <a:spcPct val="100000"/>
+              </a:lnSpc>
+              <a:buFont typeface="Wingdings" charset="2"/>
+              <a:buChar char=""/>
+            </a:pPr>
+            <a:r>
+              <a:rPr lang="pt-BR" sz="2000" strike="noStrike">
+                <a:solidFill>
+                  <a:srgbClr val="000000"/>
+                </a:solidFill>
+                <a:latin typeface="Arial"/>
+                <a:ea typeface="DejaVu Sans"/>
+              </a:rPr>
+              <a:t> </a:t>
+            </a:r>
+            <a:r>
+              <a:rPr lang="pt-BR" sz="2000" strike="noStrike">
+                <a:solidFill>
+                  <a:srgbClr val="000000"/>
+                </a:solidFill>
+                <a:latin typeface="Arial"/>
+                <a:ea typeface="DejaVu Sans"/>
+              </a:rPr>
+              <a:t>Utilize tamanho  mínimo de fonte de letra 26.</a:t>
+            </a:r>
+            <a:endParaRPr/>
+          </a:p>
+          <a:p>
+            <a:pPr algn="just">
+              <a:lnSpc>
+                <a:spcPct val="100000"/>
+              </a:lnSpc>
+              <a:buFont typeface="Wingdings" charset="2"/>
+              <a:buChar char=""/>
+            </a:pPr>
+            <a:r>
+              <a:rPr lang="pt-BR" sz="2000" strike="noStrike">
+                <a:solidFill>
+                  <a:srgbClr val="000000"/>
+                </a:solidFill>
+                <a:latin typeface="Arial"/>
+                <a:ea typeface="DejaVu Sans"/>
+              </a:rPr>
+              <a:t> </a:t>
+            </a:r>
+            <a:r>
+              <a:rPr lang="pt-BR" sz="2000" strike="noStrike">
+                <a:solidFill>
+                  <a:srgbClr val="000000"/>
+                </a:solidFill>
+                <a:latin typeface="Arial"/>
+                <a:ea typeface="DejaVu Sans"/>
+              </a:rPr>
+              <a:t>Coloque composição nos textos, fazendo com que cada tópico entre individualmente para não poluir nem prejudicar sua apresentação.</a:t>
+            </a:r>
+            <a:endParaRPr/>
+          </a:p>
+        </p:txBody>
+      </p:sp>
+    </p:spTree>
+  </p:cSld>
+  <p:timing>
+    <p:tnLst>
+      <p:par>
+        <p:cTn id="29" dur="indefinite" restart="never" nodeType="tmRoot">
+          <p:childTnLst>
+            <p:seq>
+              <p:cTn id="30" nodeType="mainSeq"/>
+              <p:prevCondLst>
+                <p:cond delay="0" evt="onPrev">
+                  <p:tgtEl>
+                    <p:sldTgt/>
+                  </p:tgtEl>
+                </p:cond>
+              </p:prevCondLst>
+              <p:nextCondLst>
+                <p:cond delay="0" evt="onNext">
+                  <p:tgtEl>
+                    <p:sldTgt/>
+                  </p:tgtEl>
+                </p:cond>
+              </p:nextCondLst>
+            </p:seq>
+          </p:childTnLst>
+        </p:cTn>
+      </p:par>
+    </p:tnLst>
+  </p:timing>
+</p:sld>
+</file>
+
+<file path=ppt/slides/slide16.xml><?xml version="1.0" encoding="utf-8"?>
+<p:sld xmlns:a="http://schemas.openxmlformats.org/drawingml/2006/main" xmlns:p="http://schemas.openxmlformats.org/presentationml/2006/main" xmlns:r="http://schemas.openxmlformats.org/officeDocument/2006/relationships">
+  <p:cSld>
+    <p:spTree>
+      <p:nvGrpSpPr>
+        <p:cNvPr id="1" name=""/>
+        <p:cNvGrpSpPr/>
+        <p:nvPr/>
+      </p:nvGrpSpPr>
+      <p:grpSpPr>
+        <a:xfrm>
+          <a:off x="0" y="0"/>
+          <a:ext cx="0" cy="0"/>
+          <a:chOff x="0" y="0"/>
+          <a:chExt cx="0" cy="0"/>
+        </a:xfrm>
+      </p:grpSpPr>
+      <p:sp>
+        <p:nvSpPr>
+          <p:cNvPr id="118" name="CustomShape 1"/>
+          <p:cNvSpPr/>
+          <p:nvPr/>
+        </p:nvSpPr>
+        <p:spPr>
+          <a:xfrm>
+            <a:off x="1000080" y="1857240"/>
+            <a:ext cx="7142760" cy="1385640"/>
+          </a:xfrm>
+          <a:prstGeom prst="rect">
+            <a:avLst/>
+          </a:prstGeom>
+          <a:noFill/>
+          <a:ln>
+            <a:noFill/>
+          </a:ln>
+        </p:spPr>
+        <p:style>
+          <a:lnRef idx="0"/>
+          <a:fillRef idx="0"/>
+          <a:effectRef idx="0"/>
+          <a:fontRef idx="minor"/>
+        </p:style>
+        <p:txBody>
+          <a:bodyPr lIns="90000" rIns="90000" tIns="45000" bIns="45000"/>
+          <a:p>
+            <a:pPr algn="just">
+              <a:lnSpc>
+                <a:spcPts val="123"/>
+              </a:lnSpc>
+            </a:pPr>
+            <a:r>
+              <a:rPr lang="pt-BR" strike="noStrike">
+                <a:solidFill>
+                  <a:srgbClr val="000000"/>
+                </a:solidFill>
+                <a:latin typeface="Calibri"/>
+                <a:ea typeface="DejaVu Sans"/>
+              </a:rPr>
+              <a:t> </a:t>
+            </a:r>
+            <a:endParaRPr/>
+          </a:p>
+          <a:p>
+            <a:pPr algn="just">
+              <a:lnSpc>
+                <a:spcPts val="123"/>
+              </a:lnSpc>
+            </a:pPr>
+            <a:endParaRPr/>
+          </a:p>
+          <a:p>
+            <a:pPr>
+              <a:lnSpc>
+                <a:spcPts val="123"/>
+              </a:lnSpc>
+            </a:pPr>
+            <a:r>
+              <a:rPr lang="pt-BR" strike="noStrike">
+                <a:solidFill>
+                  <a:srgbClr val="000000"/>
+                </a:solidFill>
+                <a:latin typeface="Calibri"/>
+                <a:ea typeface="DejaVu Sans"/>
+              </a:rPr>
+              <a:t>         </a:t>
+            </a:r>
+            <a:endParaRPr/>
+          </a:p>
+        </p:txBody>
+      </p:sp>
+      <p:sp>
+        <p:nvSpPr>
+          <p:cNvPr id="119" name="CustomShape 2"/>
+          <p:cNvSpPr/>
+          <p:nvPr/>
+        </p:nvSpPr>
+        <p:spPr>
+          <a:xfrm>
+            <a:off x="857160" y="1714320"/>
+            <a:ext cx="7356960" cy="1443240"/>
+          </a:xfrm>
+          <a:prstGeom prst="rect">
+            <a:avLst/>
+          </a:prstGeom>
+          <a:noFill/>
+          <a:ln>
+            <a:noFill/>
+          </a:ln>
+        </p:spPr>
+        <p:style>
+          <a:lnRef idx="0"/>
+          <a:fillRef idx="0"/>
+          <a:effectRef idx="0"/>
+          <a:fontRef idx="minor"/>
+        </p:style>
+        <p:txBody>
+          <a:bodyPr lIns="90000" rIns="90000" tIns="45000" bIns="45000"/>
+          <a:p>
+            <a:pPr algn="ctr">
+              <a:lnSpc>
+                <a:spcPct val="100000"/>
+              </a:lnSpc>
+            </a:pPr>
+            <a:endParaRPr/>
+          </a:p>
+          <a:p>
+            <a:pPr algn="ctr">
+              <a:lnSpc>
+                <a:spcPct val="100000"/>
+              </a:lnSpc>
+            </a:pPr>
+            <a:endParaRPr/>
+          </a:p>
+          <a:p>
+            <a:pPr algn="ctr">
+              <a:lnSpc>
+                <a:spcPct val="100000"/>
+              </a:lnSpc>
+            </a:pPr>
+            <a:endParaRPr/>
+          </a:p>
+          <a:p>
+            <a:pPr algn="ctr">
+              <a:lnSpc>
+                <a:spcPct val="100000"/>
+              </a:lnSpc>
+            </a:pPr>
+            <a:endParaRPr/>
+          </a:p>
+          <a:p>
+            <a:pPr algn="ctr">
+              <a:lnSpc>
+                <a:spcPct val="100000"/>
+              </a:lnSpc>
+            </a:pPr>
+            <a:r>
+              <a:rPr lang="pt-BR" sz="3200" strike="noStrike">
+                <a:solidFill>
+                  <a:srgbClr val="000000"/>
+                </a:solidFill>
+                <a:latin typeface="Arial"/>
+                <a:ea typeface="DejaVu Sans"/>
+              </a:rPr>
+              <a:t>Obrigado.  </a:t>
+            </a:r>
+            <a:endParaRPr/>
+          </a:p>
+        </p:txBody>
+      </p:sp>
+    </p:spTree>
+  </p:cSld>
+  <p:timing>
+    <p:tnLst>
+      <p:par>
+        <p:cTn id="31" dur="indefinite" restart="never" nodeType="tmRoot">
+          <p:childTnLst>
+            <p:seq>
+              <p:cTn id="32" nodeType="mainSeq"/>
               <p:prevCondLst>
                 <p:cond delay="0" evt="onPrev">
                   <p:tgtEl>
@@ -4040,7 +5092,7 @@
         <p:spPr>
           <a:xfrm>
             <a:off x="467640" y="1917000"/>
-            <a:ext cx="7992000" cy="1796400"/>
+            <a:ext cx="7991640" cy="1796040"/>
           </a:xfrm>
           <a:prstGeom prst="rect">
             <a:avLst/>
@@ -4072,7 +5124,7 @@
                 <a:latin typeface="Arial"/>
                 <a:ea typeface="DejaVu Sans"/>
               </a:rPr>
-              <a:t>Análise de técnicas de aprendizado de máquina para classifição de conteúdo textual</a:t>
+              <a:t>Análise de técnicas de aprendizado de máquina para classificação de conteúdo textual</a:t>
             </a:r>
             <a:endParaRPr/>
           </a:p>
@@ -4214,7 +5266,7 @@
         <p:spPr>
           <a:xfrm>
             <a:off x="571320" y="500040"/>
-            <a:ext cx="3571200" cy="577440"/>
+            <a:ext cx="3570840" cy="577080"/>
           </a:xfrm>
           <a:prstGeom prst="rect">
             <a:avLst/>
@@ -4261,7 +5313,7 @@
         <p:spPr>
           <a:xfrm>
             <a:off x="1214280" y="2551680"/>
-            <a:ext cx="6928920" cy="3076200"/>
+            <a:ext cx="6928560" cy="3075840"/>
           </a:xfrm>
           <a:prstGeom prst="rect">
             <a:avLst/>
@@ -4310,8 +5362,9 @@
               <a:lnSpc>
                 <a:spcPct val="100000"/>
               </a:lnSpc>
+              <a:buSzPct val="45000"/>
               <a:buFont typeface="StarSymbol"/>
-              <a:buChar char=""/>
+              <a:buChar char=""/>
             </a:pPr>
             <a:r>
               <a:rPr lang="pt-BR" sz="2800" strike="noStrike">
@@ -4340,8 +5393,9 @@
               <a:lnSpc>
                 <a:spcPct val="100000"/>
               </a:lnSpc>
+              <a:buSzPct val="45000"/>
               <a:buFont typeface="StarSymbol"/>
-              <a:buChar char=""/>
+              <a:buChar char=""/>
             </a:pPr>
             <a:r>
               <a:rPr lang="pt-BR" sz="2800" strike="noStrike">
@@ -4370,8 +5424,9 @@
               <a:lnSpc>
                 <a:spcPct val="100000"/>
               </a:lnSpc>
+              <a:buSzPct val="45000"/>
               <a:buFont typeface="StarSymbol"/>
-              <a:buChar char=""/>
+              <a:buChar char=""/>
             </a:pPr>
             <a:r>
               <a:rPr lang="pt-BR" sz="2800" strike="noStrike">
@@ -4400,8 +5455,9 @@
               <a:lnSpc>
                 <a:spcPct val="100000"/>
               </a:lnSpc>
+              <a:buSzPct val="45000"/>
               <a:buFont typeface="StarSymbol"/>
-              <a:buChar char=""/>
+              <a:buChar char=""/>
             </a:pPr>
             <a:r>
               <a:rPr lang="pt-BR" sz="2800" strike="noStrike">
@@ -4485,7 +5541,7 @@
         <p:spPr>
           <a:xfrm>
             <a:off x="571320" y="500040"/>
-            <a:ext cx="3571200" cy="577440"/>
+            <a:ext cx="3570840" cy="577080"/>
           </a:xfrm>
           <a:prstGeom prst="rect">
             <a:avLst/>
@@ -4532,7 +5588,7 @@
         <p:spPr>
           <a:xfrm>
             <a:off x="1214280" y="2551680"/>
-            <a:ext cx="6928920" cy="3076200"/>
+            <a:ext cx="6928560" cy="3075840"/>
           </a:xfrm>
           <a:prstGeom prst="rect">
             <a:avLst/>
@@ -4706,7 +5762,7 @@
         <p:spPr>
           <a:xfrm>
             <a:off x="571320" y="500040"/>
-            <a:ext cx="3571200" cy="577440"/>
+            <a:ext cx="3570840" cy="577080"/>
           </a:xfrm>
           <a:prstGeom prst="rect">
             <a:avLst/>
@@ -4753,7 +5809,7 @@
         <p:spPr>
           <a:xfrm>
             <a:off x="1214280" y="2551680"/>
-            <a:ext cx="6928920" cy="3076200"/>
+            <a:ext cx="6928560" cy="3075840"/>
           </a:xfrm>
           <a:prstGeom prst="rect">
             <a:avLst/>
@@ -4849,7 +5905,7 @@
         <p:spPr>
           <a:xfrm>
             <a:off x="428760" y="357120"/>
-            <a:ext cx="5472000" cy="577440"/>
+            <a:ext cx="5471640" cy="577080"/>
           </a:xfrm>
           <a:prstGeom prst="rect">
             <a:avLst/>
@@ -4896,7 +5952,7 @@
         <p:spPr>
           <a:xfrm>
             <a:off x="1714320" y="2828880"/>
-            <a:ext cx="6143040" cy="2223000"/>
+            <a:ext cx="6142680" cy="2222640"/>
           </a:xfrm>
           <a:prstGeom prst="rect">
             <a:avLst/>
@@ -4928,7 +5984,7 @@
                 <a:latin typeface="Arial"/>
                 <a:ea typeface="DejaVu Sans"/>
               </a:rPr>
-              <a:t>O tema deverá indicar a abrangência do estudo. Após justifique sua escolha, saliente a importância do tema os porquês da realização desta pesquisa.</a:t>
+              <a:t>Apresentar algumas técnicas de aprendizado de máquina para melhorar a vida das pessoas, apresentando-as apenas o conteúdo relevante e, assim, obter mais tempo para suas tarefas cotidianas</a:t>
             </a:r>
             <a:endParaRPr/>
           </a:p>
@@ -4992,7 +6048,7 @@
         <p:spPr>
           <a:xfrm>
             <a:off x="1285920" y="214200"/>
-            <a:ext cx="5472000" cy="1064880"/>
+            <a:ext cx="5471640" cy="1064520"/>
           </a:xfrm>
           <a:prstGeom prst="rect">
             <a:avLst/>
@@ -5039,7 +6095,7 @@
         <p:spPr>
           <a:xfrm>
             <a:off x="1000080" y="1928880"/>
-            <a:ext cx="6714360" cy="4782960"/>
+            <a:ext cx="6714000" cy="4782600"/>
           </a:xfrm>
           <a:prstGeom prst="rect">
             <a:avLst/>
@@ -5060,50 +6116,34 @@
           <a:p>
             <a:pPr algn="just">
               <a:lnSpc>
-                <a:spcPts val="349"/>
-              </a:lnSpc>
-              <a:buSzPct val="120000"/>
-              <a:buFont typeface="Wingdings" charset="2"/>
-              <a:buChar char=""/>
-            </a:pPr>
-            <a:r>
-              <a:rPr lang="pt-BR" sz="2400" strike="noStrike">
+                <a:spcPts val="123"/>
+              </a:lnSpc>
+            </a:pPr>
+            <a:endParaRPr/>
+          </a:p>
+          <a:p>
+            <a:pPr algn="just">
+              <a:lnSpc>
+                <a:spcPts val="123"/>
+              </a:lnSpc>
+            </a:pPr>
+            <a:endParaRPr/>
+          </a:p>
+          <a:p>
+            <a:pPr algn="just">
+              <a:lnSpc>
+                <a:spcPts val="123"/>
+              </a:lnSpc>
+            </a:pPr>
+            <a:r>
+              <a:rPr lang="pt-BR" sz="2600" strike="noStrike">
                 <a:solidFill>
                   <a:srgbClr val="000000"/>
                 </a:solidFill>
                 <a:latin typeface="Arial"/>
                 <a:ea typeface="DejaVu Sans"/>
               </a:rPr>
-              <a:t>GERAL: descreve-se objetivo geral da pesquisa, fazendo referência à motivação descrita na justificativa apresentada. O que se pretende alcançar/atingir com a pesquisa realizada. (1). </a:t>
-            </a:r>
-            <a:endParaRPr/>
-          </a:p>
-          <a:p>
-            <a:pPr>
-              <a:lnSpc>
-                <a:spcPts val="349"/>
-              </a:lnSpc>
-            </a:pPr>
-            <a:endParaRPr/>
-          </a:p>
-          <a:p>
-            <a:pPr algn="just">
-              <a:lnSpc>
-                <a:spcPts val="349"/>
-              </a:lnSpc>
-              <a:buSzPct val="120000"/>
-              <a:buFont typeface="Wingdings" charset="2"/>
-              <a:buChar char=""/>
-            </a:pPr>
-            <a:r>
-              <a:rPr lang="pt-BR" sz="2400" strike="noStrike">
-                <a:solidFill>
-                  <a:srgbClr val="000000"/>
-                </a:solidFill>
-                <a:latin typeface="Arial"/>
-                <a:ea typeface="DejaVu Sans"/>
-              </a:rPr>
-              <a:t>ESPECÍFICOS: (3 a 5) descreve os objetivos específicos concretos. Aonde se quer chegar, metas, produtos, a partir do objetivo geral elencando. Ou seja, o que será feito ao longo do estudo para responder às perguntas da pesquisa.</a:t>
+              <a:t>GERAL: Analisar as técnicas de aprendizado de máquina de modo que seja possível classificar o conteúdo textual eletrônico conforme a relevância para o usuário final. </a:t>
             </a:r>
             <a:endParaRPr/>
           </a:p>
@@ -5166,8 +6206,8 @@
         </p:nvSpPr>
         <p:spPr>
           <a:xfrm>
-            <a:off x="642960" y="500040"/>
-            <a:ext cx="5472000" cy="516600"/>
+            <a:off x="1285920" y="214200"/>
+            <a:ext cx="5471640" cy="1064520"/>
           </a:xfrm>
           <a:prstGeom prst="rect">
             <a:avLst/>
@@ -5186,20 +6226,20 @@
         <p:txBody>
           <a:bodyPr lIns="90000" rIns="90000" tIns="45000" bIns="45000"/>
           <a:p>
-            <a:pPr algn="ctr">
+            <a:pPr>
               <a:lnSpc>
                 <a:spcPct val="100000"/>
               </a:lnSpc>
             </a:pPr>
             <a:r>
-              <a:rPr b="1" lang="pt-BR" sz="2800" strike="noStrike">
+              <a:rPr b="1" lang="pt-BR" sz="3200" strike="noStrike">
                 <a:solidFill>
                   <a:srgbClr val="ffffff"/>
                 </a:solidFill>
                 <a:latin typeface="Arial"/>
                 <a:ea typeface="DejaVu Sans"/>
               </a:rPr>
-              <a:t>METODOLOGIA</a:t>
+              <a:t>OBETIVO GERAL E ESPECÍFICOS</a:t>
             </a:r>
             <a:endParaRPr/>
           </a:p>
@@ -5213,8 +6253,8 @@
         </p:nvSpPr>
         <p:spPr>
           <a:xfrm>
-            <a:off x="785880" y="1928880"/>
-            <a:ext cx="7428960" cy="3469680"/>
+            <a:off x="1000080" y="1928880"/>
+            <a:ext cx="6714000" cy="4782600"/>
           </a:xfrm>
           <a:prstGeom prst="rect">
             <a:avLst/>
@@ -5235,120 +6275,44 @@
           <a:p>
             <a:pPr algn="just">
               <a:lnSpc>
-                <a:spcPct val="100000"/>
-              </a:lnSpc>
-            </a:pPr>
-            <a:r>
-              <a:rPr lang="pt-BR" sz="2000" strike="noStrike">
+                <a:spcPts val="123"/>
+              </a:lnSpc>
+            </a:pPr>
+            <a:endParaRPr/>
+          </a:p>
+          <a:p>
+            <a:pPr algn="just">
+              <a:lnSpc>
+                <a:spcPts val="123"/>
+              </a:lnSpc>
+            </a:pPr>
+            <a:endParaRPr/>
+          </a:p>
+          <a:p>
+            <a:pPr algn="just">
+              <a:lnSpc>
+                <a:spcPts val="123"/>
+              </a:lnSpc>
+            </a:pPr>
+            <a:r>
+              <a:rPr lang="pt-BR" sz="2600" strike="noStrike">
                 <a:solidFill>
                   <a:srgbClr val="000000"/>
                 </a:solidFill>
                 <a:latin typeface="Arial"/>
                 <a:ea typeface="DejaVu Sans"/>
               </a:rPr>
-              <a:t>Pode ser entendida como a descrição detalhada dos caminhos utilizados para alcançar os objetivos. Oferece o método utilizado para a execução  da pesquisa.</a:t>
-            </a:r>
-            <a:endParaRPr/>
-          </a:p>
-          <a:p>
-            <a:pPr algn="just">
-              <a:lnSpc>
-                <a:spcPct val="100000"/>
-              </a:lnSpc>
-              <a:buSzPct val="120000"/>
-              <a:buFont typeface="Wingdings" charset="2"/>
-              <a:buChar char=""/>
-            </a:pPr>
-            <a:r>
-              <a:rPr lang="pt-BR" sz="2000" strike="noStrike">
+              <a:t>ESPECÍFICOS: Apresentar o conceito de aprendizado de máquina; Analisar rede neural artificial, máquina de vetor de suporte e arvore de decisão para classificação de conteúdo textual; Traçar um comparativo entre as técnicas utilizadas, bem como quanto aos resultado obtidos.</a:t>
+            </a:r>
+            <a:r>
+              <a:rPr lang="pt-BR" sz="2600" strike="noStrike">
                 <a:solidFill>
                   <a:srgbClr val="000000"/>
                 </a:solidFill>
                 <a:latin typeface="Arial"/>
                 <a:ea typeface="DejaVu Sans"/>
               </a:rPr>
-              <a:t>Justifique com base na literatura.</a:t>
-            </a:r>
-            <a:endParaRPr/>
-          </a:p>
-          <a:p>
-            <a:pPr algn="just">
-              <a:lnSpc>
-                <a:spcPct val="100000"/>
-              </a:lnSpc>
-              <a:buSzPct val="120000"/>
-              <a:buFont typeface="Wingdings" charset="2"/>
-              <a:buChar char=""/>
-            </a:pPr>
-            <a:r>
-              <a:rPr lang="pt-BR" sz="2000" strike="noStrike">
-                <a:solidFill>
-                  <a:srgbClr val="000000"/>
-                </a:solidFill>
-                <a:latin typeface="Arial"/>
-                <a:ea typeface="DejaVu Sans"/>
-              </a:rPr>
-              <a:t>Apresente população e amostra pesquisada.</a:t>
-            </a:r>
-            <a:endParaRPr/>
-          </a:p>
-          <a:p>
-            <a:pPr algn="just">
-              <a:lnSpc>
-                <a:spcPct val="100000"/>
-              </a:lnSpc>
-              <a:buSzPct val="120000"/>
-              <a:buFont typeface="Wingdings" charset="2"/>
-              <a:buChar char=""/>
-            </a:pPr>
-            <a:r>
-              <a:rPr lang="pt-BR" sz="2000" strike="noStrike">
-                <a:solidFill>
-                  <a:srgbClr val="000000"/>
-                </a:solidFill>
-                <a:latin typeface="Arial"/>
-                <a:ea typeface="DejaVu Sans"/>
-              </a:rPr>
-              <a:t>Sinalize os instrumentos de coleta de dados utilizados. </a:t>
-            </a:r>
-            <a:endParaRPr/>
-          </a:p>
-          <a:p>
-            <a:pPr algn="just">
-              <a:lnSpc>
-                <a:spcPct val="100000"/>
-              </a:lnSpc>
-              <a:buSzPct val="120000"/>
-              <a:buFont typeface="Wingdings" charset="2"/>
-              <a:buChar char=""/>
-            </a:pPr>
-            <a:r>
-              <a:rPr lang="pt-BR" sz="2000" strike="noStrike">
-                <a:solidFill>
-                  <a:srgbClr val="000000"/>
-                </a:solidFill>
-                <a:latin typeface="Arial"/>
-                <a:ea typeface="DejaVu Sans"/>
-              </a:rPr>
-              <a:t>Demonstre as etapas.  </a:t>
-            </a:r>
-            <a:endParaRPr/>
-          </a:p>
-          <a:p>
-            <a:pPr algn="just">
-              <a:lnSpc>
-                <a:spcPct val="100000"/>
-              </a:lnSpc>
-            </a:pPr>
-            <a:r>
-              <a:rPr lang="pt-BR" sz="2000" strike="noStrike">
-                <a:solidFill>
-                  <a:srgbClr val="000000"/>
-                </a:solidFill>
-                <a:latin typeface="Arial"/>
-                <a:ea typeface="DejaVu Sans"/>
-              </a:rPr>
-              <a:t>Tipos de Pesquisa:bibliográfica, quantitativa, qualitativa,  básica ou  aplicada (desenv. Software), estudo de caso. </a:t>
+              <a:t> </a:t>
             </a:r>
             <a:endParaRPr/>
           </a:p>
@@ -5411,8 +6375,8 @@
         </p:nvSpPr>
         <p:spPr>
           <a:xfrm>
-            <a:off x="571320" y="571320"/>
-            <a:ext cx="5472000" cy="455760"/>
+            <a:off x="642960" y="500040"/>
+            <a:ext cx="5471640" cy="516240"/>
           </a:xfrm>
           <a:prstGeom prst="rect">
             <a:avLst/>
@@ -5437,14 +6401,14 @@
               </a:lnSpc>
             </a:pPr>
             <a:r>
-              <a:rPr b="1" lang="pt-BR" sz="2400" strike="noStrike">
+              <a:rPr b="1" lang="pt-BR" sz="2800" strike="noStrike">
                 <a:solidFill>
                   <a:srgbClr val="ffffff"/>
                 </a:solidFill>
                 <a:latin typeface="Arial"/>
                 <a:ea typeface="DejaVu Sans"/>
               </a:rPr>
-              <a:t>REFERENCIAS</a:t>
+              <a:t>METODOLOGIA</a:t>
             </a:r>
             <a:endParaRPr/>
           </a:p>
@@ -5458,8 +6422,8 @@
         </p:nvSpPr>
         <p:spPr>
           <a:xfrm>
-            <a:off x="1000080" y="1857240"/>
-            <a:ext cx="7143120" cy="3634560"/>
+            <a:off x="785880" y="1928880"/>
+            <a:ext cx="7428600" cy="3469320"/>
           </a:xfrm>
           <a:prstGeom prst="rect">
             <a:avLst/>
@@ -5480,129 +6444,34 @@
           <a:p>
             <a:pPr algn="just">
               <a:lnSpc>
-                <a:spcPts val="349"/>
-              </a:lnSpc>
-            </a:pPr>
-            <a:r>
-              <a:rPr lang="pt-BR" strike="noStrike">
-                <a:solidFill>
-                  <a:srgbClr val="000000"/>
-                </a:solidFill>
-                <a:latin typeface="Calibri"/>
-                <a:ea typeface="DejaVu Sans"/>
-              </a:rPr>
-              <a:t> </a:t>
-            </a:r>
-            <a:r>
-              <a:rPr lang="pt-BR" sz="2000" strike="noStrike">
+                <a:spcPct val="100000"/>
+              </a:lnSpc>
+            </a:pPr>
+            <a:endParaRPr/>
+          </a:p>
+          <a:p>
+            <a:pPr algn="just">
+              <a:lnSpc>
+                <a:spcPct val="100000"/>
+              </a:lnSpc>
+            </a:pPr>
+            <a:endParaRPr/>
+          </a:p>
+          <a:p>
+            <a:pPr algn="just">
+              <a:lnSpc>
+                <a:spcPct val="100000"/>
+              </a:lnSpc>
+            </a:pPr>
+            <a:r>
+              <a:rPr lang="pt-BR" sz="2800" strike="noStrike">
                 <a:solidFill>
                   <a:srgbClr val="000000"/>
                 </a:solidFill>
                 <a:latin typeface="Arial"/>
                 <a:ea typeface="DejaVu Sans"/>
               </a:rPr>
-              <a:t>De acordo com as normas da ABNT (NBR 6023, 2002, p. 2), referências são: “o conjunto de elementos que permitem a identificação, no todo ou em parte, de documentos impressos ou registrados em diversos tipo de material”, utilizados como fonte de consulta e citados no trabalho elaborado.  </a:t>
-            </a:r>
-            <a:endParaRPr/>
-          </a:p>
-          <a:p>
-            <a:pPr algn="just">
-              <a:lnSpc>
-                <a:spcPts val="349"/>
-              </a:lnSpc>
-            </a:pPr>
-            <a:endParaRPr/>
-          </a:p>
-          <a:p>
-            <a:pPr algn="just">
-              <a:lnSpc>
-                <a:spcPts val="349"/>
-              </a:lnSpc>
-            </a:pPr>
-            <a:endParaRPr/>
-          </a:p>
-          <a:p>
-            <a:pPr>
-              <a:lnSpc>
-                <a:spcPts val="349"/>
-              </a:lnSpc>
-            </a:pPr>
-            <a:r>
-              <a:rPr lang="pt-BR" strike="noStrike">
-                <a:solidFill>
-                  <a:srgbClr val="000000"/>
-                </a:solidFill>
-                <a:latin typeface="Calibri"/>
-                <a:ea typeface="DejaVu Sans"/>
-              </a:rPr>
-              <a:t>         </a:t>
-            </a:r>
-            <a:endParaRPr/>
-          </a:p>
-        </p:txBody>
-      </p:sp>
-      <p:sp>
-        <p:nvSpPr>
-          <p:cNvPr id="103" name="CustomShape 3"/>
-          <p:cNvSpPr/>
-          <p:nvPr/>
-        </p:nvSpPr>
-        <p:spPr>
-          <a:xfrm>
-            <a:off x="1071360" y="4214880"/>
-            <a:ext cx="7071480" cy="1004760"/>
-          </a:xfrm>
-          <a:prstGeom prst="rect">
-            <a:avLst/>
-          </a:prstGeom>
-          <a:noFill/>
-          <a:ln>
-            <a:noFill/>
-          </a:ln>
-        </p:spPr>
-        <p:style>
-          <a:lnRef idx="0"/>
-          <a:fillRef idx="0"/>
-          <a:effectRef idx="0"/>
-          <a:fontRef idx="minor"/>
-        </p:style>
-        <p:txBody>
-          <a:bodyPr lIns="90000" rIns="90000" tIns="45000" bIns="45000"/>
-          <a:p>
-            <a:pPr algn="just">
-              <a:lnSpc>
-                <a:spcPct val="100000"/>
-              </a:lnSpc>
-            </a:pPr>
-            <a:r>
-              <a:rPr lang="pt-BR" sz="2000" strike="noStrike">
-                <a:solidFill>
-                  <a:srgbClr val="000000"/>
-                </a:solidFill>
-                <a:latin typeface="Arial"/>
-                <a:ea typeface="DejaVu Sans"/>
-              </a:rPr>
-              <a:t>CAVALETT, Lauci Aparecida; JUSTINO, Elisa Kaspareit. </a:t>
-            </a:r>
-            <a:r>
-              <a:rPr b="1" lang="pt-BR" sz="2000" strike="noStrike">
-                <a:solidFill>
-                  <a:srgbClr val="000000"/>
-                </a:solidFill>
-                <a:latin typeface="Arial"/>
-                <a:ea typeface="DejaVu Sans"/>
-              </a:rPr>
-              <a:t>Metodologia científica e de pesquisa. </a:t>
-            </a:r>
-            <a:r>
-              <a:rPr lang="pt-BR" sz="2000" strike="noStrike">
-                <a:solidFill>
-                  <a:srgbClr val="000000"/>
-                </a:solidFill>
-                <a:latin typeface="Arial"/>
-                <a:ea typeface="DejaVu Sans"/>
-              </a:rPr>
-              <a:t>2. ed. Florianópolis: SENAI/SC Florianópolis, 2007. </a:t>
+              <a:t>Pesquisa experimental, com a analise e aplicações das técnicas propostas e a elaboração de um comparativo com o resultado obtido.</a:t>
             </a:r>
             <a:endParaRPr/>
           </a:p>
